--- a/Project/제출용/1차 발표 ppt.pptx
+++ b/Project/제출용/1차 발표 ppt.pptx
@@ -2,18 +2,25 @@
 <file path=ppt/presentation.xml><?xml version="1.0" encoding="utf-8"?>
 <p:presentation xmlns:a="http://schemas.openxmlformats.org/drawingml/2006/main" xmlns:r="http://schemas.openxmlformats.org/officeDocument/2006/relationships" xmlns:p="http://schemas.openxmlformats.org/presentationml/2006/main" saveSubsetFonts="1">
   <p:sldMasterIdLst>
-    <p:sldMasterId id="2147483648" r:id="rId1"/>
+    <p:sldMasterId id="2147483765" r:id="rId1"/>
   </p:sldMasterIdLst>
   <p:sldIdLst>
     <p:sldId id="256" r:id="rId2"/>
+    <p:sldId id="258" r:id="rId3"/>
+    <p:sldId id="259" r:id="rId4"/>
+    <p:sldId id="262" r:id="rId5"/>
+    <p:sldId id="261" r:id="rId6"/>
+    <p:sldId id="260" r:id="rId7"/>
+    <p:sldId id="263" r:id="rId8"/>
+    <p:sldId id="264" r:id="rId9"/>
   </p:sldIdLst>
   <p:sldSz cx="12192000" cy="6858000"/>
   <p:notesSz cx="6858000" cy="9144000"/>
   <p:defaultTextStyle>
     <a:defPPr>
-      <a:defRPr lang="ko-KR"/>
+      <a:defRPr lang="en-US"/>
     </a:defPPr>
-    <a:lvl1pPr marL="0" algn="l" defTabSz="914400" rtl="0" eaLnBrk="1" latinLnBrk="1" hangingPunct="1">
+    <a:lvl1pPr marL="0" algn="l" defTabSz="457200" rtl="0" eaLnBrk="1" latinLnBrk="0" hangingPunct="1">
       <a:defRPr sz="1800" kern="1200">
         <a:solidFill>
           <a:schemeClr val="tx1"/>
@@ -23,7 +30,7 @@
         <a:cs typeface="+mn-cs"/>
       </a:defRPr>
     </a:lvl1pPr>
-    <a:lvl2pPr marL="457200" algn="l" defTabSz="914400" rtl="0" eaLnBrk="1" latinLnBrk="1" hangingPunct="1">
+    <a:lvl2pPr marL="457200" algn="l" defTabSz="457200" rtl="0" eaLnBrk="1" latinLnBrk="0" hangingPunct="1">
       <a:defRPr sz="1800" kern="1200">
         <a:solidFill>
           <a:schemeClr val="tx1"/>
@@ -33,7 +40,7 @@
         <a:cs typeface="+mn-cs"/>
       </a:defRPr>
     </a:lvl2pPr>
-    <a:lvl3pPr marL="914400" algn="l" defTabSz="914400" rtl="0" eaLnBrk="1" latinLnBrk="1" hangingPunct="1">
+    <a:lvl3pPr marL="914400" algn="l" defTabSz="457200" rtl="0" eaLnBrk="1" latinLnBrk="0" hangingPunct="1">
       <a:defRPr sz="1800" kern="1200">
         <a:solidFill>
           <a:schemeClr val="tx1"/>
@@ -43,7 +50,7 @@
         <a:cs typeface="+mn-cs"/>
       </a:defRPr>
     </a:lvl3pPr>
-    <a:lvl4pPr marL="1371600" algn="l" defTabSz="914400" rtl="0" eaLnBrk="1" latinLnBrk="1" hangingPunct="1">
+    <a:lvl4pPr marL="1371600" algn="l" defTabSz="457200" rtl="0" eaLnBrk="1" latinLnBrk="0" hangingPunct="1">
       <a:defRPr sz="1800" kern="1200">
         <a:solidFill>
           <a:schemeClr val="tx1"/>
@@ -53,7 +60,7 @@
         <a:cs typeface="+mn-cs"/>
       </a:defRPr>
     </a:lvl4pPr>
-    <a:lvl5pPr marL="1828800" algn="l" defTabSz="914400" rtl="0" eaLnBrk="1" latinLnBrk="1" hangingPunct="1">
+    <a:lvl5pPr marL="1828800" algn="l" defTabSz="457200" rtl="0" eaLnBrk="1" latinLnBrk="0" hangingPunct="1">
       <a:defRPr sz="1800" kern="1200">
         <a:solidFill>
           <a:schemeClr val="tx1"/>
@@ -63,7 +70,7 @@
         <a:cs typeface="+mn-cs"/>
       </a:defRPr>
     </a:lvl5pPr>
-    <a:lvl6pPr marL="2286000" algn="l" defTabSz="914400" rtl="0" eaLnBrk="1" latinLnBrk="1" hangingPunct="1">
+    <a:lvl6pPr marL="2286000" algn="l" defTabSz="457200" rtl="0" eaLnBrk="1" latinLnBrk="0" hangingPunct="1">
       <a:defRPr sz="1800" kern="1200">
         <a:solidFill>
           <a:schemeClr val="tx1"/>
@@ -73,7 +80,7 @@
         <a:cs typeface="+mn-cs"/>
       </a:defRPr>
     </a:lvl6pPr>
-    <a:lvl7pPr marL="2743200" algn="l" defTabSz="914400" rtl="0" eaLnBrk="1" latinLnBrk="1" hangingPunct="1">
+    <a:lvl7pPr marL="2743200" algn="l" defTabSz="457200" rtl="0" eaLnBrk="1" latinLnBrk="0" hangingPunct="1">
       <a:defRPr sz="1800" kern="1200">
         <a:solidFill>
           <a:schemeClr val="tx1"/>
@@ -83,7 +90,7 @@
         <a:cs typeface="+mn-cs"/>
       </a:defRPr>
     </a:lvl7pPr>
-    <a:lvl8pPr marL="3200400" algn="l" defTabSz="914400" rtl="0" eaLnBrk="1" latinLnBrk="1" hangingPunct="1">
+    <a:lvl8pPr marL="3200400" algn="l" defTabSz="457200" rtl="0" eaLnBrk="1" latinLnBrk="0" hangingPunct="1">
       <a:defRPr sz="1800" kern="1200">
         <a:solidFill>
           <a:schemeClr val="tx1"/>
@@ -93,7 +100,7 @@
         <a:cs typeface="+mn-cs"/>
       </a:defRPr>
     </a:lvl8pPr>
-    <a:lvl9pPr marL="3657600" algn="l" defTabSz="914400" rtl="0" eaLnBrk="1" latinLnBrk="1" hangingPunct="1">
+    <a:lvl9pPr marL="3657600" algn="l" defTabSz="457200" rtl="0" eaLnBrk="1" latinLnBrk="0" hangingPunct="1">
       <a:defRPr sz="1800" kern="1200">
         <a:solidFill>
           <a:schemeClr val="tx1"/>
@@ -104,11 +111,16 @@
       </a:defRPr>
     </a:lvl9pPr>
   </p:defaultTextStyle>
+  <p:extLst>
+    <p:ext uri="{EFAFB233-063F-42B5-8137-9DF3F51BA10A}">
+      <p15:sldGuideLst xmlns:p15="http://schemas.microsoft.com/office/powerpoint/2012/main"/>
+    </p:ext>
+  </p:extLst>
 </p:presentation>
 </file>
 
 <file path=ppt/slideLayouts/slideLayout1.xml><?xml version="1.0" encoding="utf-8"?>
-<p:sldLayout xmlns:a="http://schemas.openxmlformats.org/drawingml/2006/main" xmlns:r="http://schemas.openxmlformats.org/officeDocument/2006/relationships" xmlns:p="http://schemas.openxmlformats.org/presentationml/2006/main" type="title" preserve="1">
+<p:sldLayout xmlns:a="http://schemas.openxmlformats.org/drawingml/2006/main" xmlns:r="http://schemas.openxmlformats.org/officeDocument/2006/relationships" xmlns:p="http://schemas.openxmlformats.org/presentationml/2006/main" showMasterSp="0" type="title" preserve="1">
   <p:cSld name="제목 슬라이드">
     <p:spTree>
       <p:nvGrpSpPr>
@@ -126,13 +138,83 @@
       </p:grpSpPr>
       <p:sp>
         <p:nvSpPr>
-          <p:cNvPr id="2" name="제목 1">
-            <a:extLst>
-              <a:ext uri="{FF2B5EF4-FFF2-40B4-BE49-F238E27FC236}">
-                <a16:creationId xmlns:a16="http://schemas.microsoft.com/office/drawing/2014/main" id="{BD5735D6-B6C8-4C6C-BAC7-EF92240C3A94}"/>
-              </a:ext>
-            </a:extLst>
-          </p:cNvPr>
+          <p:cNvPr id="7" name="Rectangle 6"/>
+          <p:cNvSpPr/>
+          <p:nvPr/>
+        </p:nvSpPr>
+        <p:spPr>
+          <a:xfrm>
+            <a:off x="3175" y="6400800"/>
+            <a:ext cx="12188825" cy="457200"/>
+          </a:xfrm>
+          <a:prstGeom prst="rect">
+            <a:avLst/>
+          </a:prstGeom>
+          <a:solidFill>
+            <a:schemeClr val="accent2"/>
+          </a:solidFill>
+          <a:ln>
+            <a:noFill/>
+          </a:ln>
+        </p:spPr>
+        <p:style>
+          <a:lnRef idx="2">
+            <a:schemeClr val="accent1">
+              <a:shade val="50000"/>
+            </a:schemeClr>
+          </a:lnRef>
+          <a:fillRef idx="1">
+            <a:schemeClr val="accent1"/>
+          </a:fillRef>
+          <a:effectRef idx="0">
+            <a:schemeClr val="accent1"/>
+          </a:effectRef>
+          <a:fontRef idx="minor">
+            <a:schemeClr val="lt1"/>
+          </a:fontRef>
+        </p:style>
+      </p:sp>
+      <p:sp>
+        <p:nvSpPr>
+          <p:cNvPr id="8" name="Rectangle 7"/>
+          <p:cNvSpPr/>
+          <p:nvPr/>
+        </p:nvSpPr>
+        <p:spPr>
+          <a:xfrm>
+            <a:off x="15" y="6334316"/>
+            <a:ext cx="12188825" cy="64008"/>
+          </a:xfrm>
+          <a:prstGeom prst="rect">
+            <a:avLst/>
+          </a:prstGeom>
+          <a:solidFill>
+            <a:schemeClr val="accent1"/>
+          </a:solidFill>
+          <a:ln>
+            <a:noFill/>
+          </a:ln>
+        </p:spPr>
+        <p:style>
+          <a:lnRef idx="2">
+            <a:schemeClr val="accent1">
+              <a:shade val="50000"/>
+            </a:schemeClr>
+          </a:lnRef>
+          <a:fillRef idx="1">
+            <a:schemeClr val="accent1"/>
+          </a:fillRef>
+          <a:effectRef idx="0">
+            <a:schemeClr val="accent1"/>
+          </a:effectRef>
+          <a:fontRef idx="minor">
+            <a:schemeClr val="lt1"/>
+          </a:fontRef>
+        </p:style>
+      </p:sp>
+      <p:sp>
+        <p:nvSpPr>
+          <p:cNvPr id="2" name="Title 1"/>
           <p:cNvSpPr>
             <a:spLocks noGrp="1"/>
           </p:cNvSpPr>
@@ -142,15 +224,27 @@
         </p:nvSpPr>
         <p:spPr>
           <a:xfrm>
-            <a:off x="1524000" y="1122363"/>
-            <a:ext cx="9144000" cy="2387600"/>
+            <a:off x="1097280" y="758952"/>
+            <a:ext cx="10058400" cy="3566160"/>
           </a:xfrm>
         </p:spPr>
         <p:txBody>
-          <a:bodyPr anchor="b"/>
+          <a:bodyPr anchor="b">
+            <a:normAutofit/>
+          </a:bodyPr>
           <a:lstStyle>
-            <a:lvl1pPr algn="ctr">
-              <a:defRPr sz="6000"/>
+            <a:lvl1pPr algn="l">
+              <a:lnSpc>
+                <a:spcPct val="85000"/>
+              </a:lnSpc>
+              <a:defRPr sz="8000" spc="-50" baseline="0">
+                <a:solidFill>
+                  <a:schemeClr val="tx1">
+                    <a:lumMod val="85000"/>
+                    <a:lumOff val="15000"/>
+                  </a:schemeClr>
+                </a:solidFill>
+              </a:defRPr>
             </a:lvl1pPr>
           </a:lstStyle>
           <a:p>
@@ -158,18 +252,13 @@
               <a:rPr lang="ko-KR" altLang="en-US"/>
               <a:t>마스터 제목 스타일 편집</a:t>
             </a:r>
-          </a:p>
-        </p:txBody>
-      </p:sp>
-      <p:sp>
-        <p:nvSpPr>
-          <p:cNvPr id="3" name="부제목 2">
-            <a:extLst>
-              <a:ext uri="{FF2B5EF4-FFF2-40B4-BE49-F238E27FC236}">
-                <a16:creationId xmlns:a16="http://schemas.microsoft.com/office/drawing/2014/main" id="{2311B4F1-B463-4E72-8939-44C1F8424C76}"/>
-              </a:ext>
-            </a:extLst>
-          </p:cNvPr>
+            <a:endParaRPr lang="en-US" dirty="0"/>
+          </a:p>
+        </p:txBody>
+      </p:sp>
+      <p:sp>
+        <p:nvSpPr>
+          <p:cNvPr id="3" name="Subtitle 2"/>
           <p:cNvSpPr>
             <a:spLocks noGrp="1"/>
           </p:cNvSpPr>
@@ -179,48 +268,55 @@
         </p:nvSpPr>
         <p:spPr>
           <a:xfrm>
-            <a:off x="1524000" y="3602038"/>
-            <a:ext cx="9144000" cy="1655762"/>
+            <a:off x="1100051" y="4455620"/>
+            <a:ext cx="10058400" cy="1143000"/>
           </a:xfrm>
         </p:spPr>
         <p:txBody>
-          <a:bodyPr/>
+          <a:bodyPr lIns="91440" rIns="91440">
+            <a:normAutofit/>
+          </a:bodyPr>
           <a:lstStyle>
-            <a:lvl1pPr marL="0" indent="0" algn="ctr">
+            <a:lvl1pPr marL="0" indent="0" algn="l">
               <a:buNone/>
-              <a:defRPr sz="2400"/>
+              <a:defRPr sz="2400" cap="all" spc="200" baseline="0">
+                <a:solidFill>
+                  <a:schemeClr val="tx2"/>
+                </a:solidFill>
+                <a:latin typeface="+mj-lt"/>
+              </a:defRPr>
             </a:lvl1pPr>
             <a:lvl2pPr marL="457200" indent="0" algn="ctr">
               <a:buNone/>
-              <a:defRPr sz="2000"/>
+              <a:defRPr sz="2400"/>
             </a:lvl2pPr>
             <a:lvl3pPr marL="914400" indent="0" algn="ctr">
               <a:buNone/>
-              <a:defRPr sz="1800"/>
+              <a:defRPr sz="2400"/>
             </a:lvl3pPr>
             <a:lvl4pPr marL="1371600" indent="0" algn="ctr">
               <a:buNone/>
-              <a:defRPr sz="1600"/>
+              <a:defRPr sz="2000"/>
             </a:lvl4pPr>
             <a:lvl5pPr marL="1828800" indent="0" algn="ctr">
               <a:buNone/>
-              <a:defRPr sz="1600"/>
+              <a:defRPr sz="2000"/>
             </a:lvl5pPr>
             <a:lvl6pPr marL="2286000" indent="0" algn="ctr">
               <a:buNone/>
-              <a:defRPr sz="1600"/>
+              <a:defRPr sz="2000"/>
             </a:lvl6pPr>
             <a:lvl7pPr marL="2743200" indent="0" algn="ctr">
               <a:buNone/>
-              <a:defRPr sz="1600"/>
+              <a:defRPr sz="2000"/>
             </a:lvl7pPr>
             <a:lvl8pPr marL="3200400" indent="0" algn="ctr">
               <a:buNone/>
-              <a:defRPr sz="1600"/>
+              <a:defRPr sz="2000"/>
             </a:lvl8pPr>
             <a:lvl9pPr marL="3657600" indent="0" algn="ctr">
               <a:buNone/>
-              <a:defRPr sz="1600"/>
+              <a:defRPr sz="2000"/>
             </a:lvl9pPr>
           </a:lstStyle>
           <a:p>
@@ -228,18 +324,13 @@
               <a:rPr lang="ko-KR" altLang="en-US"/>
               <a:t>클릭하여 마스터 부제목 스타일 편집</a:t>
             </a:r>
-          </a:p>
-        </p:txBody>
-      </p:sp>
-      <p:sp>
-        <p:nvSpPr>
-          <p:cNvPr id="4" name="날짜 개체 틀 3">
-            <a:extLst>
-              <a:ext uri="{FF2B5EF4-FFF2-40B4-BE49-F238E27FC236}">
-                <a16:creationId xmlns:a16="http://schemas.microsoft.com/office/drawing/2014/main" id="{F9635701-EF95-450E-80EF-2147634D32E0}"/>
-              </a:ext>
-            </a:extLst>
-          </p:cNvPr>
+            <a:endParaRPr lang="en-US" dirty="0"/>
+          </a:p>
+        </p:txBody>
+      </p:sp>
+      <p:sp>
+        <p:nvSpPr>
+          <p:cNvPr id="4" name="Date Placeholder 3"/>
           <p:cNvSpPr>
             <a:spLocks noGrp="1"/>
           </p:cNvSpPr>
@@ -254,21 +345,15 @@
           <a:p>
             <a:fld id="{1AE69FE4-68FA-4322-8FD3-4FE44DC8E21C}" type="datetimeFigureOut">
               <a:rPr lang="ko-KR" altLang="en-US" smtClean="0"/>
-              <a:t>2018-09-25</a:t>
+              <a:t>2018-09-26</a:t>
             </a:fld>
-            <a:endParaRPr lang="ko-KR" altLang="en-US"/>
-          </a:p>
-        </p:txBody>
-      </p:sp>
-      <p:sp>
-        <p:nvSpPr>
-          <p:cNvPr id="5" name="바닥글 개체 틀 4">
-            <a:extLst>
-              <a:ext uri="{FF2B5EF4-FFF2-40B4-BE49-F238E27FC236}">
-                <a16:creationId xmlns:a16="http://schemas.microsoft.com/office/drawing/2014/main" id="{21D822BE-C9E5-41AA-BD64-5F4B8C2C4E29}"/>
-              </a:ext>
-            </a:extLst>
-          </p:cNvPr>
+            <a:endParaRPr lang="ko-KR" altLang="en-US" dirty="0"/>
+          </a:p>
+        </p:txBody>
+      </p:sp>
+      <p:sp>
+        <p:nvSpPr>
+          <p:cNvPr id="5" name="Footer Placeholder 4"/>
           <p:cNvSpPr>
             <a:spLocks noGrp="1"/>
           </p:cNvSpPr>
@@ -281,19 +366,13 @@
           <a:bodyPr/>
           <a:lstStyle/>
           <a:p>
-            <a:endParaRPr lang="ko-KR" altLang="en-US"/>
-          </a:p>
-        </p:txBody>
-      </p:sp>
-      <p:sp>
-        <p:nvSpPr>
-          <p:cNvPr id="6" name="슬라이드 번호 개체 틀 5">
-            <a:extLst>
-              <a:ext uri="{FF2B5EF4-FFF2-40B4-BE49-F238E27FC236}">
-                <a16:creationId xmlns:a16="http://schemas.microsoft.com/office/drawing/2014/main" id="{22A4F7BB-F4DB-4FDC-8F8D-B53246BBB840}"/>
-              </a:ext>
-            </a:extLst>
-          </p:cNvPr>
+            <a:endParaRPr lang="ko-KR" altLang="en-US" dirty="0"/>
+          </a:p>
+        </p:txBody>
+      </p:sp>
+      <p:sp>
+        <p:nvSpPr>
+          <p:cNvPr id="6" name="Slide Number Placeholder 5"/>
           <p:cNvSpPr>
             <a:spLocks noGrp="1"/>
           </p:cNvSpPr>
@@ -310,14 +389,52 @@
               <a:rPr lang="ko-KR" altLang="en-US" smtClean="0"/>
               <a:t>‹#›</a:t>
             </a:fld>
-            <a:endParaRPr lang="ko-KR" altLang="en-US"/>
-          </a:p>
-        </p:txBody>
-      </p:sp>
+            <a:endParaRPr lang="ko-KR" altLang="en-US" dirty="0"/>
+          </a:p>
+        </p:txBody>
+      </p:sp>
+      <p:cxnSp>
+        <p:nvCxnSpPr>
+          <p:cNvPr id="9" name="Straight Connector 8"/>
+          <p:cNvCxnSpPr/>
+          <p:nvPr/>
+        </p:nvCxnSpPr>
+        <p:spPr>
+          <a:xfrm>
+            <a:off x="1207658" y="4343400"/>
+            <a:ext cx="9875520" cy="0"/>
+          </a:xfrm>
+          <a:prstGeom prst="line">
+            <a:avLst/>
+          </a:prstGeom>
+          <a:ln w="6350">
+            <a:solidFill>
+              <a:schemeClr val="tx1">
+                <a:lumMod val="50000"/>
+                <a:lumOff val="50000"/>
+              </a:schemeClr>
+            </a:solidFill>
+          </a:ln>
+        </p:spPr>
+        <p:style>
+          <a:lnRef idx="1">
+            <a:schemeClr val="accent1"/>
+          </a:lnRef>
+          <a:fillRef idx="0">
+            <a:schemeClr val="accent1"/>
+          </a:fillRef>
+          <a:effectRef idx="0">
+            <a:schemeClr val="accent1"/>
+          </a:effectRef>
+          <a:fontRef idx="minor">
+            <a:schemeClr val="tx1"/>
+          </a:fontRef>
+        </p:style>
+      </p:cxnSp>
     </p:spTree>
     <p:extLst>
       <p:ext uri="{BB962C8B-B14F-4D97-AF65-F5344CB8AC3E}">
-        <p14:creationId xmlns:p14="http://schemas.microsoft.com/office/powerpoint/2010/main" val="1639194475"/>
+        <p14:creationId xmlns:p14="http://schemas.microsoft.com/office/powerpoint/2010/main" val="3552270021"/>
       </p:ext>
     </p:extLst>
   </p:cSld>
@@ -346,13 +463,7 @@
       </p:grpSpPr>
       <p:sp>
         <p:nvSpPr>
-          <p:cNvPr id="2" name="제목 1">
-            <a:extLst>
-              <a:ext uri="{FF2B5EF4-FFF2-40B4-BE49-F238E27FC236}">
-                <a16:creationId xmlns:a16="http://schemas.microsoft.com/office/drawing/2014/main" id="{AA3C3BD6-A11F-48D6-A6A5-19E11E6FDB58}"/>
-              </a:ext>
-            </a:extLst>
-          </p:cNvPr>
+          <p:cNvPr id="2" name="Title 1"/>
           <p:cNvSpPr>
             <a:spLocks noGrp="1"/>
           </p:cNvSpPr>
@@ -369,18 +480,13 @@
               <a:rPr lang="ko-KR" altLang="en-US"/>
               <a:t>마스터 제목 스타일 편집</a:t>
             </a:r>
-          </a:p>
-        </p:txBody>
-      </p:sp>
-      <p:sp>
-        <p:nvSpPr>
-          <p:cNvPr id="3" name="세로 텍스트 개체 틀 2">
-            <a:extLst>
-              <a:ext uri="{FF2B5EF4-FFF2-40B4-BE49-F238E27FC236}">
-                <a16:creationId xmlns:a16="http://schemas.microsoft.com/office/drawing/2014/main" id="{FBB406D6-3AE6-4230-BF6A-26100516A0B8}"/>
-              </a:ext>
-            </a:extLst>
-          </p:cNvPr>
+            <a:endParaRPr lang="en-US" dirty="0"/>
+          </a:p>
+        </p:txBody>
+      </p:sp>
+      <p:sp>
+        <p:nvSpPr>
+          <p:cNvPr id="3" name="Vertical Text Placeholder 2"/>
           <p:cNvSpPr>
             <a:spLocks noGrp="1"/>
           </p:cNvSpPr>
@@ -390,7 +496,7 @@
         </p:nvSpPr>
         <p:spPr/>
         <p:txBody>
-          <a:bodyPr vert="eaVert"/>
+          <a:bodyPr vert="eaVert" lIns="45720" tIns="0" rIns="45720" bIns="0"/>
           <a:lstStyle/>
           <a:p>
             <a:pPr lvl="0"/>
@@ -426,18 +532,13 @@
               <a:rPr lang="ko-KR" altLang="en-US"/>
               <a:t>다섯째 수준</a:t>
             </a:r>
-          </a:p>
-        </p:txBody>
-      </p:sp>
-      <p:sp>
-        <p:nvSpPr>
-          <p:cNvPr id="4" name="날짜 개체 틀 3">
-            <a:extLst>
-              <a:ext uri="{FF2B5EF4-FFF2-40B4-BE49-F238E27FC236}">
-                <a16:creationId xmlns:a16="http://schemas.microsoft.com/office/drawing/2014/main" id="{D17B17E6-6D89-47BC-80FB-6FE833794781}"/>
-              </a:ext>
-            </a:extLst>
-          </p:cNvPr>
+            <a:endParaRPr lang="en-US" dirty="0"/>
+          </a:p>
+        </p:txBody>
+      </p:sp>
+      <p:sp>
+        <p:nvSpPr>
+          <p:cNvPr id="4" name="Date Placeholder 3"/>
           <p:cNvSpPr>
             <a:spLocks noGrp="1"/>
           </p:cNvSpPr>
@@ -452,21 +553,15 @@
           <a:p>
             <a:fld id="{1AE69FE4-68FA-4322-8FD3-4FE44DC8E21C}" type="datetimeFigureOut">
               <a:rPr lang="ko-KR" altLang="en-US" smtClean="0"/>
-              <a:t>2018-09-25</a:t>
+              <a:t>2018-09-26</a:t>
             </a:fld>
-            <a:endParaRPr lang="ko-KR" altLang="en-US"/>
-          </a:p>
-        </p:txBody>
-      </p:sp>
-      <p:sp>
-        <p:nvSpPr>
-          <p:cNvPr id="5" name="바닥글 개체 틀 4">
-            <a:extLst>
-              <a:ext uri="{FF2B5EF4-FFF2-40B4-BE49-F238E27FC236}">
-                <a16:creationId xmlns:a16="http://schemas.microsoft.com/office/drawing/2014/main" id="{D753F0F7-68F9-4360-BF80-D1AAE4B485AB}"/>
-              </a:ext>
-            </a:extLst>
-          </p:cNvPr>
+            <a:endParaRPr lang="ko-KR" altLang="en-US" dirty="0"/>
+          </a:p>
+        </p:txBody>
+      </p:sp>
+      <p:sp>
+        <p:nvSpPr>
+          <p:cNvPr id="5" name="Footer Placeholder 4"/>
           <p:cNvSpPr>
             <a:spLocks noGrp="1"/>
           </p:cNvSpPr>
@@ -479,19 +574,13 @@
           <a:bodyPr/>
           <a:lstStyle/>
           <a:p>
-            <a:endParaRPr lang="ko-KR" altLang="en-US"/>
-          </a:p>
-        </p:txBody>
-      </p:sp>
-      <p:sp>
-        <p:nvSpPr>
-          <p:cNvPr id="6" name="슬라이드 번호 개체 틀 5">
-            <a:extLst>
-              <a:ext uri="{FF2B5EF4-FFF2-40B4-BE49-F238E27FC236}">
-                <a16:creationId xmlns:a16="http://schemas.microsoft.com/office/drawing/2014/main" id="{5D19C162-FEF4-4F4E-B59D-961FE832945F}"/>
-              </a:ext>
-            </a:extLst>
-          </p:cNvPr>
+            <a:endParaRPr lang="ko-KR" altLang="en-US" dirty="0"/>
+          </a:p>
+        </p:txBody>
+      </p:sp>
+      <p:sp>
+        <p:nvSpPr>
+          <p:cNvPr id="6" name="Slide Number Placeholder 5"/>
           <p:cNvSpPr>
             <a:spLocks noGrp="1"/>
           </p:cNvSpPr>
@@ -508,14 +597,14 @@
               <a:rPr lang="ko-KR" altLang="en-US" smtClean="0"/>
               <a:t>‹#›</a:t>
             </a:fld>
-            <a:endParaRPr lang="ko-KR" altLang="en-US"/>
+            <a:endParaRPr lang="ko-KR" altLang="en-US" dirty="0"/>
           </a:p>
         </p:txBody>
       </p:sp>
     </p:spTree>
     <p:extLst>
       <p:ext uri="{BB962C8B-B14F-4D97-AF65-F5344CB8AC3E}">
-        <p14:creationId xmlns:p14="http://schemas.microsoft.com/office/powerpoint/2010/main" val="1920316498"/>
+        <p14:creationId xmlns:p14="http://schemas.microsoft.com/office/powerpoint/2010/main" val="3788497214"/>
       </p:ext>
     </p:extLst>
   </p:cSld>
@@ -526,7 +615,7 @@
 </file>
 
 <file path=ppt/slideLayouts/slideLayout11.xml><?xml version="1.0" encoding="utf-8"?>
-<p:sldLayout xmlns:a="http://schemas.openxmlformats.org/drawingml/2006/main" xmlns:r="http://schemas.openxmlformats.org/officeDocument/2006/relationships" xmlns:p="http://schemas.openxmlformats.org/presentationml/2006/main" type="vertTitleAndTx" preserve="1">
+<p:sldLayout xmlns:a="http://schemas.openxmlformats.org/drawingml/2006/main" xmlns:r="http://schemas.openxmlformats.org/officeDocument/2006/relationships" xmlns:p="http://schemas.openxmlformats.org/presentationml/2006/main" showMasterSp="0" type="vertTitleAndTx" preserve="1">
   <p:cSld name="세로 제목 및 텍스트">
     <p:spTree>
       <p:nvGrpSpPr>
@@ -544,13 +633,83 @@
       </p:grpSpPr>
       <p:sp>
         <p:nvSpPr>
-          <p:cNvPr id="2" name="세로 제목 1">
-            <a:extLst>
-              <a:ext uri="{FF2B5EF4-FFF2-40B4-BE49-F238E27FC236}">
-                <a16:creationId xmlns:a16="http://schemas.microsoft.com/office/drawing/2014/main" id="{596CF7ED-553E-4094-8F40-0A7A724D5E1B}"/>
-              </a:ext>
-            </a:extLst>
-          </p:cNvPr>
+          <p:cNvPr id="7" name="Rectangle 6"/>
+          <p:cNvSpPr/>
+          <p:nvPr/>
+        </p:nvSpPr>
+        <p:spPr>
+          <a:xfrm>
+            <a:off x="3175" y="6400800"/>
+            <a:ext cx="12188825" cy="457200"/>
+          </a:xfrm>
+          <a:prstGeom prst="rect">
+            <a:avLst/>
+          </a:prstGeom>
+          <a:solidFill>
+            <a:schemeClr val="accent2"/>
+          </a:solidFill>
+          <a:ln>
+            <a:noFill/>
+          </a:ln>
+        </p:spPr>
+        <p:style>
+          <a:lnRef idx="2">
+            <a:schemeClr val="accent1">
+              <a:shade val="50000"/>
+            </a:schemeClr>
+          </a:lnRef>
+          <a:fillRef idx="1">
+            <a:schemeClr val="accent1"/>
+          </a:fillRef>
+          <a:effectRef idx="0">
+            <a:schemeClr val="accent1"/>
+          </a:effectRef>
+          <a:fontRef idx="minor">
+            <a:schemeClr val="lt1"/>
+          </a:fontRef>
+        </p:style>
+      </p:sp>
+      <p:sp>
+        <p:nvSpPr>
+          <p:cNvPr id="8" name="Rectangle 7"/>
+          <p:cNvSpPr/>
+          <p:nvPr/>
+        </p:nvSpPr>
+        <p:spPr>
+          <a:xfrm>
+            <a:off x="15" y="6334316"/>
+            <a:ext cx="12188825" cy="64008"/>
+          </a:xfrm>
+          <a:prstGeom prst="rect">
+            <a:avLst/>
+          </a:prstGeom>
+          <a:solidFill>
+            <a:schemeClr val="accent1"/>
+          </a:solidFill>
+          <a:ln>
+            <a:noFill/>
+          </a:ln>
+        </p:spPr>
+        <p:style>
+          <a:lnRef idx="2">
+            <a:schemeClr val="accent1">
+              <a:shade val="50000"/>
+            </a:schemeClr>
+          </a:lnRef>
+          <a:fillRef idx="1">
+            <a:schemeClr val="accent1"/>
+          </a:fillRef>
+          <a:effectRef idx="0">
+            <a:schemeClr val="accent1"/>
+          </a:effectRef>
+          <a:fontRef idx="minor">
+            <a:schemeClr val="lt1"/>
+          </a:fontRef>
+        </p:style>
+      </p:sp>
+      <p:sp>
+        <p:nvSpPr>
+          <p:cNvPr id="2" name="Vertical Title 1"/>
           <p:cNvSpPr>
             <a:spLocks noGrp="1"/>
           </p:cNvSpPr>
@@ -560,8 +719,8 @@
         </p:nvSpPr>
         <p:spPr>
           <a:xfrm>
-            <a:off x="8724900" y="365125"/>
-            <a:ext cx="2628900" cy="5811838"/>
+            <a:off x="8724900" y="414778"/>
+            <a:ext cx="2628900" cy="5757421"/>
           </a:xfrm>
         </p:spPr>
         <p:txBody>
@@ -572,18 +731,13 @@
               <a:rPr lang="ko-KR" altLang="en-US"/>
               <a:t>마스터 제목 스타일 편집</a:t>
             </a:r>
-          </a:p>
-        </p:txBody>
-      </p:sp>
-      <p:sp>
-        <p:nvSpPr>
-          <p:cNvPr id="3" name="세로 텍스트 개체 틀 2">
-            <a:extLst>
-              <a:ext uri="{FF2B5EF4-FFF2-40B4-BE49-F238E27FC236}">
-                <a16:creationId xmlns:a16="http://schemas.microsoft.com/office/drawing/2014/main" id="{27F2FAA3-9B58-4610-B37D-764110C12728}"/>
-              </a:ext>
-            </a:extLst>
-          </p:cNvPr>
+            <a:endParaRPr lang="en-US" dirty="0"/>
+          </a:p>
+        </p:txBody>
+      </p:sp>
+      <p:sp>
+        <p:nvSpPr>
+          <p:cNvPr id="3" name="Vertical Text Placeholder 2"/>
           <p:cNvSpPr>
             <a:spLocks noGrp="1"/>
           </p:cNvSpPr>
@@ -593,12 +747,12 @@
         </p:nvSpPr>
         <p:spPr>
           <a:xfrm>
-            <a:off x="838200" y="365125"/>
-            <a:ext cx="7734300" cy="5811838"/>
+            <a:off x="838200" y="414778"/>
+            <a:ext cx="7734300" cy="5757422"/>
           </a:xfrm>
         </p:spPr>
         <p:txBody>
-          <a:bodyPr vert="eaVert"/>
+          <a:bodyPr vert="eaVert" lIns="45720" tIns="0" rIns="45720" bIns="0"/>
           <a:lstStyle/>
           <a:p>
             <a:pPr lvl="0"/>
@@ -634,18 +788,13 @@
               <a:rPr lang="ko-KR" altLang="en-US"/>
               <a:t>다섯째 수준</a:t>
             </a:r>
-          </a:p>
-        </p:txBody>
-      </p:sp>
-      <p:sp>
-        <p:nvSpPr>
-          <p:cNvPr id="4" name="날짜 개체 틀 3">
-            <a:extLst>
-              <a:ext uri="{FF2B5EF4-FFF2-40B4-BE49-F238E27FC236}">
-                <a16:creationId xmlns:a16="http://schemas.microsoft.com/office/drawing/2014/main" id="{2EE12A41-4585-4ED7-8B89-C10C85D7A451}"/>
-              </a:ext>
-            </a:extLst>
-          </p:cNvPr>
+            <a:endParaRPr lang="en-US" dirty="0"/>
+          </a:p>
+        </p:txBody>
+      </p:sp>
+      <p:sp>
+        <p:nvSpPr>
+          <p:cNvPr id="4" name="Date Placeholder 3"/>
           <p:cNvSpPr>
             <a:spLocks noGrp="1"/>
           </p:cNvSpPr>
@@ -660,21 +809,15 @@
           <a:p>
             <a:fld id="{1AE69FE4-68FA-4322-8FD3-4FE44DC8E21C}" type="datetimeFigureOut">
               <a:rPr lang="ko-KR" altLang="en-US" smtClean="0"/>
-              <a:t>2018-09-25</a:t>
+              <a:t>2018-09-26</a:t>
             </a:fld>
-            <a:endParaRPr lang="ko-KR" altLang="en-US"/>
-          </a:p>
-        </p:txBody>
-      </p:sp>
-      <p:sp>
-        <p:nvSpPr>
-          <p:cNvPr id="5" name="바닥글 개체 틀 4">
-            <a:extLst>
-              <a:ext uri="{FF2B5EF4-FFF2-40B4-BE49-F238E27FC236}">
-                <a16:creationId xmlns:a16="http://schemas.microsoft.com/office/drawing/2014/main" id="{5F515780-3529-4B13-88B9-2E90E3988DED}"/>
-              </a:ext>
-            </a:extLst>
-          </p:cNvPr>
+            <a:endParaRPr lang="ko-KR" altLang="en-US" dirty="0"/>
+          </a:p>
+        </p:txBody>
+      </p:sp>
+      <p:sp>
+        <p:nvSpPr>
+          <p:cNvPr id="5" name="Footer Placeholder 4"/>
           <p:cNvSpPr>
             <a:spLocks noGrp="1"/>
           </p:cNvSpPr>
@@ -687,19 +830,13 @@
           <a:bodyPr/>
           <a:lstStyle/>
           <a:p>
-            <a:endParaRPr lang="ko-KR" altLang="en-US"/>
-          </a:p>
-        </p:txBody>
-      </p:sp>
-      <p:sp>
-        <p:nvSpPr>
-          <p:cNvPr id="6" name="슬라이드 번호 개체 틀 5">
-            <a:extLst>
-              <a:ext uri="{FF2B5EF4-FFF2-40B4-BE49-F238E27FC236}">
-                <a16:creationId xmlns:a16="http://schemas.microsoft.com/office/drawing/2014/main" id="{4C9E9B1A-A302-46D6-B2CC-A0DFFFDCDE2B}"/>
-              </a:ext>
-            </a:extLst>
-          </p:cNvPr>
+            <a:endParaRPr lang="ko-KR" altLang="en-US" dirty="0"/>
+          </a:p>
+        </p:txBody>
+      </p:sp>
+      <p:sp>
+        <p:nvSpPr>
+          <p:cNvPr id="6" name="Slide Number Placeholder 5"/>
           <p:cNvSpPr>
             <a:spLocks noGrp="1"/>
           </p:cNvSpPr>
@@ -716,14 +853,14 @@
               <a:rPr lang="ko-KR" altLang="en-US" smtClean="0"/>
               <a:t>‹#›</a:t>
             </a:fld>
-            <a:endParaRPr lang="ko-KR" altLang="en-US"/>
+            <a:endParaRPr lang="ko-KR" altLang="en-US" dirty="0"/>
           </a:p>
         </p:txBody>
       </p:sp>
     </p:spTree>
     <p:extLst>
       <p:ext uri="{BB962C8B-B14F-4D97-AF65-F5344CB8AC3E}">
-        <p14:creationId xmlns:p14="http://schemas.microsoft.com/office/powerpoint/2010/main" val="1706305450"/>
+        <p14:creationId xmlns:p14="http://schemas.microsoft.com/office/powerpoint/2010/main" val="3645127796"/>
       </p:ext>
     </p:extLst>
   </p:cSld>
@@ -752,13 +889,7 @@
       </p:grpSpPr>
       <p:sp>
         <p:nvSpPr>
-          <p:cNvPr id="2" name="제목 1">
-            <a:extLst>
-              <a:ext uri="{FF2B5EF4-FFF2-40B4-BE49-F238E27FC236}">
-                <a16:creationId xmlns:a16="http://schemas.microsoft.com/office/drawing/2014/main" id="{D7233AFF-50BC-44E7-8524-0921C03E177E}"/>
-              </a:ext>
-            </a:extLst>
-          </p:cNvPr>
+          <p:cNvPr id="2" name="Title 1"/>
           <p:cNvSpPr>
             <a:spLocks noGrp="1"/>
           </p:cNvSpPr>
@@ -769,24 +900,23 @@
         <p:spPr/>
         <p:txBody>
           <a:bodyPr/>
-          <a:lstStyle/>
+          <a:lstStyle>
+            <a:lvl1pPr marL="0">
+              <a:defRPr/>
+            </a:lvl1pPr>
+          </a:lstStyle>
           <a:p>
             <a:r>
               <a:rPr lang="ko-KR" altLang="en-US"/>
               <a:t>마스터 제목 스타일 편집</a:t>
             </a:r>
-          </a:p>
-        </p:txBody>
-      </p:sp>
-      <p:sp>
-        <p:nvSpPr>
-          <p:cNvPr id="3" name="내용 개체 틀 2">
-            <a:extLst>
-              <a:ext uri="{FF2B5EF4-FFF2-40B4-BE49-F238E27FC236}">
-                <a16:creationId xmlns:a16="http://schemas.microsoft.com/office/drawing/2014/main" id="{795AD613-6EAE-4D0C-816C-54F33FCDDAFD}"/>
-              </a:ext>
-            </a:extLst>
-          </p:cNvPr>
+            <a:endParaRPr lang="en-US" dirty="0"/>
+          </a:p>
+        </p:txBody>
+      </p:sp>
+      <p:sp>
+        <p:nvSpPr>
+          <p:cNvPr id="3" name="Content Placeholder 2"/>
           <p:cNvSpPr>
             <a:spLocks noGrp="1"/>
           </p:cNvSpPr>
@@ -832,18 +962,13 @@
               <a:rPr lang="ko-KR" altLang="en-US"/>
               <a:t>다섯째 수준</a:t>
             </a:r>
-          </a:p>
-        </p:txBody>
-      </p:sp>
-      <p:sp>
-        <p:nvSpPr>
-          <p:cNvPr id="4" name="날짜 개체 틀 3">
-            <a:extLst>
-              <a:ext uri="{FF2B5EF4-FFF2-40B4-BE49-F238E27FC236}">
-                <a16:creationId xmlns:a16="http://schemas.microsoft.com/office/drawing/2014/main" id="{6D6CD5D9-1984-4C15-9F5E-9D785EC99E3B}"/>
-              </a:ext>
-            </a:extLst>
-          </p:cNvPr>
+            <a:endParaRPr lang="en-US" dirty="0"/>
+          </a:p>
+        </p:txBody>
+      </p:sp>
+      <p:sp>
+        <p:nvSpPr>
+          <p:cNvPr id="4" name="Date Placeholder 3"/>
           <p:cNvSpPr>
             <a:spLocks noGrp="1"/>
           </p:cNvSpPr>
@@ -858,21 +983,15 @@
           <a:p>
             <a:fld id="{1AE69FE4-68FA-4322-8FD3-4FE44DC8E21C}" type="datetimeFigureOut">
               <a:rPr lang="ko-KR" altLang="en-US" smtClean="0"/>
-              <a:t>2018-09-25</a:t>
+              <a:t>2018-09-26</a:t>
             </a:fld>
-            <a:endParaRPr lang="ko-KR" altLang="en-US"/>
-          </a:p>
-        </p:txBody>
-      </p:sp>
-      <p:sp>
-        <p:nvSpPr>
-          <p:cNvPr id="5" name="바닥글 개체 틀 4">
-            <a:extLst>
-              <a:ext uri="{FF2B5EF4-FFF2-40B4-BE49-F238E27FC236}">
-                <a16:creationId xmlns:a16="http://schemas.microsoft.com/office/drawing/2014/main" id="{0BD5FE53-6625-4D8E-84A0-13E78540C1FB}"/>
-              </a:ext>
-            </a:extLst>
-          </p:cNvPr>
+            <a:endParaRPr lang="ko-KR" altLang="en-US" dirty="0"/>
+          </a:p>
+        </p:txBody>
+      </p:sp>
+      <p:sp>
+        <p:nvSpPr>
+          <p:cNvPr id="5" name="Footer Placeholder 4"/>
           <p:cNvSpPr>
             <a:spLocks noGrp="1"/>
           </p:cNvSpPr>
@@ -885,19 +1004,13 @@
           <a:bodyPr/>
           <a:lstStyle/>
           <a:p>
-            <a:endParaRPr lang="ko-KR" altLang="en-US"/>
-          </a:p>
-        </p:txBody>
-      </p:sp>
-      <p:sp>
-        <p:nvSpPr>
-          <p:cNvPr id="6" name="슬라이드 번호 개체 틀 5">
-            <a:extLst>
-              <a:ext uri="{FF2B5EF4-FFF2-40B4-BE49-F238E27FC236}">
-                <a16:creationId xmlns:a16="http://schemas.microsoft.com/office/drawing/2014/main" id="{AD123E16-4F15-4727-9845-02E8E93F6D20}"/>
-              </a:ext>
-            </a:extLst>
-          </p:cNvPr>
+            <a:endParaRPr lang="ko-KR" altLang="en-US" dirty="0"/>
+          </a:p>
+        </p:txBody>
+      </p:sp>
+      <p:sp>
+        <p:nvSpPr>
+          <p:cNvPr id="6" name="Slide Number Placeholder 5"/>
           <p:cNvSpPr>
             <a:spLocks noGrp="1"/>
           </p:cNvSpPr>
@@ -914,14 +1027,14 @@
               <a:rPr lang="ko-KR" altLang="en-US" smtClean="0"/>
               <a:t>‹#›</a:t>
             </a:fld>
-            <a:endParaRPr lang="ko-KR" altLang="en-US"/>
+            <a:endParaRPr lang="ko-KR" altLang="en-US" dirty="0"/>
           </a:p>
         </p:txBody>
       </p:sp>
     </p:spTree>
     <p:extLst>
       <p:ext uri="{BB962C8B-B14F-4D97-AF65-F5344CB8AC3E}">
-        <p14:creationId xmlns:p14="http://schemas.microsoft.com/office/powerpoint/2010/main" val="2642070720"/>
+        <p14:creationId xmlns:p14="http://schemas.microsoft.com/office/powerpoint/2010/main" val="3018002194"/>
       </p:ext>
     </p:extLst>
   </p:cSld>
@@ -932,8 +1045,16 @@
 </file>
 
 <file path=ppt/slideLayouts/slideLayout3.xml><?xml version="1.0" encoding="utf-8"?>
-<p:sldLayout xmlns:a="http://schemas.openxmlformats.org/drawingml/2006/main" xmlns:r="http://schemas.openxmlformats.org/officeDocument/2006/relationships" xmlns:p="http://schemas.openxmlformats.org/presentationml/2006/main" type="secHead" preserve="1">
+<p:sldLayout xmlns:a="http://schemas.openxmlformats.org/drawingml/2006/main" xmlns:r="http://schemas.openxmlformats.org/officeDocument/2006/relationships" xmlns:p="http://schemas.openxmlformats.org/presentationml/2006/main" showMasterSp="0" type="secHead" preserve="1">
   <p:cSld name="구역 머리글">
+    <p:bg>
+      <p:bgPr>
+        <a:solidFill>
+          <a:schemeClr val="bg1"/>
+        </a:solidFill>
+        <a:effectLst/>
+      </p:bgPr>
+    </p:bg>
     <p:spTree>
       <p:nvGrpSpPr>
         <p:cNvPr id="1" name=""/>
@@ -950,13 +1071,83 @@
       </p:grpSpPr>
       <p:sp>
         <p:nvSpPr>
-          <p:cNvPr id="2" name="제목 1">
-            <a:extLst>
-              <a:ext uri="{FF2B5EF4-FFF2-40B4-BE49-F238E27FC236}">
-                <a16:creationId xmlns:a16="http://schemas.microsoft.com/office/drawing/2014/main" id="{B0465894-39EB-4DF2-835C-A3093728A736}"/>
-              </a:ext>
-            </a:extLst>
-          </p:cNvPr>
+          <p:cNvPr id="7" name="Rectangle 6"/>
+          <p:cNvSpPr/>
+          <p:nvPr/>
+        </p:nvSpPr>
+        <p:spPr>
+          <a:xfrm>
+            <a:off x="3175" y="6400800"/>
+            <a:ext cx="12188825" cy="457200"/>
+          </a:xfrm>
+          <a:prstGeom prst="rect">
+            <a:avLst/>
+          </a:prstGeom>
+          <a:solidFill>
+            <a:schemeClr val="accent2"/>
+          </a:solidFill>
+          <a:ln>
+            <a:noFill/>
+          </a:ln>
+        </p:spPr>
+        <p:style>
+          <a:lnRef idx="2">
+            <a:schemeClr val="accent1">
+              <a:shade val="50000"/>
+            </a:schemeClr>
+          </a:lnRef>
+          <a:fillRef idx="1">
+            <a:schemeClr val="accent1"/>
+          </a:fillRef>
+          <a:effectRef idx="0">
+            <a:schemeClr val="accent1"/>
+          </a:effectRef>
+          <a:fontRef idx="minor">
+            <a:schemeClr val="lt1"/>
+          </a:fontRef>
+        </p:style>
+      </p:sp>
+      <p:sp>
+        <p:nvSpPr>
+          <p:cNvPr id="8" name="Rectangle 7"/>
+          <p:cNvSpPr/>
+          <p:nvPr/>
+        </p:nvSpPr>
+        <p:spPr>
+          <a:xfrm>
+            <a:off x="15" y="6334316"/>
+            <a:ext cx="12188825" cy="64008"/>
+          </a:xfrm>
+          <a:prstGeom prst="rect">
+            <a:avLst/>
+          </a:prstGeom>
+          <a:solidFill>
+            <a:schemeClr val="accent1"/>
+          </a:solidFill>
+          <a:ln>
+            <a:noFill/>
+          </a:ln>
+        </p:spPr>
+        <p:style>
+          <a:lnRef idx="2">
+            <a:schemeClr val="accent1">
+              <a:shade val="50000"/>
+            </a:schemeClr>
+          </a:lnRef>
+          <a:fillRef idx="1">
+            <a:schemeClr val="accent1"/>
+          </a:fillRef>
+          <a:effectRef idx="0">
+            <a:schemeClr val="accent1"/>
+          </a:effectRef>
+          <a:fontRef idx="minor">
+            <a:schemeClr val="lt1"/>
+          </a:fontRef>
+        </p:style>
+      </p:sp>
+      <p:sp>
+        <p:nvSpPr>
+          <p:cNvPr id="2" name="Title 1"/>
           <p:cNvSpPr>
             <a:spLocks noGrp="1"/>
           </p:cNvSpPr>
@@ -966,63 +1157,71 @@
         </p:nvSpPr>
         <p:spPr>
           <a:xfrm>
-            <a:off x="831850" y="1709738"/>
-            <a:ext cx="10515600" cy="2852737"/>
+            <a:off x="1097280" y="758952"/>
+            <a:ext cx="10058400" cy="3566160"/>
           </a:xfrm>
         </p:spPr>
         <p:txBody>
-          <a:bodyPr anchor="b"/>
+          <a:bodyPr anchor="b" anchorCtr="0">
+            <a:normAutofit/>
+          </a:bodyPr>
           <a:lstStyle>
             <a:lvl1pPr>
-              <a:defRPr sz="6000"/>
-            </a:lvl1pPr>
-          </a:lstStyle>
-          <a:p>
-            <a:r>
-              <a:rPr lang="ko-KR" altLang="en-US"/>
-              <a:t>마스터 제목 스타일 편집</a:t>
-            </a:r>
-          </a:p>
-        </p:txBody>
-      </p:sp>
-      <p:sp>
-        <p:nvSpPr>
-          <p:cNvPr id="3" name="텍스트 개체 틀 2">
-            <a:extLst>
-              <a:ext uri="{FF2B5EF4-FFF2-40B4-BE49-F238E27FC236}">
-                <a16:creationId xmlns:a16="http://schemas.microsoft.com/office/drawing/2014/main" id="{A741D247-7F35-4A10-BE82-42472F4CE074}"/>
-              </a:ext>
-            </a:extLst>
-          </p:cNvPr>
-          <p:cNvSpPr>
-            <a:spLocks noGrp="1"/>
-          </p:cNvSpPr>
-          <p:nvPr>
-            <p:ph type="body" idx="1"/>
-          </p:nvPr>
-        </p:nvSpPr>
-        <p:spPr>
-          <a:xfrm>
-            <a:off x="831850" y="4589463"/>
-            <a:ext cx="10515600" cy="1500187"/>
-          </a:xfrm>
-        </p:spPr>
-        <p:txBody>
-          <a:bodyPr/>
-          <a:lstStyle>
-            <a:lvl1pPr marL="0" indent="0">
-              <a:buNone/>
-              <a:defRPr sz="2400">
+              <a:lnSpc>
+                <a:spcPct val="85000"/>
+              </a:lnSpc>
+              <a:defRPr sz="8000" b="0">
                 <a:solidFill>
                   <a:schemeClr val="tx1">
-                    <a:tint val="75000"/>
+                    <a:lumMod val="85000"/>
+                    <a:lumOff val="15000"/>
                   </a:schemeClr>
                 </a:solidFill>
               </a:defRPr>
             </a:lvl1pPr>
+          </a:lstStyle>
+          <a:p>
+            <a:r>
+              <a:rPr lang="ko-KR" altLang="en-US"/>
+              <a:t>마스터 제목 스타일 편집</a:t>
+            </a:r>
+            <a:endParaRPr lang="en-US" dirty="0"/>
+          </a:p>
+        </p:txBody>
+      </p:sp>
+      <p:sp>
+        <p:nvSpPr>
+          <p:cNvPr id="3" name="Text Placeholder 2"/>
+          <p:cNvSpPr>
+            <a:spLocks noGrp="1"/>
+          </p:cNvSpPr>
+          <p:nvPr>
+            <p:ph type="body" idx="1"/>
+          </p:nvPr>
+        </p:nvSpPr>
+        <p:spPr>
+          <a:xfrm>
+            <a:off x="1097280" y="4453128"/>
+            <a:ext cx="10058400" cy="1143000"/>
+          </a:xfrm>
+        </p:spPr>
+        <p:txBody>
+          <a:bodyPr lIns="91440" rIns="91440" anchor="t" anchorCtr="0">
+            <a:normAutofit/>
+          </a:bodyPr>
+          <a:lstStyle>
+            <a:lvl1pPr marL="0" indent="0">
+              <a:buNone/>
+              <a:defRPr sz="2400" cap="all" spc="200" baseline="0">
+                <a:solidFill>
+                  <a:schemeClr val="tx2"/>
+                </a:solidFill>
+                <a:latin typeface="+mj-lt"/>
+              </a:defRPr>
+            </a:lvl1pPr>
             <a:lvl2pPr marL="457200" indent="0">
               <a:buNone/>
-              <a:defRPr sz="2000">
+              <a:defRPr sz="1800">
                 <a:solidFill>
                   <a:schemeClr val="tx1">
                     <a:tint val="75000"/>
@@ -1032,7 +1231,7 @@
             </a:lvl2pPr>
             <a:lvl3pPr marL="914400" indent="0">
               <a:buNone/>
-              <a:defRPr sz="1800">
+              <a:defRPr sz="1600">
                 <a:solidFill>
                   <a:schemeClr val="tx1">
                     <a:tint val="75000"/>
@@ -1042,7 +1241,7 @@
             </a:lvl3pPr>
             <a:lvl4pPr marL="1371600" indent="0">
               <a:buNone/>
-              <a:defRPr sz="1600">
+              <a:defRPr sz="1400">
                 <a:solidFill>
                   <a:schemeClr val="tx1">
                     <a:tint val="75000"/>
@@ -1052,7 +1251,7 @@
             </a:lvl4pPr>
             <a:lvl5pPr marL="1828800" indent="0">
               <a:buNone/>
-              <a:defRPr sz="1600">
+              <a:defRPr sz="1400">
                 <a:solidFill>
                   <a:schemeClr val="tx1">
                     <a:tint val="75000"/>
@@ -1062,7 +1261,7 @@
             </a:lvl5pPr>
             <a:lvl6pPr marL="2286000" indent="0">
               <a:buNone/>
-              <a:defRPr sz="1600">
+              <a:defRPr sz="1400">
                 <a:solidFill>
                   <a:schemeClr val="tx1">
                     <a:tint val="75000"/>
@@ -1072,7 +1271,7 @@
             </a:lvl6pPr>
             <a:lvl7pPr marL="2743200" indent="0">
               <a:buNone/>
-              <a:defRPr sz="1600">
+              <a:defRPr sz="1400">
                 <a:solidFill>
                   <a:schemeClr val="tx1">
                     <a:tint val="75000"/>
@@ -1082,7 +1281,7 @@
             </a:lvl7pPr>
             <a:lvl8pPr marL="3200400" indent="0">
               <a:buNone/>
-              <a:defRPr sz="1600">
+              <a:defRPr sz="1400">
                 <a:solidFill>
                   <a:schemeClr val="tx1">
                     <a:tint val="75000"/>
@@ -1092,7 +1291,7 @@
             </a:lvl8pPr>
             <a:lvl9pPr marL="3657600" indent="0">
               <a:buNone/>
-              <a:defRPr sz="1600">
+              <a:defRPr sz="1400">
                 <a:solidFill>
                   <a:schemeClr val="tx1">
                     <a:tint val="75000"/>
@@ -1112,13 +1311,7 @@
       </p:sp>
       <p:sp>
         <p:nvSpPr>
-          <p:cNvPr id="4" name="날짜 개체 틀 3">
-            <a:extLst>
-              <a:ext uri="{FF2B5EF4-FFF2-40B4-BE49-F238E27FC236}">
-                <a16:creationId xmlns:a16="http://schemas.microsoft.com/office/drawing/2014/main" id="{6AECC8F3-49F8-40D6-B517-19727594B1F1}"/>
-              </a:ext>
-            </a:extLst>
-          </p:cNvPr>
+          <p:cNvPr id="4" name="Date Placeholder 3"/>
           <p:cNvSpPr>
             <a:spLocks noGrp="1"/>
           </p:cNvSpPr>
@@ -1133,21 +1326,15 @@
           <a:p>
             <a:fld id="{1AE69FE4-68FA-4322-8FD3-4FE44DC8E21C}" type="datetimeFigureOut">
               <a:rPr lang="ko-KR" altLang="en-US" smtClean="0"/>
-              <a:t>2018-09-25</a:t>
+              <a:t>2018-09-26</a:t>
             </a:fld>
-            <a:endParaRPr lang="ko-KR" altLang="en-US"/>
-          </a:p>
-        </p:txBody>
-      </p:sp>
-      <p:sp>
-        <p:nvSpPr>
-          <p:cNvPr id="5" name="바닥글 개체 틀 4">
-            <a:extLst>
-              <a:ext uri="{FF2B5EF4-FFF2-40B4-BE49-F238E27FC236}">
-                <a16:creationId xmlns:a16="http://schemas.microsoft.com/office/drawing/2014/main" id="{97899C2F-D69F-4DBF-8542-35919B14CD19}"/>
-              </a:ext>
-            </a:extLst>
-          </p:cNvPr>
+            <a:endParaRPr lang="ko-KR" altLang="en-US" dirty="0"/>
+          </a:p>
+        </p:txBody>
+      </p:sp>
+      <p:sp>
+        <p:nvSpPr>
+          <p:cNvPr id="5" name="Footer Placeholder 4"/>
           <p:cNvSpPr>
             <a:spLocks noGrp="1"/>
           </p:cNvSpPr>
@@ -1160,19 +1347,13 @@
           <a:bodyPr/>
           <a:lstStyle/>
           <a:p>
-            <a:endParaRPr lang="ko-KR" altLang="en-US"/>
-          </a:p>
-        </p:txBody>
-      </p:sp>
-      <p:sp>
-        <p:nvSpPr>
-          <p:cNvPr id="6" name="슬라이드 번호 개체 틀 5">
-            <a:extLst>
-              <a:ext uri="{FF2B5EF4-FFF2-40B4-BE49-F238E27FC236}">
-                <a16:creationId xmlns:a16="http://schemas.microsoft.com/office/drawing/2014/main" id="{8E6F95FC-744B-4A62-ABDA-3048DDD1A8E8}"/>
-              </a:ext>
-            </a:extLst>
-          </p:cNvPr>
+            <a:endParaRPr lang="ko-KR" altLang="en-US" dirty="0"/>
+          </a:p>
+        </p:txBody>
+      </p:sp>
+      <p:sp>
+        <p:nvSpPr>
+          <p:cNvPr id="6" name="Slide Number Placeholder 5"/>
           <p:cNvSpPr>
             <a:spLocks noGrp="1"/>
           </p:cNvSpPr>
@@ -1189,14 +1370,52 @@
               <a:rPr lang="ko-KR" altLang="en-US" smtClean="0"/>
               <a:t>‹#›</a:t>
             </a:fld>
-            <a:endParaRPr lang="ko-KR" altLang="en-US"/>
-          </a:p>
-        </p:txBody>
-      </p:sp>
+            <a:endParaRPr lang="ko-KR" altLang="en-US" dirty="0"/>
+          </a:p>
+        </p:txBody>
+      </p:sp>
+      <p:cxnSp>
+        <p:nvCxnSpPr>
+          <p:cNvPr id="9" name="Straight Connector 8"/>
+          <p:cNvCxnSpPr/>
+          <p:nvPr/>
+        </p:nvCxnSpPr>
+        <p:spPr>
+          <a:xfrm>
+            <a:off x="1207658" y="4343400"/>
+            <a:ext cx="9875520" cy="0"/>
+          </a:xfrm>
+          <a:prstGeom prst="line">
+            <a:avLst/>
+          </a:prstGeom>
+          <a:ln w="6350">
+            <a:solidFill>
+              <a:schemeClr val="tx1">
+                <a:lumMod val="50000"/>
+                <a:lumOff val="50000"/>
+              </a:schemeClr>
+            </a:solidFill>
+          </a:ln>
+        </p:spPr>
+        <p:style>
+          <a:lnRef idx="1">
+            <a:schemeClr val="accent1"/>
+          </a:lnRef>
+          <a:fillRef idx="0">
+            <a:schemeClr val="accent1"/>
+          </a:fillRef>
+          <a:effectRef idx="0">
+            <a:schemeClr val="accent1"/>
+          </a:effectRef>
+          <a:fontRef idx="minor">
+            <a:schemeClr val="tx1"/>
+          </a:fontRef>
+        </p:style>
+      </p:cxnSp>
     </p:spTree>
     <p:extLst>
       <p:ext uri="{BB962C8B-B14F-4D97-AF65-F5344CB8AC3E}">
-        <p14:creationId xmlns:p14="http://schemas.microsoft.com/office/powerpoint/2010/main" val="1576220815"/>
+        <p14:creationId xmlns:p14="http://schemas.microsoft.com/office/powerpoint/2010/main" val="740093866"/>
       </p:ext>
     </p:extLst>
   </p:cSld>
@@ -1225,13 +1444,7 @@
       </p:grpSpPr>
       <p:sp>
         <p:nvSpPr>
-          <p:cNvPr id="2" name="제목 1">
-            <a:extLst>
-              <a:ext uri="{FF2B5EF4-FFF2-40B4-BE49-F238E27FC236}">
-                <a16:creationId xmlns:a16="http://schemas.microsoft.com/office/drawing/2014/main" id="{91B69745-7376-4EFC-9BC1-0F8C59692D6F}"/>
-              </a:ext>
-            </a:extLst>
-          </p:cNvPr>
+          <p:cNvPr id="8" name="Title 7"/>
           <p:cNvSpPr>
             <a:spLocks noGrp="1"/>
           </p:cNvSpPr>
@@ -1239,7 +1452,12 @@
             <p:ph type="title"/>
           </p:nvPr>
         </p:nvSpPr>
-        <p:spPr/>
+        <p:spPr>
+          <a:xfrm>
+            <a:off x="1097280" y="286603"/>
+            <a:ext cx="10058400" cy="1450757"/>
+          </a:xfrm>
+        </p:spPr>
         <p:txBody>
           <a:bodyPr/>
           <a:lstStyle/>
@@ -1248,18 +1466,13 @@
               <a:rPr lang="ko-KR" altLang="en-US"/>
               <a:t>마스터 제목 스타일 편집</a:t>
             </a:r>
-          </a:p>
-        </p:txBody>
-      </p:sp>
-      <p:sp>
-        <p:nvSpPr>
-          <p:cNvPr id="3" name="내용 개체 틀 2">
-            <a:extLst>
-              <a:ext uri="{FF2B5EF4-FFF2-40B4-BE49-F238E27FC236}">
-                <a16:creationId xmlns:a16="http://schemas.microsoft.com/office/drawing/2014/main" id="{93B635B5-4C36-4C2B-8325-D141E93ADED1}"/>
-              </a:ext>
-            </a:extLst>
-          </p:cNvPr>
+            <a:endParaRPr lang="en-US" dirty="0"/>
+          </a:p>
+        </p:txBody>
+      </p:sp>
+      <p:sp>
+        <p:nvSpPr>
+          <p:cNvPr id="3" name="Content Placeholder 2"/>
           <p:cNvSpPr>
             <a:spLocks noGrp="1"/>
           </p:cNvSpPr>
@@ -1269,8 +1482,8 @@
         </p:nvSpPr>
         <p:spPr>
           <a:xfrm>
-            <a:off x="838200" y="1825625"/>
-            <a:ext cx="5181600" cy="4351338"/>
+            <a:off x="1097279" y="1845734"/>
+            <a:ext cx="4937760" cy="4023360"/>
           </a:xfrm>
         </p:spPr>
         <p:txBody>
@@ -1310,18 +1523,13 @@
               <a:rPr lang="ko-KR" altLang="en-US"/>
               <a:t>다섯째 수준</a:t>
             </a:r>
-          </a:p>
-        </p:txBody>
-      </p:sp>
-      <p:sp>
-        <p:nvSpPr>
-          <p:cNvPr id="4" name="내용 개체 틀 3">
-            <a:extLst>
-              <a:ext uri="{FF2B5EF4-FFF2-40B4-BE49-F238E27FC236}">
-                <a16:creationId xmlns:a16="http://schemas.microsoft.com/office/drawing/2014/main" id="{45884338-E903-4A8A-9F99-DDCA75DFEC04}"/>
-              </a:ext>
-            </a:extLst>
-          </p:cNvPr>
+            <a:endParaRPr lang="en-US" dirty="0"/>
+          </a:p>
+        </p:txBody>
+      </p:sp>
+      <p:sp>
+        <p:nvSpPr>
+          <p:cNvPr id="4" name="Content Placeholder 3"/>
           <p:cNvSpPr>
             <a:spLocks noGrp="1"/>
           </p:cNvSpPr>
@@ -1331,8 +1539,8 @@
         </p:nvSpPr>
         <p:spPr>
           <a:xfrm>
-            <a:off x="6172200" y="1825625"/>
-            <a:ext cx="5181600" cy="4351338"/>
+            <a:off x="6217920" y="1845735"/>
+            <a:ext cx="4937760" cy="4023360"/>
           </a:xfrm>
         </p:spPr>
         <p:txBody>
@@ -1372,18 +1580,13 @@
               <a:rPr lang="ko-KR" altLang="en-US"/>
               <a:t>다섯째 수준</a:t>
             </a:r>
-          </a:p>
-        </p:txBody>
-      </p:sp>
-      <p:sp>
-        <p:nvSpPr>
-          <p:cNvPr id="5" name="날짜 개체 틀 4">
-            <a:extLst>
-              <a:ext uri="{FF2B5EF4-FFF2-40B4-BE49-F238E27FC236}">
-                <a16:creationId xmlns:a16="http://schemas.microsoft.com/office/drawing/2014/main" id="{322642D2-E0D0-4F23-8125-119CFF5659DB}"/>
-              </a:ext>
-            </a:extLst>
-          </p:cNvPr>
+            <a:endParaRPr lang="en-US" dirty="0"/>
+          </a:p>
+        </p:txBody>
+      </p:sp>
+      <p:sp>
+        <p:nvSpPr>
+          <p:cNvPr id="5" name="Date Placeholder 4"/>
           <p:cNvSpPr>
             <a:spLocks noGrp="1"/>
           </p:cNvSpPr>
@@ -1398,21 +1601,15 @@
           <a:p>
             <a:fld id="{1AE69FE4-68FA-4322-8FD3-4FE44DC8E21C}" type="datetimeFigureOut">
               <a:rPr lang="ko-KR" altLang="en-US" smtClean="0"/>
-              <a:t>2018-09-25</a:t>
+              <a:t>2018-09-26</a:t>
             </a:fld>
-            <a:endParaRPr lang="ko-KR" altLang="en-US"/>
-          </a:p>
-        </p:txBody>
-      </p:sp>
-      <p:sp>
-        <p:nvSpPr>
-          <p:cNvPr id="6" name="바닥글 개체 틀 5">
-            <a:extLst>
-              <a:ext uri="{FF2B5EF4-FFF2-40B4-BE49-F238E27FC236}">
-                <a16:creationId xmlns:a16="http://schemas.microsoft.com/office/drawing/2014/main" id="{9510B13D-0E26-4715-9C16-19F152297251}"/>
-              </a:ext>
-            </a:extLst>
-          </p:cNvPr>
+            <a:endParaRPr lang="ko-KR" altLang="en-US" dirty="0"/>
+          </a:p>
+        </p:txBody>
+      </p:sp>
+      <p:sp>
+        <p:nvSpPr>
+          <p:cNvPr id="6" name="Footer Placeholder 5"/>
           <p:cNvSpPr>
             <a:spLocks noGrp="1"/>
           </p:cNvSpPr>
@@ -1425,19 +1622,13 @@
           <a:bodyPr/>
           <a:lstStyle/>
           <a:p>
-            <a:endParaRPr lang="ko-KR" altLang="en-US"/>
-          </a:p>
-        </p:txBody>
-      </p:sp>
-      <p:sp>
-        <p:nvSpPr>
-          <p:cNvPr id="7" name="슬라이드 번호 개체 틀 6">
-            <a:extLst>
-              <a:ext uri="{FF2B5EF4-FFF2-40B4-BE49-F238E27FC236}">
-                <a16:creationId xmlns:a16="http://schemas.microsoft.com/office/drawing/2014/main" id="{5408515F-3ADA-41DF-B49A-DAB431674D9F}"/>
-              </a:ext>
-            </a:extLst>
-          </p:cNvPr>
+            <a:endParaRPr lang="ko-KR" altLang="en-US" dirty="0"/>
+          </a:p>
+        </p:txBody>
+      </p:sp>
+      <p:sp>
+        <p:nvSpPr>
+          <p:cNvPr id="7" name="Slide Number Placeholder 6"/>
           <p:cNvSpPr>
             <a:spLocks noGrp="1"/>
           </p:cNvSpPr>
@@ -1454,14 +1645,14 @@
               <a:rPr lang="ko-KR" altLang="en-US" smtClean="0"/>
               <a:t>‹#›</a:t>
             </a:fld>
-            <a:endParaRPr lang="ko-KR" altLang="en-US"/>
+            <a:endParaRPr lang="ko-KR" altLang="en-US" dirty="0"/>
           </a:p>
         </p:txBody>
       </p:sp>
     </p:spTree>
     <p:extLst>
       <p:ext uri="{BB962C8B-B14F-4D97-AF65-F5344CB8AC3E}">
-        <p14:creationId xmlns:p14="http://schemas.microsoft.com/office/powerpoint/2010/main" val="299755783"/>
+        <p14:creationId xmlns:p14="http://schemas.microsoft.com/office/powerpoint/2010/main" val="2083648800"/>
       </p:ext>
     </p:extLst>
   </p:cSld>
@@ -1490,13 +1681,7 @@
       </p:grpSpPr>
       <p:sp>
         <p:nvSpPr>
-          <p:cNvPr id="2" name="제목 1">
-            <a:extLst>
-              <a:ext uri="{FF2B5EF4-FFF2-40B4-BE49-F238E27FC236}">
-                <a16:creationId xmlns:a16="http://schemas.microsoft.com/office/drawing/2014/main" id="{EF7EAF43-2116-46C4-948B-2B59E6D40EDB}"/>
-              </a:ext>
-            </a:extLst>
-          </p:cNvPr>
+          <p:cNvPr id="10" name="Title 9"/>
           <p:cNvSpPr>
             <a:spLocks noGrp="1"/>
           </p:cNvSpPr>
@@ -1506,8 +1691,8 @@
         </p:nvSpPr>
         <p:spPr>
           <a:xfrm>
-            <a:off x="839788" y="365125"/>
-            <a:ext cx="10515600" cy="1325563"/>
+            <a:off x="1097280" y="286603"/>
+            <a:ext cx="10058400" cy="1450757"/>
           </a:xfrm>
         </p:spPr>
         <p:txBody>
@@ -1518,18 +1703,13 @@
               <a:rPr lang="ko-KR" altLang="en-US"/>
               <a:t>마스터 제목 스타일 편집</a:t>
             </a:r>
-          </a:p>
-        </p:txBody>
-      </p:sp>
-      <p:sp>
-        <p:nvSpPr>
-          <p:cNvPr id="3" name="텍스트 개체 틀 2">
-            <a:extLst>
-              <a:ext uri="{FF2B5EF4-FFF2-40B4-BE49-F238E27FC236}">
-                <a16:creationId xmlns:a16="http://schemas.microsoft.com/office/drawing/2014/main" id="{BD82A4FF-46A6-40EF-A9AB-86204C6DF7B6}"/>
-              </a:ext>
-            </a:extLst>
-          </p:cNvPr>
+            <a:endParaRPr lang="en-US" dirty="0"/>
+          </a:p>
+        </p:txBody>
+      </p:sp>
+      <p:sp>
+        <p:nvSpPr>
+          <p:cNvPr id="3" name="Text Placeholder 2"/>
           <p:cNvSpPr>
             <a:spLocks noGrp="1"/>
           </p:cNvSpPr>
@@ -1539,16 +1719,22 @@
         </p:nvSpPr>
         <p:spPr>
           <a:xfrm>
-            <a:off x="839788" y="1681163"/>
-            <a:ext cx="5157787" cy="823912"/>
+            <a:off x="1097280" y="1846052"/>
+            <a:ext cx="4937760" cy="736282"/>
           </a:xfrm>
         </p:spPr>
         <p:txBody>
-          <a:bodyPr anchor="b"/>
+          <a:bodyPr lIns="91440" rIns="91440" anchor="ctr">
+            <a:normAutofit/>
+          </a:bodyPr>
           <a:lstStyle>
             <a:lvl1pPr marL="0" indent="0">
               <a:buNone/>
-              <a:defRPr sz="2400" b="1"/>
+              <a:defRPr sz="2000" b="0" cap="all" baseline="0">
+                <a:solidFill>
+                  <a:schemeClr val="tx2"/>
+                </a:solidFill>
+              </a:defRPr>
             </a:lvl1pPr>
             <a:lvl2pPr marL="457200" indent="0">
               <a:buNone/>
@@ -1594,13 +1780,7 @@
       </p:sp>
       <p:sp>
         <p:nvSpPr>
-          <p:cNvPr id="4" name="내용 개체 틀 3">
-            <a:extLst>
-              <a:ext uri="{FF2B5EF4-FFF2-40B4-BE49-F238E27FC236}">
-                <a16:creationId xmlns:a16="http://schemas.microsoft.com/office/drawing/2014/main" id="{33620187-40D0-4652-AF59-037C8BD04C95}"/>
-              </a:ext>
-            </a:extLst>
-          </p:cNvPr>
+          <p:cNvPr id="4" name="Content Placeholder 3"/>
           <p:cNvSpPr>
             <a:spLocks noGrp="1"/>
           </p:cNvSpPr>
@@ -1610,8 +1790,8 @@
         </p:nvSpPr>
         <p:spPr>
           <a:xfrm>
-            <a:off x="839788" y="2505075"/>
-            <a:ext cx="5157787" cy="3684588"/>
+            <a:off x="1097280" y="2582334"/>
+            <a:ext cx="4937760" cy="3378200"/>
           </a:xfrm>
         </p:spPr>
         <p:txBody>
@@ -1651,18 +1831,13 @@
               <a:rPr lang="ko-KR" altLang="en-US"/>
               <a:t>다섯째 수준</a:t>
             </a:r>
-          </a:p>
-        </p:txBody>
-      </p:sp>
-      <p:sp>
-        <p:nvSpPr>
-          <p:cNvPr id="5" name="텍스트 개체 틀 4">
-            <a:extLst>
-              <a:ext uri="{FF2B5EF4-FFF2-40B4-BE49-F238E27FC236}">
-                <a16:creationId xmlns:a16="http://schemas.microsoft.com/office/drawing/2014/main" id="{54803158-04CB-4B9D-B911-38F7385E6A07}"/>
-              </a:ext>
-            </a:extLst>
-          </p:cNvPr>
+            <a:endParaRPr lang="en-US" dirty="0"/>
+          </a:p>
+        </p:txBody>
+      </p:sp>
+      <p:sp>
+        <p:nvSpPr>
+          <p:cNvPr id="5" name="Text Placeholder 4"/>
           <p:cNvSpPr>
             <a:spLocks noGrp="1"/>
           </p:cNvSpPr>
@@ -1672,16 +1847,22 @@
         </p:nvSpPr>
         <p:spPr>
           <a:xfrm>
-            <a:off x="6172200" y="1681163"/>
-            <a:ext cx="5183188" cy="823912"/>
+            <a:off x="6217920" y="1846052"/>
+            <a:ext cx="4937760" cy="736282"/>
           </a:xfrm>
         </p:spPr>
         <p:txBody>
-          <a:bodyPr anchor="b"/>
+          <a:bodyPr lIns="91440" rIns="91440" anchor="ctr">
+            <a:normAutofit/>
+          </a:bodyPr>
           <a:lstStyle>
             <a:lvl1pPr marL="0" indent="0">
               <a:buNone/>
-              <a:defRPr sz="2400" b="1"/>
+              <a:defRPr sz="2000" b="0" cap="all" baseline="0">
+                <a:solidFill>
+                  <a:schemeClr val="tx2"/>
+                </a:solidFill>
+              </a:defRPr>
             </a:lvl1pPr>
             <a:lvl2pPr marL="457200" indent="0">
               <a:buNone/>
@@ -1727,13 +1908,7 @@
       </p:sp>
       <p:sp>
         <p:nvSpPr>
-          <p:cNvPr id="6" name="내용 개체 틀 5">
-            <a:extLst>
-              <a:ext uri="{FF2B5EF4-FFF2-40B4-BE49-F238E27FC236}">
-                <a16:creationId xmlns:a16="http://schemas.microsoft.com/office/drawing/2014/main" id="{9F96088F-F293-4CB0-9EBD-A8A05D4182B4}"/>
-              </a:ext>
-            </a:extLst>
-          </p:cNvPr>
+          <p:cNvPr id="6" name="Content Placeholder 5"/>
           <p:cNvSpPr>
             <a:spLocks noGrp="1"/>
           </p:cNvSpPr>
@@ -1743,8 +1918,8 @@
         </p:nvSpPr>
         <p:spPr>
           <a:xfrm>
-            <a:off x="6172200" y="2505075"/>
-            <a:ext cx="5183188" cy="3684588"/>
+            <a:off x="6217920" y="2582334"/>
+            <a:ext cx="4937760" cy="3378200"/>
           </a:xfrm>
         </p:spPr>
         <p:txBody>
@@ -1784,18 +1959,13 @@
               <a:rPr lang="ko-KR" altLang="en-US"/>
               <a:t>다섯째 수준</a:t>
             </a:r>
-          </a:p>
-        </p:txBody>
-      </p:sp>
-      <p:sp>
-        <p:nvSpPr>
-          <p:cNvPr id="7" name="날짜 개체 틀 6">
-            <a:extLst>
-              <a:ext uri="{FF2B5EF4-FFF2-40B4-BE49-F238E27FC236}">
-                <a16:creationId xmlns:a16="http://schemas.microsoft.com/office/drawing/2014/main" id="{19850A25-03AF-49E4-A1EE-961E7C6D9435}"/>
-              </a:ext>
-            </a:extLst>
-          </p:cNvPr>
+            <a:endParaRPr lang="en-US" dirty="0"/>
+          </a:p>
+        </p:txBody>
+      </p:sp>
+      <p:sp>
+        <p:nvSpPr>
+          <p:cNvPr id="7" name="Date Placeholder 6"/>
           <p:cNvSpPr>
             <a:spLocks noGrp="1"/>
           </p:cNvSpPr>
@@ -1810,21 +1980,15 @@
           <a:p>
             <a:fld id="{1AE69FE4-68FA-4322-8FD3-4FE44DC8E21C}" type="datetimeFigureOut">
               <a:rPr lang="ko-KR" altLang="en-US" smtClean="0"/>
-              <a:t>2018-09-25</a:t>
+              <a:t>2018-09-26</a:t>
             </a:fld>
-            <a:endParaRPr lang="ko-KR" altLang="en-US"/>
-          </a:p>
-        </p:txBody>
-      </p:sp>
-      <p:sp>
-        <p:nvSpPr>
-          <p:cNvPr id="8" name="바닥글 개체 틀 7">
-            <a:extLst>
-              <a:ext uri="{FF2B5EF4-FFF2-40B4-BE49-F238E27FC236}">
-                <a16:creationId xmlns:a16="http://schemas.microsoft.com/office/drawing/2014/main" id="{584A960C-6DAD-4347-B9CD-31A020F18E76}"/>
-              </a:ext>
-            </a:extLst>
-          </p:cNvPr>
+            <a:endParaRPr lang="ko-KR" altLang="en-US" dirty="0"/>
+          </a:p>
+        </p:txBody>
+      </p:sp>
+      <p:sp>
+        <p:nvSpPr>
+          <p:cNvPr id="8" name="Footer Placeholder 7"/>
           <p:cNvSpPr>
             <a:spLocks noGrp="1"/>
           </p:cNvSpPr>
@@ -1837,19 +2001,13 @@
           <a:bodyPr/>
           <a:lstStyle/>
           <a:p>
-            <a:endParaRPr lang="ko-KR" altLang="en-US"/>
-          </a:p>
-        </p:txBody>
-      </p:sp>
-      <p:sp>
-        <p:nvSpPr>
-          <p:cNvPr id="9" name="슬라이드 번호 개체 틀 8">
-            <a:extLst>
-              <a:ext uri="{FF2B5EF4-FFF2-40B4-BE49-F238E27FC236}">
-                <a16:creationId xmlns:a16="http://schemas.microsoft.com/office/drawing/2014/main" id="{6CC72E30-8BDC-4E7C-AA44-3F348F985DEE}"/>
-              </a:ext>
-            </a:extLst>
-          </p:cNvPr>
+            <a:endParaRPr lang="ko-KR" altLang="en-US" dirty="0"/>
+          </a:p>
+        </p:txBody>
+      </p:sp>
+      <p:sp>
+        <p:nvSpPr>
+          <p:cNvPr id="9" name="Slide Number Placeholder 8"/>
           <p:cNvSpPr>
             <a:spLocks noGrp="1"/>
           </p:cNvSpPr>
@@ -1866,14 +2024,14 @@
               <a:rPr lang="ko-KR" altLang="en-US" smtClean="0"/>
               <a:t>‹#›</a:t>
             </a:fld>
-            <a:endParaRPr lang="ko-KR" altLang="en-US"/>
+            <a:endParaRPr lang="ko-KR" altLang="en-US" dirty="0"/>
           </a:p>
         </p:txBody>
       </p:sp>
     </p:spTree>
     <p:extLst>
       <p:ext uri="{BB962C8B-B14F-4D97-AF65-F5344CB8AC3E}">
-        <p14:creationId xmlns:p14="http://schemas.microsoft.com/office/powerpoint/2010/main" val="1214413888"/>
+        <p14:creationId xmlns:p14="http://schemas.microsoft.com/office/powerpoint/2010/main" val="4040921742"/>
       </p:ext>
     </p:extLst>
   </p:cSld>
@@ -1902,13 +2060,7 @@
       </p:grpSpPr>
       <p:sp>
         <p:nvSpPr>
-          <p:cNvPr id="2" name="제목 1">
-            <a:extLst>
-              <a:ext uri="{FF2B5EF4-FFF2-40B4-BE49-F238E27FC236}">
-                <a16:creationId xmlns:a16="http://schemas.microsoft.com/office/drawing/2014/main" id="{F5A31495-8DBE-420E-AE2D-98976FF6EE3E}"/>
-              </a:ext>
-            </a:extLst>
-          </p:cNvPr>
+          <p:cNvPr id="2" name="Title 1"/>
           <p:cNvSpPr>
             <a:spLocks noGrp="1"/>
           </p:cNvSpPr>
@@ -1925,18 +2077,13 @@
               <a:rPr lang="ko-KR" altLang="en-US"/>
               <a:t>마스터 제목 스타일 편집</a:t>
             </a:r>
-          </a:p>
-        </p:txBody>
-      </p:sp>
-      <p:sp>
-        <p:nvSpPr>
-          <p:cNvPr id="3" name="날짜 개체 틀 2">
-            <a:extLst>
-              <a:ext uri="{FF2B5EF4-FFF2-40B4-BE49-F238E27FC236}">
-                <a16:creationId xmlns:a16="http://schemas.microsoft.com/office/drawing/2014/main" id="{77AE945D-B1A4-4B4E-9D47-289646C68198}"/>
-              </a:ext>
-            </a:extLst>
-          </p:cNvPr>
+            <a:endParaRPr lang="en-US" dirty="0"/>
+          </a:p>
+        </p:txBody>
+      </p:sp>
+      <p:sp>
+        <p:nvSpPr>
+          <p:cNvPr id="3" name="Date Placeholder 2"/>
           <p:cNvSpPr>
             <a:spLocks noGrp="1"/>
           </p:cNvSpPr>
@@ -1951,21 +2098,15 @@
           <a:p>
             <a:fld id="{1AE69FE4-68FA-4322-8FD3-4FE44DC8E21C}" type="datetimeFigureOut">
               <a:rPr lang="ko-KR" altLang="en-US" smtClean="0"/>
-              <a:t>2018-09-25</a:t>
+              <a:t>2018-09-26</a:t>
             </a:fld>
-            <a:endParaRPr lang="ko-KR" altLang="en-US"/>
-          </a:p>
-        </p:txBody>
-      </p:sp>
-      <p:sp>
-        <p:nvSpPr>
-          <p:cNvPr id="4" name="바닥글 개체 틀 3">
-            <a:extLst>
-              <a:ext uri="{FF2B5EF4-FFF2-40B4-BE49-F238E27FC236}">
-                <a16:creationId xmlns:a16="http://schemas.microsoft.com/office/drawing/2014/main" id="{DA251899-6BA8-4F84-96B9-A5BE4EDA97D5}"/>
-              </a:ext>
-            </a:extLst>
-          </p:cNvPr>
+            <a:endParaRPr lang="ko-KR" altLang="en-US" dirty="0"/>
+          </a:p>
+        </p:txBody>
+      </p:sp>
+      <p:sp>
+        <p:nvSpPr>
+          <p:cNvPr id="4" name="Footer Placeholder 3"/>
           <p:cNvSpPr>
             <a:spLocks noGrp="1"/>
           </p:cNvSpPr>
@@ -1978,19 +2119,13 @@
           <a:bodyPr/>
           <a:lstStyle/>
           <a:p>
-            <a:endParaRPr lang="ko-KR" altLang="en-US"/>
-          </a:p>
-        </p:txBody>
-      </p:sp>
-      <p:sp>
-        <p:nvSpPr>
-          <p:cNvPr id="5" name="슬라이드 번호 개체 틀 4">
-            <a:extLst>
-              <a:ext uri="{FF2B5EF4-FFF2-40B4-BE49-F238E27FC236}">
-                <a16:creationId xmlns:a16="http://schemas.microsoft.com/office/drawing/2014/main" id="{DE38666F-5C5B-43F4-850B-34E52FC34E40}"/>
-              </a:ext>
-            </a:extLst>
-          </p:cNvPr>
+            <a:endParaRPr lang="ko-KR" altLang="en-US" dirty="0"/>
+          </a:p>
+        </p:txBody>
+      </p:sp>
+      <p:sp>
+        <p:nvSpPr>
+          <p:cNvPr id="5" name="Slide Number Placeholder 4"/>
           <p:cNvSpPr>
             <a:spLocks noGrp="1"/>
           </p:cNvSpPr>
@@ -2007,14 +2142,14 @@
               <a:rPr lang="ko-KR" altLang="en-US" smtClean="0"/>
               <a:t>‹#›</a:t>
             </a:fld>
-            <a:endParaRPr lang="ko-KR" altLang="en-US"/>
+            <a:endParaRPr lang="ko-KR" altLang="en-US" dirty="0"/>
           </a:p>
         </p:txBody>
       </p:sp>
     </p:spTree>
     <p:extLst>
       <p:ext uri="{BB962C8B-B14F-4D97-AF65-F5344CB8AC3E}">
-        <p14:creationId xmlns:p14="http://schemas.microsoft.com/office/powerpoint/2010/main" val="3458538897"/>
+        <p14:creationId xmlns:p14="http://schemas.microsoft.com/office/powerpoint/2010/main" val="2069474912"/>
       </p:ext>
     </p:extLst>
   </p:cSld>
@@ -2025,7 +2160,7 @@
 </file>
 
 <file path=ppt/slideLayouts/slideLayout7.xml><?xml version="1.0" encoding="utf-8"?>
-<p:sldLayout xmlns:a="http://schemas.openxmlformats.org/drawingml/2006/main" xmlns:r="http://schemas.openxmlformats.org/officeDocument/2006/relationships" xmlns:p="http://schemas.openxmlformats.org/presentationml/2006/main" type="blank" preserve="1">
+<p:sldLayout xmlns:a="http://schemas.openxmlformats.org/drawingml/2006/main" xmlns:r="http://schemas.openxmlformats.org/officeDocument/2006/relationships" xmlns:p="http://schemas.openxmlformats.org/presentationml/2006/main" showMasterSp="0" type="blank" preserve="1">
   <p:cSld name="빈 화면">
     <p:spTree>
       <p:nvGrpSpPr>
@@ -2043,13 +2178,83 @@
       </p:grpSpPr>
       <p:sp>
         <p:nvSpPr>
-          <p:cNvPr id="2" name="날짜 개체 틀 1">
-            <a:extLst>
-              <a:ext uri="{FF2B5EF4-FFF2-40B4-BE49-F238E27FC236}">
-                <a16:creationId xmlns:a16="http://schemas.microsoft.com/office/drawing/2014/main" id="{EEBA9892-C3A5-4DBB-87FE-E10CE77E8B7D}"/>
-              </a:ext>
-            </a:extLst>
-          </p:cNvPr>
+          <p:cNvPr id="5" name="Rectangle 4"/>
+          <p:cNvSpPr/>
+          <p:nvPr/>
+        </p:nvSpPr>
+        <p:spPr>
+          <a:xfrm>
+            <a:off x="3175" y="6400800"/>
+            <a:ext cx="12188825" cy="457200"/>
+          </a:xfrm>
+          <a:prstGeom prst="rect">
+            <a:avLst/>
+          </a:prstGeom>
+          <a:solidFill>
+            <a:schemeClr val="accent2"/>
+          </a:solidFill>
+          <a:ln>
+            <a:noFill/>
+          </a:ln>
+        </p:spPr>
+        <p:style>
+          <a:lnRef idx="2">
+            <a:schemeClr val="accent1">
+              <a:shade val="50000"/>
+            </a:schemeClr>
+          </a:lnRef>
+          <a:fillRef idx="1">
+            <a:schemeClr val="accent1"/>
+          </a:fillRef>
+          <a:effectRef idx="0">
+            <a:schemeClr val="accent1"/>
+          </a:effectRef>
+          <a:fontRef idx="minor">
+            <a:schemeClr val="lt1"/>
+          </a:fontRef>
+        </p:style>
+      </p:sp>
+      <p:sp>
+        <p:nvSpPr>
+          <p:cNvPr id="6" name="Rectangle 5"/>
+          <p:cNvSpPr/>
+          <p:nvPr/>
+        </p:nvSpPr>
+        <p:spPr>
+          <a:xfrm>
+            <a:off x="15" y="6334316"/>
+            <a:ext cx="12188825" cy="64008"/>
+          </a:xfrm>
+          <a:prstGeom prst="rect">
+            <a:avLst/>
+          </a:prstGeom>
+          <a:solidFill>
+            <a:schemeClr val="accent1"/>
+          </a:solidFill>
+          <a:ln>
+            <a:noFill/>
+          </a:ln>
+        </p:spPr>
+        <p:style>
+          <a:lnRef idx="2">
+            <a:schemeClr val="accent1">
+              <a:shade val="50000"/>
+            </a:schemeClr>
+          </a:lnRef>
+          <a:fillRef idx="1">
+            <a:schemeClr val="accent1"/>
+          </a:fillRef>
+          <a:effectRef idx="0">
+            <a:schemeClr val="accent1"/>
+          </a:effectRef>
+          <a:fontRef idx="minor">
+            <a:schemeClr val="lt1"/>
+          </a:fontRef>
+        </p:style>
+      </p:sp>
+      <p:sp>
+        <p:nvSpPr>
+          <p:cNvPr id="7" name="Date Placeholder 6"/>
           <p:cNvSpPr>
             <a:spLocks noGrp="1"/>
           </p:cNvSpPr>
@@ -2064,21 +2269,15 @@
           <a:p>
             <a:fld id="{1AE69FE4-68FA-4322-8FD3-4FE44DC8E21C}" type="datetimeFigureOut">
               <a:rPr lang="ko-KR" altLang="en-US" smtClean="0"/>
-              <a:t>2018-09-25</a:t>
+              <a:t>2018-09-26</a:t>
             </a:fld>
-            <a:endParaRPr lang="ko-KR" altLang="en-US"/>
-          </a:p>
-        </p:txBody>
-      </p:sp>
-      <p:sp>
-        <p:nvSpPr>
-          <p:cNvPr id="3" name="바닥글 개체 틀 2">
-            <a:extLst>
-              <a:ext uri="{FF2B5EF4-FFF2-40B4-BE49-F238E27FC236}">
-                <a16:creationId xmlns:a16="http://schemas.microsoft.com/office/drawing/2014/main" id="{0D548DBB-66DD-42B9-85B1-92B25E3FE18F}"/>
-              </a:ext>
-            </a:extLst>
-          </p:cNvPr>
+            <a:endParaRPr lang="ko-KR" altLang="en-US" dirty="0"/>
+          </a:p>
+        </p:txBody>
+      </p:sp>
+      <p:sp>
+        <p:nvSpPr>
+          <p:cNvPr id="8" name="Footer Placeholder 7"/>
           <p:cNvSpPr>
             <a:spLocks noGrp="1"/>
           </p:cNvSpPr>
@@ -2089,21 +2288,23 @@
         <p:spPr/>
         <p:txBody>
           <a:bodyPr/>
-          <a:lstStyle/>
-          <a:p>
-            <a:endParaRPr lang="ko-KR" altLang="en-US"/>
-          </a:p>
-        </p:txBody>
-      </p:sp>
-      <p:sp>
-        <p:nvSpPr>
-          <p:cNvPr id="4" name="슬라이드 번호 개체 틀 3">
-            <a:extLst>
-              <a:ext uri="{FF2B5EF4-FFF2-40B4-BE49-F238E27FC236}">
-                <a16:creationId xmlns:a16="http://schemas.microsoft.com/office/drawing/2014/main" id="{39E7E24E-8D40-470F-BE1A-F0A60F368B7B}"/>
-              </a:ext>
-            </a:extLst>
-          </p:cNvPr>
+          <a:lstStyle>
+            <a:lvl1pPr>
+              <a:defRPr>
+                <a:solidFill>
+                  <a:srgbClr val="FFFFFF"/>
+                </a:solidFill>
+              </a:defRPr>
+            </a:lvl1pPr>
+          </a:lstStyle>
+          <a:p>
+            <a:endParaRPr lang="ko-KR" altLang="en-US" dirty="0"/>
+          </a:p>
+        </p:txBody>
+      </p:sp>
+      <p:sp>
+        <p:nvSpPr>
+          <p:cNvPr id="9" name="Slide Number Placeholder 8"/>
           <p:cNvSpPr>
             <a:spLocks noGrp="1"/>
           </p:cNvSpPr>
@@ -2120,14 +2321,14 @@
               <a:rPr lang="ko-KR" altLang="en-US" smtClean="0"/>
               <a:t>‹#›</a:t>
             </a:fld>
-            <a:endParaRPr lang="ko-KR" altLang="en-US"/>
+            <a:endParaRPr lang="ko-KR" altLang="en-US" dirty="0"/>
           </a:p>
         </p:txBody>
       </p:sp>
     </p:spTree>
     <p:extLst>
       <p:ext uri="{BB962C8B-B14F-4D97-AF65-F5344CB8AC3E}">
-        <p14:creationId xmlns:p14="http://schemas.microsoft.com/office/powerpoint/2010/main" val="3044370844"/>
+        <p14:creationId xmlns:p14="http://schemas.microsoft.com/office/powerpoint/2010/main" val="2146759842"/>
       </p:ext>
     </p:extLst>
   </p:cSld>
@@ -2138,7 +2339,7 @@
 </file>
 
 <file path=ppt/slideLayouts/slideLayout8.xml><?xml version="1.0" encoding="utf-8"?>
-<p:sldLayout xmlns:a="http://schemas.openxmlformats.org/drawingml/2006/main" xmlns:r="http://schemas.openxmlformats.org/officeDocument/2006/relationships" xmlns:p="http://schemas.openxmlformats.org/presentationml/2006/main" type="objTx" preserve="1">
+<p:sldLayout xmlns:a="http://schemas.openxmlformats.org/drawingml/2006/main" xmlns:r="http://schemas.openxmlformats.org/officeDocument/2006/relationships" xmlns:p="http://schemas.openxmlformats.org/presentationml/2006/main" showMasterSp="0" type="objTx" preserve="1">
   <p:cSld name="캡션 있는 콘텐츠">
     <p:spTree>
       <p:nvGrpSpPr>
@@ -2156,13 +2357,83 @@
       </p:grpSpPr>
       <p:sp>
         <p:nvSpPr>
-          <p:cNvPr id="2" name="제목 1">
-            <a:extLst>
-              <a:ext uri="{FF2B5EF4-FFF2-40B4-BE49-F238E27FC236}">
-                <a16:creationId xmlns:a16="http://schemas.microsoft.com/office/drawing/2014/main" id="{7ED6661E-4C10-4F26-9701-9E55694B6916}"/>
-              </a:ext>
-            </a:extLst>
-          </p:cNvPr>
+          <p:cNvPr id="8" name="Rectangle 7"/>
+          <p:cNvSpPr/>
+          <p:nvPr/>
+        </p:nvSpPr>
+        <p:spPr>
+          <a:xfrm>
+            <a:off x="16" y="0"/>
+            <a:ext cx="4050791" cy="6858000"/>
+          </a:xfrm>
+          <a:prstGeom prst="rect">
+            <a:avLst/>
+          </a:prstGeom>
+          <a:solidFill>
+            <a:schemeClr val="accent2"/>
+          </a:solidFill>
+          <a:ln>
+            <a:noFill/>
+          </a:ln>
+        </p:spPr>
+        <p:style>
+          <a:lnRef idx="2">
+            <a:schemeClr val="accent1">
+              <a:shade val="50000"/>
+            </a:schemeClr>
+          </a:lnRef>
+          <a:fillRef idx="1">
+            <a:schemeClr val="accent1"/>
+          </a:fillRef>
+          <a:effectRef idx="0">
+            <a:schemeClr val="accent1"/>
+          </a:effectRef>
+          <a:fontRef idx="minor">
+            <a:schemeClr val="lt1"/>
+          </a:fontRef>
+        </p:style>
+      </p:sp>
+      <p:sp>
+        <p:nvSpPr>
+          <p:cNvPr id="9" name="Rectangle 8"/>
+          <p:cNvSpPr/>
+          <p:nvPr/>
+        </p:nvSpPr>
+        <p:spPr>
+          <a:xfrm>
+            <a:off x="4040071" y="0"/>
+            <a:ext cx="64008" cy="6858000"/>
+          </a:xfrm>
+          <a:prstGeom prst="rect">
+            <a:avLst/>
+          </a:prstGeom>
+          <a:solidFill>
+            <a:schemeClr val="accent1"/>
+          </a:solidFill>
+          <a:ln>
+            <a:noFill/>
+          </a:ln>
+        </p:spPr>
+        <p:style>
+          <a:lnRef idx="2">
+            <a:schemeClr val="accent1">
+              <a:shade val="50000"/>
+            </a:schemeClr>
+          </a:lnRef>
+          <a:fillRef idx="1">
+            <a:schemeClr val="accent1"/>
+          </a:fillRef>
+          <a:effectRef idx="0">
+            <a:schemeClr val="accent1"/>
+          </a:effectRef>
+          <a:fontRef idx="minor">
+            <a:schemeClr val="lt1"/>
+          </a:fontRef>
+        </p:style>
+      </p:sp>
+      <p:sp>
+        <p:nvSpPr>
+          <p:cNvPr id="2" name="Title 1"/>
           <p:cNvSpPr>
             <a:spLocks noGrp="1"/>
           </p:cNvSpPr>
@@ -2172,15 +2443,21 @@
         </p:nvSpPr>
         <p:spPr>
           <a:xfrm>
-            <a:off x="839788" y="457200"/>
-            <a:ext cx="3932237" cy="1600200"/>
+            <a:off x="457200" y="594359"/>
+            <a:ext cx="3200400" cy="2286000"/>
           </a:xfrm>
         </p:spPr>
         <p:txBody>
-          <a:bodyPr anchor="b"/>
+          <a:bodyPr anchor="b">
+            <a:normAutofit/>
+          </a:bodyPr>
           <a:lstStyle>
             <a:lvl1pPr>
-              <a:defRPr sz="3200"/>
+              <a:defRPr sz="3600" b="0">
+                <a:solidFill>
+                  <a:srgbClr val="FFFFFF"/>
+                </a:solidFill>
+              </a:defRPr>
             </a:lvl1pPr>
           </a:lstStyle>
           <a:p>
@@ -2188,18 +2465,13 @@
               <a:rPr lang="ko-KR" altLang="en-US"/>
               <a:t>마스터 제목 스타일 편집</a:t>
             </a:r>
-          </a:p>
-        </p:txBody>
-      </p:sp>
-      <p:sp>
-        <p:nvSpPr>
-          <p:cNvPr id="3" name="내용 개체 틀 2">
-            <a:extLst>
-              <a:ext uri="{FF2B5EF4-FFF2-40B4-BE49-F238E27FC236}">
-                <a16:creationId xmlns:a16="http://schemas.microsoft.com/office/drawing/2014/main" id="{346E9629-B64F-4C2C-BA30-BF46C8246F8F}"/>
-              </a:ext>
-            </a:extLst>
-          </p:cNvPr>
+            <a:endParaRPr lang="en-US" dirty="0"/>
+          </a:p>
+        </p:txBody>
+      </p:sp>
+      <p:sp>
+        <p:nvSpPr>
+          <p:cNvPr id="3" name="Content Placeholder 2"/>
           <p:cNvSpPr>
             <a:spLocks noGrp="1"/>
           </p:cNvSpPr>
@@ -2209,236 +2481,221 @@
         </p:nvSpPr>
         <p:spPr>
           <a:xfrm>
-            <a:off x="5183188" y="987425"/>
-            <a:ext cx="6172200" cy="4873625"/>
+            <a:off x="4800600" y="731520"/>
+            <a:ext cx="6492240" cy="5257800"/>
           </a:xfrm>
         </p:spPr>
+        <p:txBody>
+          <a:bodyPr/>
+          <a:lstStyle/>
+          <a:p>
+            <a:pPr lvl="0"/>
+            <a:r>
+              <a:rPr lang="ko-KR" altLang="en-US"/>
+              <a:t>마스터 텍스트 스타일 편집</a:t>
+            </a:r>
+          </a:p>
+          <a:p>
+            <a:pPr lvl="1"/>
+            <a:r>
+              <a:rPr lang="ko-KR" altLang="en-US"/>
+              <a:t>둘째 수준</a:t>
+            </a:r>
+          </a:p>
+          <a:p>
+            <a:pPr lvl="2"/>
+            <a:r>
+              <a:rPr lang="ko-KR" altLang="en-US"/>
+              <a:t>셋째 수준</a:t>
+            </a:r>
+          </a:p>
+          <a:p>
+            <a:pPr lvl="3"/>
+            <a:r>
+              <a:rPr lang="ko-KR" altLang="en-US"/>
+              <a:t>넷째 수준</a:t>
+            </a:r>
+          </a:p>
+          <a:p>
+            <a:pPr lvl="4"/>
+            <a:r>
+              <a:rPr lang="ko-KR" altLang="en-US"/>
+              <a:t>다섯째 수준</a:t>
+            </a:r>
+            <a:endParaRPr lang="en-US" dirty="0"/>
+          </a:p>
+        </p:txBody>
+      </p:sp>
+      <p:sp>
+        <p:nvSpPr>
+          <p:cNvPr id="4" name="Text Placeholder 3"/>
+          <p:cNvSpPr>
+            <a:spLocks noGrp="1"/>
+          </p:cNvSpPr>
+          <p:nvPr>
+            <p:ph type="body" sz="half" idx="2"/>
+          </p:nvPr>
+        </p:nvSpPr>
+        <p:spPr>
+          <a:xfrm>
+            <a:off x="457200" y="2926080"/>
+            <a:ext cx="3200400" cy="3379124"/>
+          </a:xfrm>
+        </p:spPr>
+        <p:txBody>
+          <a:bodyPr lIns="91440" rIns="91440">
+            <a:normAutofit/>
+          </a:bodyPr>
+          <a:lstStyle>
+            <a:lvl1pPr marL="0" indent="0">
+              <a:buNone/>
+              <a:defRPr sz="1500">
+                <a:solidFill>
+                  <a:srgbClr val="FFFFFF"/>
+                </a:solidFill>
+              </a:defRPr>
+            </a:lvl1pPr>
+            <a:lvl2pPr marL="457200" indent="0">
+              <a:buNone/>
+              <a:defRPr sz="1200"/>
+            </a:lvl2pPr>
+            <a:lvl3pPr marL="914400" indent="0">
+              <a:buNone/>
+              <a:defRPr sz="1000"/>
+            </a:lvl3pPr>
+            <a:lvl4pPr marL="1371600" indent="0">
+              <a:buNone/>
+              <a:defRPr sz="900"/>
+            </a:lvl4pPr>
+            <a:lvl5pPr marL="1828800" indent="0">
+              <a:buNone/>
+              <a:defRPr sz="900"/>
+            </a:lvl5pPr>
+            <a:lvl6pPr marL="2286000" indent="0">
+              <a:buNone/>
+              <a:defRPr sz="900"/>
+            </a:lvl6pPr>
+            <a:lvl7pPr marL="2743200" indent="0">
+              <a:buNone/>
+              <a:defRPr sz="900"/>
+            </a:lvl7pPr>
+            <a:lvl8pPr marL="3200400" indent="0">
+              <a:buNone/>
+              <a:defRPr sz="900"/>
+            </a:lvl8pPr>
+            <a:lvl9pPr marL="3657600" indent="0">
+              <a:buNone/>
+              <a:defRPr sz="900"/>
+            </a:lvl9pPr>
+          </a:lstStyle>
+          <a:p>
+            <a:pPr lvl="0"/>
+            <a:r>
+              <a:rPr lang="ko-KR" altLang="en-US"/>
+              <a:t>마스터 텍스트 스타일 편집</a:t>
+            </a:r>
+          </a:p>
+        </p:txBody>
+      </p:sp>
+      <p:sp>
+        <p:nvSpPr>
+          <p:cNvPr id="5" name="Date Placeholder 4"/>
+          <p:cNvSpPr>
+            <a:spLocks noGrp="1"/>
+          </p:cNvSpPr>
+          <p:nvPr>
+            <p:ph type="dt" sz="half" idx="10"/>
+          </p:nvPr>
+        </p:nvSpPr>
+        <p:spPr>
+          <a:xfrm>
+            <a:off x="465512" y="6459785"/>
+            <a:ext cx="2618510" cy="365125"/>
+          </a:xfrm>
+        </p:spPr>
+        <p:txBody>
+          <a:bodyPr/>
+          <a:lstStyle>
+            <a:lvl1pPr algn="l">
+              <a:defRPr/>
+            </a:lvl1pPr>
+          </a:lstStyle>
+          <a:p>
+            <a:fld id="{1AE69FE4-68FA-4322-8FD3-4FE44DC8E21C}" type="datetimeFigureOut">
+              <a:rPr lang="ko-KR" altLang="en-US" smtClean="0"/>
+              <a:t>2018-09-26</a:t>
+            </a:fld>
+            <a:endParaRPr lang="ko-KR" altLang="en-US" dirty="0"/>
+          </a:p>
+        </p:txBody>
+      </p:sp>
+      <p:sp>
+        <p:nvSpPr>
+          <p:cNvPr id="6" name="Footer Placeholder 5"/>
+          <p:cNvSpPr>
+            <a:spLocks noGrp="1"/>
+          </p:cNvSpPr>
+          <p:nvPr>
+            <p:ph type="ftr" sz="quarter" idx="11"/>
+          </p:nvPr>
+        </p:nvSpPr>
+        <p:spPr>
+          <a:xfrm>
+            <a:off x="4800600" y="6459785"/>
+            <a:ext cx="4648200" cy="365125"/>
+          </a:xfrm>
+        </p:spPr>
+        <p:txBody>
+          <a:bodyPr/>
+          <a:lstStyle>
+            <a:lvl1pPr algn="l">
+              <a:defRPr>
+                <a:solidFill>
+                  <a:schemeClr val="tx2"/>
+                </a:solidFill>
+              </a:defRPr>
+            </a:lvl1pPr>
+          </a:lstStyle>
+          <a:p>
+            <a:endParaRPr lang="ko-KR" altLang="en-US" dirty="0"/>
+          </a:p>
+        </p:txBody>
+      </p:sp>
+      <p:sp>
+        <p:nvSpPr>
+          <p:cNvPr id="7" name="Slide Number Placeholder 6"/>
+          <p:cNvSpPr>
+            <a:spLocks noGrp="1"/>
+          </p:cNvSpPr>
+          <p:nvPr>
+            <p:ph type="sldNum" sz="quarter" idx="12"/>
+          </p:nvPr>
+        </p:nvSpPr>
+        <p:spPr/>
         <p:txBody>
           <a:bodyPr/>
           <a:lstStyle>
             <a:lvl1pPr>
-              <a:defRPr sz="3200"/>
+              <a:defRPr>
+                <a:solidFill>
+                  <a:schemeClr val="tx2"/>
+                </a:solidFill>
+              </a:defRPr>
             </a:lvl1pPr>
-            <a:lvl2pPr>
-              <a:defRPr sz="2800"/>
-            </a:lvl2pPr>
-            <a:lvl3pPr>
-              <a:defRPr sz="2400"/>
-            </a:lvl3pPr>
-            <a:lvl4pPr>
-              <a:defRPr sz="2000"/>
-            </a:lvl4pPr>
-            <a:lvl5pPr>
-              <a:defRPr sz="2000"/>
-            </a:lvl5pPr>
-            <a:lvl6pPr>
-              <a:defRPr sz="2000"/>
-            </a:lvl6pPr>
-            <a:lvl7pPr>
-              <a:defRPr sz="2000"/>
-            </a:lvl7pPr>
-            <a:lvl8pPr>
-              <a:defRPr sz="2000"/>
-            </a:lvl8pPr>
-            <a:lvl9pPr>
-              <a:defRPr sz="2000"/>
-            </a:lvl9pPr>
           </a:lstStyle>
-          <a:p>
-            <a:pPr lvl="0"/>
-            <a:r>
-              <a:rPr lang="ko-KR" altLang="en-US"/>
-              <a:t>마스터 텍스트 스타일 편집</a:t>
-            </a:r>
-          </a:p>
-          <a:p>
-            <a:pPr lvl="1"/>
-            <a:r>
-              <a:rPr lang="ko-KR" altLang="en-US"/>
-              <a:t>둘째 수준</a:t>
-            </a:r>
-          </a:p>
-          <a:p>
-            <a:pPr lvl="2"/>
-            <a:r>
-              <a:rPr lang="ko-KR" altLang="en-US"/>
-              <a:t>셋째 수준</a:t>
-            </a:r>
-          </a:p>
-          <a:p>
-            <a:pPr lvl="3"/>
-            <a:r>
-              <a:rPr lang="ko-KR" altLang="en-US"/>
-              <a:t>넷째 수준</a:t>
-            </a:r>
-          </a:p>
-          <a:p>
-            <a:pPr lvl="4"/>
-            <a:r>
-              <a:rPr lang="ko-KR" altLang="en-US"/>
-              <a:t>다섯째 수준</a:t>
-            </a:r>
-          </a:p>
-        </p:txBody>
-      </p:sp>
-      <p:sp>
-        <p:nvSpPr>
-          <p:cNvPr id="4" name="텍스트 개체 틀 3">
-            <a:extLst>
-              <a:ext uri="{FF2B5EF4-FFF2-40B4-BE49-F238E27FC236}">
-                <a16:creationId xmlns:a16="http://schemas.microsoft.com/office/drawing/2014/main" id="{78315CED-E645-4A00-A56D-75EC12403A4E}"/>
-              </a:ext>
-            </a:extLst>
-          </p:cNvPr>
-          <p:cNvSpPr>
-            <a:spLocks noGrp="1"/>
-          </p:cNvSpPr>
-          <p:nvPr>
-            <p:ph type="body" sz="half" idx="2"/>
-          </p:nvPr>
-        </p:nvSpPr>
-        <p:spPr>
-          <a:xfrm>
-            <a:off x="839788" y="2057400"/>
-            <a:ext cx="3932237" cy="3811588"/>
-          </a:xfrm>
-        </p:spPr>
-        <p:txBody>
-          <a:bodyPr/>
-          <a:lstStyle>
-            <a:lvl1pPr marL="0" indent="0">
-              <a:buNone/>
-              <a:defRPr sz="1600"/>
-            </a:lvl1pPr>
-            <a:lvl2pPr marL="457200" indent="0">
-              <a:buNone/>
-              <a:defRPr sz="1400"/>
-            </a:lvl2pPr>
-            <a:lvl3pPr marL="914400" indent="0">
-              <a:buNone/>
-              <a:defRPr sz="1200"/>
-            </a:lvl3pPr>
-            <a:lvl4pPr marL="1371600" indent="0">
-              <a:buNone/>
-              <a:defRPr sz="1000"/>
-            </a:lvl4pPr>
-            <a:lvl5pPr marL="1828800" indent="0">
-              <a:buNone/>
-              <a:defRPr sz="1000"/>
-            </a:lvl5pPr>
-            <a:lvl6pPr marL="2286000" indent="0">
-              <a:buNone/>
-              <a:defRPr sz="1000"/>
-            </a:lvl6pPr>
-            <a:lvl7pPr marL="2743200" indent="0">
-              <a:buNone/>
-              <a:defRPr sz="1000"/>
-            </a:lvl7pPr>
-            <a:lvl8pPr marL="3200400" indent="0">
-              <a:buNone/>
-              <a:defRPr sz="1000"/>
-            </a:lvl8pPr>
-            <a:lvl9pPr marL="3657600" indent="0">
-              <a:buNone/>
-              <a:defRPr sz="1000"/>
-            </a:lvl9pPr>
-          </a:lstStyle>
-          <a:p>
-            <a:pPr lvl="0"/>
-            <a:r>
-              <a:rPr lang="ko-KR" altLang="en-US"/>
-              <a:t>마스터 텍스트 스타일 편집</a:t>
-            </a:r>
-          </a:p>
-        </p:txBody>
-      </p:sp>
-      <p:sp>
-        <p:nvSpPr>
-          <p:cNvPr id="5" name="날짜 개체 틀 4">
-            <a:extLst>
-              <a:ext uri="{FF2B5EF4-FFF2-40B4-BE49-F238E27FC236}">
-                <a16:creationId xmlns:a16="http://schemas.microsoft.com/office/drawing/2014/main" id="{C79F0CED-D87B-4580-8C82-943E8A0AC16C}"/>
-              </a:ext>
-            </a:extLst>
-          </p:cNvPr>
-          <p:cNvSpPr>
-            <a:spLocks noGrp="1"/>
-          </p:cNvSpPr>
-          <p:nvPr>
-            <p:ph type="dt" sz="half" idx="10"/>
-          </p:nvPr>
-        </p:nvSpPr>
-        <p:spPr/>
-        <p:txBody>
-          <a:bodyPr/>
-          <a:lstStyle/>
-          <a:p>
-            <a:fld id="{1AE69FE4-68FA-4322-8FD3-4FE44DC8E21C}" type="datetimeFigureOut">
-              <a:rPr lang="ko-KR" altLang="en-US" smtClean="0"/>
-              <a:t>2018-09-25</a:t>
-            </a:fld>
-            <a:endParaRPr lang="ko-KR" altLang="en-US"/>
-          </a:p>
-        </p:txBody>
-      </p:sp>
-      <p:sp>
-        <p:nvSpPr>
-          <p:cNvPr id="6" name="바닥글 개체 틀 5">
-            <a:extLst>
-              <a:ext uri="{FF2B5EF4-FFF2-40B4-BE49-F238E27FC236}">
-                <a16:creationId xmlns:a16="http://schemas.microsoft.com/office/drawing/2014/main" id="{851A8734-10F9-4CDC-AD9A-C605F7244484}"/>
-              </a:ext>
-            </a:extLst>
-          </p:cNvPr>
-          <p:cNvSpPr>
-            <a:spLocks noGrp="1"/>
-          </p:cNvSpPr>
-          <p:nvPr>
-            <p:ph type="ftr" sz="quarter" idx="11"/>
-          </p:nvPr>
-        </p:nvSpPr>
-        <p:spPr/>
-        <p:txBody>
-          <a:bodyPr/>
-          <a:lstStyle/>
-          <a:p>
-            <a:endParaRPr lang="ko-KR" altLang="en-US"/>
-          </a:p>
-        </p:txBody>
-      </p:sp>
-      <p:sp>
-        <p:nvSpPr>
-          <p:cNvPr id="7" name="슬라이드 번호 개체 틀 6">
-            <a:extLst>
-              <a:ext uri="{FF2B5EF4-FFF2-40B4-BE49-F238E27FC236}">
-                <a16:creationId xmlns:a16="http://schemas.microsoft.com/office/drawing/2014/main" id="{7D86E4B9-FC04-4B54-BD3C-9E4226773984}"/>
-              </a:ext>
-            </a:extLst>
-          </p:cNvPr>
-          <p:cNvSpPr>
-            <a:spLocks noGrp="1"/>
-          </p:cNvSpPr>
-          <p:nvPr>
-            <p:ph type="sldNum" sz="quarter" idx="12"/>
-          </p:nvPr>
-        </p:nvSpPr>
-        <p:spPr/>
-        <p:txBody>
-          <a:bodyPr/>
-          <a:lstStyle/>
           <a:p>
             <a:fld id="{47159413-06A5-4FCF-BB00-9DF7D04B67AC}" type="slidenum">
               <a:rPr lang="ko-KR" altLang="en-US" smtClean="0"/>
               <a:t>‹#›</a:t>
             </a:fld>
-            <a:endParaRPr lang="ko-KR" altLang="en-US"/>
+            <a:endParaRPr lang="ko-KR" altLang="en-US" dirty="0"/>
           </a:p>
         </p:txBody>
       </p:sp>
     </p:spTree>
     <p:extLst>
       <p:ext uri="{BB962C8B-B14F-4D97-AF65-F5344CB8AC3E}">
-        <p14:creationId xmlns:p14="http://schemas.microsoft.com/office/powerpoint/2010/main" val="718405846"/>
+        <p14:creationId xmlns:p14="http://schemas.microsoft.com/office/powerpoint/2010/main" val="2656379091"/>
       </p:ext>
     </p:extLst>
   </p:cSld>
@@ -2449,7 +2706,7 @@
 </file>
 
 <file path=ppt/slideLayouts/slideLayout9.xml><?xml version="1.0" encoding="utf-8"?>
-<p:sldLayout xmlns:a="http://schemas.openxmlformats.org/drawingml/2006/main" xmlns:r="http://schemas.openxmlformats.org/officeDocument/2006/relationships" xmlns:p="http://schemas.openxmlformats.org/presentationml/2006/main" type="picTx" preserve="1">
+<p:sldLayout xmlns:a="http://schemas.openxmlformats.org/drawingml/2006/main" xmlns:r="http://schemas.openxmlformats.org/officeDocument/2006/relationships" xmlns:p="http://schemas.openxmlformats.org/presentationml/2006/main" showMasterSp="0" type="picTx" preserve="1">
   <p:cSld name="캡션 있는 그림">
     <p:spTree>
       <p:nvGrpSpPr>
@@ -2467,13 +2724,83 @@
       </p:grpSpPr>
       <p:sp>
         <p:nvSpPr>
-          <p:cNvPr id="2" name="제목 1">
-            <a:extLst>
-              <a:ext uri="{FF2B5EF4-FFF2-40B4-BE49-F238E27FC236}">
-                <a16:creationId xmlns:a16="http://schemas.microsoft.com/office/drawing/2014/main" id="{878ADCF8-F87E-4E63-A335-9ECCAE0E04C6}"/>
-              </a:ext>
-            </a:extLst>
-          </p:cNvPr>
+          <p:cNvPr id="8" name="Rectangle 7"/>
+          <p:cNvSpPr/>
+          <p:nvPr/>
+        </p:nvSpPr>
+        <p:spPr>
+          <a:xfrm>
+            <a:off x="0" y="4953000"/>
+            <a:ext cx="12188825" cy="1905000"/>
+          </a:xfrm>
+          <a:prstGeom prst="rect">
+            <a:avLst/>
+          </a:prstGeom>
+          <a:solidFill>
+            <a:schemeClr val="accent2"/>
+          </a:solidFill>
+          <a:ln>
+            <a:noFill/>
+          </a:ln>
+        </p:spPr>
+        <p:style>
+          <a:lnRef idx="2">
+            <a:schemeClr val="accent1">
+              <a:shade val="50000"/>
+            </a:schemeClr>
+          </a:lnRef>
+          <a:fillRef idx="1">
+            <a:schemeClr val="accent1"/>
+          </a:fillRef>
+          <a:effectRef idx="0">
+            <a:schemeClr val="accent1"/>
+          </a:effectRef>
+          <a:fontRef idx="minor">
+            <a:schemeClr val="lt1"/>
+          </a:fontRef>
+        </p:style>
+      </p:sp>
+      <p:sp>
+        <p:nvSpPr>
+          <p:cNvPr id="9" name="Rectangle 8"/>
+          <p:cNvSpPr/>
+          <p:nvPr/>
+        </p:nvSpPr>
+        <p:spPr>
+          <a:xfrm>
+            <a:off x="15" y="4915076"/>
+            <a:ext cx="12188825" cy="64008"/>
+          </a:xfrm>
+          <a:prstGeom prst="rect">
+            <a:avLst/>
+          </a:prstGeom>
+          <a:solidFill>
+            <a:schemeClr val="accent1"/>
+          </a:solidFill>
+          <a:ln>
+            <a:noFill/>
+          </a:ln>
+        </p:spPr>
+        <p:style>
+          <a:lnRef idx="2">
+            <a:schemeClr val="accent1">
+              <a:shade val="50000"/>
+            </a:schemeClr>
+          </a:lnRef>
+          <a:fillRef idx="1">
+            <a:schemeClr val="accent1"/>
+          </a:fillRef>
+          <a:effectRef idx="0">
+            <a:schemeClr val="accent1"/>
+          </a:effectRef>
+          <a:fontRef idx="minor">
+            <a:schemeClr val="lt1"/>
+          </a:fontRef>
+        </p:style>
+      </p:sp>
+      <p:sp>
+        <p:nvSpPr>
+          <p:cNvPr id="2" name="Title 1"/>
           <p:cNvSpPr>
             <a:spLocks noGrp="1"/>
           </p:cNvSpPr>
@@ -2483,15 +2810,21 @@
         </p:nvSpPr>
         <p:spPr>
           <a:xfrm>
-            <a:off x="839788" y="457200"/>
-            <a:ext cx="3932237" cy="1600200"/>
+            <a:off x="1097280" y="5074920"/>
+            <a:ext cx="10113264" cy="822960"/>
           </a:xfrm>
         </p:spPr>
         <p:txBody>
-          <a:bodyPr anchor="b"/>
+          <a:bodyPr lIns="91440" tIns="0" rIns="91440" bIns="0" anchor="b">
+            <a:noAutofit/>
+          </a:bodyPr>
           <a:lstStyle>
             <a:lvl1pPr>
-              <a:defRPr sz="3200"/>
+              <a:defRPr sz="3600" b="0">
+                <a:solidFill>
+                  <a:srgbClr val="FFFFFF"/>
+                </a:solidFill>
+              </a:defRPr>
             </a:lvl1pPr>
           </a:lstStyle>
           <a:p>
@@ -2499,20 +2832,15 @@
               <a:rPr lang="ko-KR" altLang="en-US"/>
               <a:t>마스터 제목 스타일 편집</a:t>
             </a:r>
-          </a:p>
-        </p:txBody>
-      </p:sp>
-      <p:sp>
-        <p:nvSpPr>
-          <p:cNvPr id="3" name="그림 개체 틀 2">
-            <a:extLst>
-              <a:ext uri="{FF2B5EF4-FFF2-40B4-BE49-F238E27FC236}">
-                <a16:creationId xmlns:a16="http://schemas.microsoft.com/office/drawing/2014/main" id="{B6C065FF-B0D0-408B-B9F7-52BC94AE63AD}"/>
-              </a:ext>
-            </a:extLst>
-          </p:cNvPr>
+            <a:endParaRPr lang="en-US" dirty="0"/>
+          </a:p>
+        </p:txBody>
+      </p:sp>
+      <p:sp>
+        <p:nvSpPr>
+          <p:cNvPr id="3" name="Picture Placeholder 2"/>
           <p:cNvSpPr>
-            <a:spLocks noGrp="1"/>
+            <a:spLocks noGrp="1" noChangeAspect="1"/>
           </p:cNvSpPr>
           <p:nvPr>
             <p:ph type="pic" idx="1"/>
@@ -2520,16 +2848,26 @@
         </p:nvSpPr>
         <p:spPr>
           <a:xfrm>
-            <a:off x="5183188" y="987425"/>
-            <a:ext cx="6172200" cy="4873625"/>
+            <a:off x="15" y="0"/>
+            <a:ext cx="12191985" cy="4915076"/>
           </a:xfrm>
+          <a:blipFill>
+            <a:blip r:embed="rId2"/>
+            <a:stretch>
+              <a:fillRect/>
+            </a:stretch>
+          </a:blipFill>
         </p:spPr>
         <p:txBody>
-          <a:bodyPr/>
+          <a:bodyPr lIns="457200" tIns="457200" anchor="t"/>
           <a:lstStyle>
             <a:lvl1pPr marL="0" indent="0">
               <a:buNone/>
-              <a:defRPr sz="3200"/>
+              <a:defRPr sz="3200">
+                <a:solidFill>
+                  <a:schemeClr val="bg1"/>
+                </a:solidFill>
+              </a:defRPr>
             </a:lvl1pPr>
             <a:lvl2pPr marL="457200" indent="0">
               <a:buNone/>
@@ -2565,19 +2903,17 @@
             </a:lvl9pPr>
           </a:lstStyle>
           <a:p>
-            <a:endParaRPr lang="ko-KR" altLang="en-US"/>
-          </a:p>
-        </p:txBody>
-      </p:sp>
-      <p:sp>
-        <p:nvSpPr>
-          <p:cNvPr id="4" name="텍스트 개체 틀 3">
-            <a:extLst>
-              <a:ext uri="{FF2B5EF4-FFF2-40B4-BE49-F238E27FC236}">
-                <a16:creationId xmlns:a16="http://schemas.microsoft.com/office/drawing/2014/main" id="{129AC955-9184-4DEB-87F6-15791E3A8EDC}"/>
-              </a:ext>
-            </a:extLst>
-          </p:cNvPr>
+            <a:r>
+              <a:rPr lang="ko-KR" altLang="en-US" dirty="0"/>
+              <a:t>그림을 추가하려면 아이콘을 클릭하십시오</a:t>
+            </a:r>
+            <a:endParaRPr lang="en-US" dirty="0"/>
+          </a:p>
+        </p:txBody>
+      </p:sp>
+      <p:sp>
+        <p:nvSpPr>
+          <p:cNvPr id="4" name="Text Placeholder 3"/>
           <p:cNvSpPr>
             <a:spLocks noGrp="1"/>
           </p:cNvSpPr>
@@ -2587,48 +2923,60 @@
         </p:nvSpPr>
         <p:spPr>
           <a:xfrm>
-            <a:off x="839788" y="2057400"/>
-            <a:ext cx="3932237" cy="3811588"/>
+            <a:off x="1097280" y="5907023"/>
+            <a:ext cx="10113264" cy="594360"/>
           </a:xfrm>
         </p:spPr>
         <p:txBody>
-          <a:bodyPr/>
+          <a:bodyPr lIns="91440" tIns="0" rIns="91440" bIns="0">
+            <a:normAutofit/>
+          </a:bodyPr>
           <a:lstStyle>
             <a:lvl1pPr marL="0" indent="0">
+              <a:spcBef>
+                <a:spcPts val="0"/>
+              </a:spcBef>
+              <a:spcAft>
+                <a:spcPts val="600"/>
+              </a:spcAft>
               <a:buNone/>
-              <a:defRPr sz="1600"/>
+              <a:defRPr sz="1500">
+                <a:solidFill>
+                  <a:srgbClr val="FFFFFF"/>
+                </a:solidFill>
+              </a:defRPr>
             </a:lvl1pPr>
             <a:lvl2pPr marL="457200" indent="0">
               <a:buNone/>
-              <a:defRPr sz="1400"/>
+              <a:defRPr sz="1200"/>
             </a:lvl2pPr>
             <a:lvl3pPr marL="914400" indent="0">
               <a:buNone/>
-              <a:defRPr sz="1200"/>
+              <a:defRPr sz="1000"/>
             </a:lvl3pPr>
             <a:lvl4pPr marL="1371600" indent="0">
               <a:buNone/>
-              <a:defRPr sz="1000"/>
+              <a:defRPr sz="900"/>
             </a:lvl4pPr>
             <a:lvl5pPr marL="1828800" indent="0">
               <a:buNone/>
-              <a:defRPr sz="1000"/>
+              <a:defRPr sz="900"/>
             </a:lvl5pPr>
             <a:lvl6pPr marL="2286000" indent="0">
               <a:buNone/>
-              <a:defRPr sz="1000"/>
+              <a:defRPr sz="900"/>
             </a:lvl6pPr>
             <a:lvl7pPr marL="2743200" indent="0">
               <a:buNone/>
-              <a:defRPr sz="1000"/>
+              <a:defRPr sz="900"/>
             </a:lvl7pPr>
             <a:lvl8pPr marL="3200400" indent="0">
               <a:buNone/>
-              <a:defRPr sz="1000"/>
+              <a:defRPr sz="900"/>
             </a:lvl8pPr>
             <a:lvl9pPr marL="3657600" indent="0">
               <a:buNone/>
-              <a:defRPr sz="1000"/>
+              <a:defRPr sz="900"/>
             </a:lvl9pPr>
           </a:lstStyle>
           <a:p>
@@ -2642,13 +2990,7 @@
       </p:sp>
       <p:sp>
         <p:nvSpPr>
-          <p:cNvPr id="5" name="날짜 개체 틀 4">
-            <a:extLst>
-              <a:ext uri="{FF2B5EF4-FFF2-40B4-BE49-F238E27FC236}">
-                <a16:creationId xmlns:a16="http://schemas.microsoft.com/office/drawing/2014/main" id="{93072CDC-A200-4B85-BA8B-865DA0899148}"/>
-              </a:ext>
-            </a:extLst>
-          </p:cNvPr>
+          <p:cNvPr id="5" name="Date Placeholder 4"/>
           <p:cNvSpPr>
             <a:spLocks noGrp="1"/>
           </p:cNvSpPr>
@@ -2663,21 +3005,15 @@
           <a:p>
             <a:fld id="{1AE69FE4-68FA-4322-8FD3-4FE44DC8E21C}" type="datetimeFigureOut">
               <a:rPr lang="ko-KR" altLang="en-US" smtClean="0"/>
-              <a:t>2018-09-25</a:t>
+              <a:t>2018-09-26</a:t>
             </a:fld>
-            <a:endParaRPr lang="ko-KR" altLang="en-US"/>
-          </a:p>
-        </p:txBody>
-      </p:sp>
-      <p:sp>
-        <p:nvSpPr>
-          <p:cNvPr id="6" name="바닥글 개체 틀 5">
-            <a:extLst>
-              <a:ext uri="{FF2B5EF4-FFF2-40B4-BE49-F238E27FC236}">
-                <a16:creationId xmlns:a16="http://schemas.microsoft.com/office/drawing/2014/main" id="{E25ABA4F-E484-454B-99EE-D82072E585CF}"/>
-              </a:ext>
-            </a:extLst>
-          </p:cNvPr>
+            <a:endParaRPr lang="ko-KR" altLang="en-US" dirty="0"/>
+          </a:p>
+        </p:txBody>
+      </p:sp>
+      <p:sp>
+        <p:nvSpPr>
+          <p:cNvPr id="6" name="Footer Placeholder 5"/>
           <p:cNvSpPr>
             <a:spLocks noGrp="1"/>
           </p:cNvSpPr>
@@ -2690,19 +3026,13 @@
           <a:bodyPr/>
           <a:lstStyle/>
           <a:p>
-            <a:endParaRPr lang="ko-KR" altLang="en-US"/>
-          </a:p>
-        </p:txBody>
-      </p:sp>
-      <p:sp>
-        <p:nvSpPr>
-          <p:cNvPr id="7" name="슬라이드 번호 개체 틀 6">
-            <a:extLst>
-              <a:ext uri="{FF2B5EF4-FFF2-40B4-BE49-F238E27FC236}">
-                <a16:creationId xmlns:a16="http://schemas.microsoft.com/office/drawing/2014/main" id="{AE104859-29BF-4742-823A-394EB86518D4}"/>
-              </a:ext>
-            </a:extLst>
-          </p:cNvPr>
+            <a:endParaRPr lang="ko-KR" altLang="en-US" dirty="0"/>
+          </a:p>
+        </p:txBody>
+      </p:sp>
+      <p:sp>
+        <p:nvSpPr>
+          <p:cNvPr id="7" name="Slide Number Placeholder 6"/>
           <p:cNvSpPr>
             <a:spLocks noGrp="1"/>
           </p:cNvSpPr>
@@ -2719,14 +3049,14 @@
               <a:rPr lang="ko-KR" altLang="en-US" smtClean="0"/>
               <a:t>‹#›</a:t>
             </a:fld>
-            <a:endParaRPr lang="ko-KR" altLang="en-US"/>
+            <a:endParaRPr lang="ko-KR" altLang="en-US" dirty="0"/>
           </a:p>
         </p:txBody>
       </p:sp>
     </p:spTree>
     <p:extLst>
       <p:ext uri="{BB962C8B-B14F-4D97-AF65-F5344CB8AC3E}">
-        <p14:creationId xmlns:p14="http://schemas.microsoft.com/office/powerpoint/2010/main" val="1878695979"/>
+        <p14:creationId xmlns:p14="http://schemas.microsoft.com/office/powerpoint/2010/main" val="3951376711"/>
       </p:ext>
     </p:extLst>
   </p:cSld>
@@ -2760,13 +3090,83 @@
       </p:grpSpPr>
       <p:sp>
         <p:nvSpPr>
-          <p:cNvPr id="2" name="제목 개체 틀 1">
-            <a:extLst>
-              <a:ext uri="{FF2B5EF4-FFF2-40B4-BE49-F238E27FC236}">
-                <a16:creationId xmlns:a16="http://schemas.microsoft.com/office/drawing/2014/main" id="{70FD3E7F-15B9-4584-B12A-1632925DDA62}"/>
-              </a:ext>
-            </a:extLst>
-          </p:cNvPr>
+          <p:cNvPr id="7" name="Rectangle 6"/>
+          <p:cNvSpPr/>
+          <p:nvPr/>
+        </p:nvSpPr>
+        <p:spPr>
+          <a:xfrm>
+            <a:off x="1" y="6400800"/>
+            <a:ext cx="12192000" cy="457200"/>
+          </a:xfrm>
+          <a:prstGeom prst="rect">
+            <a:avLst/>
+          </a:prstGeom>
+          <a:solidFill>
+            <a:schemeClr val="accent2"/>
+          </a:solidFill>
+          <a:ln>
+            <a:noFill/>
+          </a:ln>
+        </p:spPr>
+        <p:style>
+          <a:lnRef idx="2">
+            <a:schemeClr val="accent1">
+              <a:shade val="50000"/>
+            </a:schemeClr>
+          </a:lnRef>
+          <a:fillRef idx="1">
+            <a:schemeClr val="accent1"/>
+          </a:fillRef>
+          <a:effectRef idx="0">
+            <a:schemeClr val="accent1"/>
+          </a:effectRef>
+          <a:fontRef idx="minor">
+            <a:schemeClr val="lt1"/>
+          </a:fontRef>
+        </p:style>
+      </p:sp>
+      <p:sp>
+        <p:nvSpPr>
+          <p:cNvPr id="9" name="Rectangle 8"/>
+          <p:cNvSpPr/>
+          <p:nvPr/>
+        </p:nvSpPr>
+        <p:spPr>
+          <a:xfrm>
+            <a:off x="0" y="6334316"/>
+            <a:ext cx="12192001" cy="65998"/>
+          </a:xfrm>
+          <a:prstGeom prst="rect">
+            <a:avLst/>
+          </a:prstGeom>
+          <a:solidFill>
+            <a:schemeClr val="accent1"/>
+          </a:solidFill>
+          <a:ln>
+            <a:noFill/>
+          </a:ln>
+        </p:spPr>
+        <p:style>
+          <a:lnRef idx="2">
+            <a:schemeClr val="accent1">
+              <a:shade val="50000"/>
+            </a:schemeClr>
+          </a:lnRef>
+          <a:fillRef idx="1">
+            <a:schemeClr val="accent1"/>
+          </a:fillRef>
+          <a:effectRef idx="0">
+            <a:schemeClr val="accent1"/>
+          </a:effectRef>
+          <a:fontRef idx="minor">
+            <a:schemeClr val="lt1"/>
+          </a:fontRef>
+        </p:style>
+      </p:sp>
+      <p:sp>
+        <p:nvSpPr>
+          <p:cNvPr id="2" name="Title Placeholder 1"/>
           <p:cNvSpPr>
             <a:spLocks noGrp="1"/>
           </p:cNvSpPr>
@@ -2776,15 +3176,15 @@
         </p:nvSpPr>
         <p:spPr>
           <a:xfrm>
-            <a:off x="838200" y="365125"/>
-            <a:ext cx="10515600" cy="1325563"/>
+            <a:off x="1097280" y="286603"/>
+            <a:ext cx="10058400" cy="1450757"/>
           </a:xfrm>
           <a:prstGeom prst="rect">
             <a:avLst/>
           </a:prstGeom>
         </p:spPr>
         <p:txBody>
-          <a:bodyPr vert="horz" lIns="91440" tIns="45720" rIns="91440" bIns="45720" rtlCol="0" anchor="ctr">
+          <a:bodyPr vert="horz" lIns="91440" tIns="45720" rIns="91440" bIns="45720" rtlCol="0" anchor="b">
             <a:normAutofit/>
           </a:bodyPr>
           <a:lstStyle/>
@@ -2793,18 +3193,13 @@
               <a:rPr lang="ko-KR" altLang="en-US"/>
               <a:t>마스터 제목 스타일 편집</a:t>
             </a:r>
-          </a:p>
-        </p:txBody>
-      </p:sp>
-      <p:sp>
-        <p:nvSpPr>
-          <p:cNvPr id="3" name="텍스트 개체 틀 2">
-            <a:extLst>
-              <a:ext uri="{FF2B5EF4-FFF2-40B4-BE49-F238E27FC236}">
-                <a16:creationId xmlns:a16="http://schemas.microsoft.com/office/drawing/2014/main" id="{906283D0-F3BE-428B-9E33-77465C0E1AB7}"/>
-              </a:ext>
-            </a:extLst>
-          </p:cNvPr>
+            <a:endParaRPr lang="en-US" dirty="0"/>
+          </a:p>
+        </p:txBody>
+      </p:sp>
+      <p:sp>
+        <p:nvSpPr>
+          <p:cNvPr id="3" name="Text Placeholder 2"/>
           <p:cNvSpPr>
             <a:spLocks noGrp="1"/>
           </p:cNvSpPr>
@@ -2814,15 +3209,15 @@
         </p:nvSpPr>
         <p:spPr>
           <a:xfrm>
-            <a:off x="838200" y="1825625"/>
-            <a:ext cx="10515600" cy="4351338"/>
+            <a:off x="1097280" y="1845734"/>
+            <a:ext cx="10058400" cy="4023360"/>
           </a:xfrm>
           <a:prstGeom prst="rect">
             <a:avLst/>
           </a:prstGeom>
         </p:spPr>
         <p:txBody>
-          <a:bodyPr vert="horz" lIns="91440" tIns="45720" rIns="91440" bIns="45720" rtlCol="0">
+          <a:bodyPr vert="horz" lIns="0" tIns="45720" rIns="0" bIns="45720" rtlCol="0">
             <a:normAutofit/>
           </a:bodyPr>
           <a:lstStyle/>
@@ -2860,18 +3255,13 @@
               <a:rPr lang="ko-KR" altLang="en-US"/>
               <a:t>다섯째 수준</a:t>
             </a:r>
-          </a:p>
-        </p:txBody>
-      </p:sp>
-      <p:sp>
-        <p:nvSpPr>
-          <p:cNvPr id="4" name="날짜 개체 틀 3">
-            <a:extLst>
-              <a:ext uri="{FF2B5EF4-FFF2-40B4-BE49-F238E27FC236}">
-                <a16:creationId xmlns:a16="http://schemas.microsoft.com/office/drawing/2014/main" id="{94FB72A6-DA9E-4E7C-ABB8-EB3AF34B5A17}"/>
-              </a:ext>
-            </a:extLst>
-          </p:cNvPr>
+            <a:endParaRPr lang="en-US" dirty="0"/>
+          </a:p>
+        </p:txBody>
+      </p:sp>
+      <p:sp>
+        <p:nvSpPr>
+          <p:cNvPr id="4" name="Date Placeholder 3"/>
           <p:cNvSpPr>
             <a:spLocks noGrp="1"/>
           </p:cNvSpPr>
@@ -2881,8 +3271,8 @@
         </p:nvSpPr>
         <p:spPr>
           <a:xfrm>
-            <a:off x="838200" y="6356350"/>
-            <a:ext cx="2743200" cy="365125"/>
+            <a:off x="1097280" y="6459785"/>
+            <a:ext cx="2472271" cy="365125"/>
           </a:xfrm>
           <a:prstGeom prst="rect">
             <a:avLst/>
@@ -2892,11 +3282,9 @@
           <a:bodyPr vert="horz" lIns="91440" tIns="45720" rIns="91440" bIns="45720" rtlCol="0" anchor="ctr"/>
           <a:lstStyle>
             <a:lvl1pPr algn="l">
-              <a:defRPr sz="1200">
+              <a:defRPr sz="900">
                 <a:solidFill>
-                  <a:schemeClr val="tx1">
-                    <a:tint val="75000"/>
-                  </a:schemeClr>
+                  <a:srgbClr val="FFFFFF"/>
                 </a:solidFill>
               </a:defRPr>
             </a:lvl1pPr>
@@ -2904,21 +3292,15 @@
           <a:p>
             <a:fld id="{1AE69FE4-68FA-4322-8FD3-4FE44DC8E21C}" type="datetimeFigureOut">
               <a:rPr lang="ko-KR" altLang="en-US" smtClean="0"/>
-              <a:t>2018-09-25</a:t>
+              <a:t>2018-09-26</a:t>
             </a:fld>
-            <a:endParaRPr lang="ko-KR" altLang="en-US"/>
-          </a:p>
-        </p:txBody>
-      </p:sp>
-      <p:sp>
-        <p:nvSpPr>
-          <p:cNvPr id="5" name="바닥글 개체 틀 4">
-            <a:extLst>
-              <a:ext uri="{FF2B5EF4-FFF2-40B4-BE49-F238E27FC236}">
-                <a16:creationId xmlns:a16="http://schemas.microsoft.com/office/drawing/2014/main" id="{E129328E-82F9-4C78-9E02-33FCC813377B}"/>
-              </a:ext>
-            </a:extLst>
-          </p:cNvPr>
+            <a:endParaRPr lang="ko-KR" altLang="en-US" dirty="0"/>
+          </a:p>
+        </p:txBody>
+      </p:sp>
+      <p:sp>
+        <p:nvSpPr>
+          <p:cNvPr id="5" name="Footer Placeholder 4"/>
           <p:cNvSpPr>
             <a:spLocks noGrp="1"/>
           </p:cNvSpPr>
@@ -2928,8 +3310,8 @@
         </p:nvSpPr>
         <p:spPr>
           <a:xfrm>
-            <a:off x="4038600" y="6356350"/>
-            <a:ext cx="4114800" cy="365125"/>
+            <a:off x="3686185" y="6459785"/>
+            <a:ext cx="4822804" cy="365125"/>
           </a:xfrm>
           <a:prstGeom prst="rect">
             <a:avLst/>
@@ -2939,29 +3321,21 @@
           <a:bodyPr vert="horz" lIns="91440" tIns="45720" rIns="91440" bIns="45720" rtlCol="0" anchor="ctr"/>
           <a:lstStyle>
             <a:lvl1pPr algn="ctr">
-              <a:defRPr sz="1200">
+              <a:defRPr sz="900" cap="all" baseline="0">
                 <a:solidFill>
-                  <a:schemeClr val="tx1">
-                    <a:tint val="75000"/>
-                  </a:schemeClr>
+                  <a:srgbClr val="FFFFFF"/>
                 </a:solidFill>
               </a:defRPr>
             </a:lvl1pPr>
           </a:lstStyle>
           <a:p>
-            <a:endParaRPr lang="ko-KR" altLang="en-US"/>
-          </a:p>
-        </p:txBody>
-      </p:sp>
-      <p:sp>
-        <p:nvSpPr>
-          <p:cNvPr id="6" name="슬라이드 번호 개체 틀 5">
-            <a:extLst>
-              <a:ext uri="{FF2B5EF4-FFF2-40B4-BE49-F238E27FC236}">
-                <a16:creationId xmlns:a16="http://schemas.microsoft.com/office/drawing/2014/main" id="{DD69AD65-F5BF-449C-808C-E008A51753EF}"/>
-              </a:ext>
-            </a:extLst>
-          </p:cNvPr>
+            <a:endParaRPr lang="ko-KR" altLang="en-US" dirty="0"/>
+          </a:p>
+        </p:txBody>
+      </p:sp>
+      <p:sp>
+        <p:nvSpPr>
+          <p:cNvPr id="6" name="Slide Number Placeholder 5"/>
           <p:cNvSpPr>
             <a:spLocks noGrp="1"/>
           </p:cNvSpPr>
@@ -2971,8 +3345,8 @@
         </p:nvSpPr>
         <p:spPr>
           <a:xfrm>
-            <a:off x="8610600" y="6356350"/>
-            <a:ext cx="2743200" cy="365125"/>
+            <a:off x="9900458" y="6459785"/>
+            <a:ext cx="1312025" cy="365125"/>
           </a:xfrm>
           <a:prstGeom prst="rect">
             <a:avLst/>
@@ -2982,11 +3356,9 @@
           <a:bodyPr vert="horz" lIns="91440" tIns="45720" rIns="91440" bIns="45720" rtlCol="0" anchor="ctr"/>
           <a:lstStyle>
             <a:lvl1pPr algn="r">
-              <a:defRPr sz="1200">
+              <a:defRPr sz="1050">
                 <a:solidFill>
-                  <a:schemeClr val="tx1">
-                    <a:tint val="75000"/>
-                  </a:schemeClr>
+                  <a:srgbClr val="FFFFFF"/>
                 </a:solidFill>
               </a:defRPr>
             </a:lvl1pPr>
@@ -2996,44 +3368,85 @@
               <a:rPr lang="ko-KR" altLang="en-US" smtClean="0"/>
               <a:t>‹#›</a:t>
             </a:fld>
-            <a:endParaRPr lang="ko-KR" altLang="en-US"/>
-          </a:p>
-        </p:txBody>
-      </p:sp>
+            <a:endParaRPr lang="ko-KR" altLang="en-US" dirty="0"/>
+          </a:p>
+        </p:txBody>
+      </p:sp>
+      <p:cxnSp>
+        <p:nvCxnSpPr>
+          <p:cNvPr id="10" name="Straight Connector 9"/>
+          <p:cNvCxnSpPr/>
+          <p:nvPr/>
+        </p:nvCxnSpPr>
+        <p:spPr>
+          <a:xfrm>
+            <a:off x="1193532" y="1737845"/>
+            <a:ext cx="9966960" cy="0"/>
+          </a:xfrm>
+          <a:prstGeom prst="line">
+            <a:avLst/>
+          </a:prstGeom>
+          <a:ln w="6350">
+            <a:solidFill>
+              <a:schemeClr val="tx1">
+                <a:lumMod val="50000"/>
+                <a:lumOff val="50000"/>
+              </a:schemeClr>
+            </a:solidFill>
+          </a:ln>
+        </p:spPr>
+        <p:style>
+          <a:lnRef idx="1">
+            <a:schemeClr val="accent1"/>
+          </a:lnRef>
+          <a:fillRef idx="0">
+            <a:schemeClr val="accent1"/>
+          </a:fillRef>
+          <a:effectRef idx="0">
+            <a:schemeClr val="accent1"/>
+          </a:effectRef>
+          <a:fontRef idx="minor">
+            <a:schemeClr val="tx1"/>
+          </a:fontRef>
+        </p:style>
+      </p:cxnSp>
     </p:spTree>
     <p:extLst>
       <p:ext uri="{BB962C8B-B14F-4D97-AF65-F5344CB8AC3E}">
-        <p14:creationId xmlns:p14="http://schemas.microsoft.com/office/powerpoint/2010/main" val="3219720114"/>
+        <p14:creationId xmlns:p14="http://schemas.microsoft.com/office/powerpoint/2010/main" val="2483027741"/>
       </p:ext>
     </p:extLst>
   </p:cSld>
   <p:clrMap bg1="lt1" tx1="dk1" bg2="lt2" tx2="dk2" accent1="accent1" accent2="accent2" accent3="accent3" accent4="accent4" accent5="accent5" accent6="accent6" hlink="hlink" folHlink="folHlink"/>
   <p:sldLayoutIdLst>
-    <p:sldLayoutId id="2147483649" r:id="rId1"/>
-    <p:sldLayoutId id="2147483650" r:id="rId2"/>
-    <p:sldLayoutId id="2147483651" r:id="rId3"/>
-    <p:sldLayoutId id="2147483652" r:id="rId4"/>
-    <p:sldLayoutId id="2147483653" r:id="rId5"/>
-    <p:sldLayoutId id="2147483654" r:id="rId6"/>
-    <p:sldLayoutId id="2147483655" r:id="rId7"/>
-    <p:sldLayoutId id="2147483656" r:id="rId8"/>
-    <p:sldLayoutId id="2147483657" r:id="rId9"/>
-    <p:sldLayoutId id="2147483658" r:id="rId10"/>
-    <p:sldLayoutId id="2147483659" r:id="rId11"/>
+    <p:sldLayoutId id="2147483766" r:id="rId1"/>
+    <p:sldLayoutId id="2147483767" r:id="rId2"/>
+    <p:sldLayoutId id="2147483768" r:id="rId3"/>
+    <p:sldLayoutId id="2147483769" r:id="rId4"/>
+    <p:sldLayoutId id="2147483770" r:id="rId5"/>
+    <p:sldLayoutId id="2147483771" r:id="rId6"/>
+    <p:sldLayoutId id="2147483772" r:id="rId7"/>
+    <p:sldLayoutId id="2147483773" r:id="rId8"/>
+    <p:sldLayoutId id="2147483774" r:id="rId9"/>
+    <p:sldLayoutId id="2147483775" r:id="rId10"/>
+    <p:sldLayoutId id="2147483776" r:id="rId11"/>
   </p:sldLayoutIdLst>
   <p:txStyles>
     <p:titleStyle>
       <a:lvl1pPr algn="l" defTabSz="914400" rtl="0" eaLnBrk="1" latinLnBrk="1" hangingPunct="1">
         <a:lnSpc>
-          <a:spcPct val="90000"/>
+          <a:spcPct val="85000"/>
         </a:lnSpc>
         <a:spcBef>
           <a:spcPct val="0"/>
         </a:spcBef>
         <a:buNone/>
-        <a:defRPr sz="4400" kern="1200">
+        <a:defRPr sz="4800" kern="1200" spc="-50" baseline="0">
           <a:solidFill>
-            <a:schemeClr val="tx1"/>
+            <a:schemeClr val="tx1">
+              <a:lumMod val="75000"/>
+              <a:lumOff val="25000"/>
+            </a:schemeClr>
           </a:solidFill>
           <a:latin typeface="+mj-lt"/>
           <a:ea typeface="+mj-ea"/>
@@ -3042,162 +3455,244 @@
       </a:lvl1pPr>
     </p:titleStyle>
     <p:bodyStyle>
-      <a:lvl1pPr marL="228600" indent="-228600" algn="l" defTabSz="914400" rtl="0" eaLnBrk="1" latinLnBrk="1" hangingPunct="1">
+      <a:lvl1pPr marL="91440" indent="-91440" algn="l" defTabSz="914400" rtl="0" eaLnBrk="1" latinLnBrk="1" hangingPunct="1">
         <a:lnSpc>
           <a:spcPct val="90000"/>
         </a:lnSpc>
         <a:spcBef>
-          <a:spcPts val="1000"/>
+          <a:spcPts val="1200"/>
         </a:spcBef>
-        <a:buFont typeface="Arial" panose="020B0604020202020204" pitchFamily="34" charset="0"/>
-        <a:buChar char="•"/>
-        <a:defRPr sz="2800" kern="1200">
+        <a:spcAft>
+          <a:spcPts val="200"/>
+        </a:spcAft>
+        <a:buClr>
+          <a:schemeClr val="accent1"/>
+        </a:buClr>
+        <a:buSzPct val="100000"/>
+        <a:buFont typeface="Calibri" panose="020F0502020204030204" pitchFamily="34" charset="0"/>
+        <a:buChar char=" "/>
+        <a:defRPr sz="2000" kern="1200">
           <a:solidFill>
-            <a:schemeClr val="tx1"/>
+            <a:schemeClr val="tx1">
+              <a:lumMod val="75000"/>
+              <a:lumOff val="25000"/>
+            </a:schemeClr>
           </a:solidFill>
           <a:latin typeface="+mn-lt"/>
           <a:ea typeface="+mn-ea"/>
           <a:cs typeface="+mn-cs"/>
         </a:defRPr>
       </a:lvl1pPr>
-      <a:lvl2pPr marL="685800" indent="-228600" algn="l" defTabSz="914400" rtl="0" eaLnBrk="1" latinLnBrk="1" hangingPunct="1">
+      <a:lvl2pPr marL="384048" indent="-182880" algn="l" defTabSz="914400" rtl="0" eaLnBrk="1" latinLnBrk="1" hangingPunct="1">
         <a:lnSpc>
           <a:spcPct val="90000"/>
         </a:lnSpc>
         <a:spcBef>
-          <a:spcPts val="500"/>
+          <a:spcPts val="200"/>
         </a:spcBef>
-        <a:buFont typeface="Arial" panose="020B0604020202020204" pitchFamily="34" charset="0"/>
-        <a:buChar char="•"/>
-        <a:defRPr sz="2400" kern="1200">
+        <a:spcAft>
+          <a:spcPts val="400"/>
+        </a:spcAft>
+        <a:buClr>
+          <a:schemeClr val="accent1"/>
+        </a:buClr>
+        <a:buFont typeface="Calibri" pitchFamily="34" charset="0"/>
+        <a:buChar char="◦"/>
+        <a:defRPr sz="1800" kern="1200">
           <a:solidFill>
-            <a:schemeClr val="tx1"/>
+            <a:schemeClr val="tx1">
+              <a:lumMod val="75000"/>
+              <a:lumOff val="25000"/>
+            </a:schemeClr>
           </a:solidFill>
           <a:latin typeface="+mn-lt"/>
           <a:ea typeface="+mn-ea"/>
           <a:cs typeface="+mn-cs"/>
         </a:defRPr>
       </a:lvl2pPr>
-      <a:lvl3pPr marL="1143000" indent="-228600" algn="l" defTabSz="914400" rtl="0" eaLnBrk="1" latinLnBrk="1" hangingPunct="1">
+      <a:lvl3pPr marL="566928" indent="-182880" algn="l" defTabSz="914400" rtl="0" eaLnBrk="1" latinLnBrk="1" hangingPunct="1">
         <a:lnSpc>
           <a:spcPct val="90000"/>
         </a:lnSpc>
         <a:spcBef>
-          <a:spcPts val="500"/>
+          <a:spcPts val="200"/>
         </a:spcBef>
-        <a:buFont typeface="Arial" panose="020B0604020202020204" pitchFamily="34" charset="0"/>
-        <a:buChar char="•"/>
-        <a:defRPr sz="2000" kern="1200">
+        <a:spcAft>
+          <a:spcPts val="400"/>
+        </a:spcAft>
+        <a:buClr>
+          <a:schemeClr val="accent1"/>
+        </a:buClr>
+        <a:buFont typeface="Calibri" pitchFamily="34" charset="0"/>
+        <a:buChar char="◦"/>
+        <a:defRPr sz="1400" kern="1200">
           <a:solidFill>
-            <a:schemeClr val="tx1"/>
+            <a:schemeClr val="tx1">
+              <a:lumMod val="75000"/>
+              <a:lumOff val="25000"/>
+            </a:schemeClr>
           </a:solidFill>
           <a:latin typeface="+mn-lt"/>
           <a:ea typeface="+mn-ea"/>
           <a:cs typeface="+mn-cs"/>
         </a:defRPr>
       </a:lvl3pPr>
-      <a:lvl4pPr marL="1600200" indent="-228600" algn="l" defTabSz="914400" rtl="0" eaLnBrk="1" latinLnBrk="1" hangingPunct="1">
+      <a:lvl4pPr marL="749808" indent="-182880" algn="l" defTabSz="914400" rtl="0" eaLnBrk="1" latinLnBrk="1" hangingPunct="1">
         <a:lnSpc>
           <a:spcPct val="90000"/>
         </a:lnSpc>
         <a:spcBef>
-          <a:spcPts val="500"/>
+          <a:spcPts val="200"/>
         </a:spcBef>
-        <a:buFont typeface="Arial" panose="020B0604020202020204" pitchFamily="34" charset="0"/>
-        <a:buChar char="•"/>
-        <a:defRPr sz="1800" kern="1200">
+        <a:spcAft>
+          <a:spcPts val="400"/>
+        </a:spcAft>
+        <a:buClr>
+          <a:schemeClr val="accent1"/>
+        </a:buClr>
+        <a:buFont typeface="Calibri" pitchFamily="34" charset="0"/>
+        <a:buChar char="◦"/>
+        <a:defRPr sz="1400" kern="1200">
           <a:solidFill>
-            <a:schemeClr val="tx1"/>
+            <a:schemeClr val="tx1">
+              <a:lumMod val="75000"/>
+              <a:lumOff val="25000"/>
+            </a:schemeClr>
           </a:solidFill>
           <a:latin typeface="+mn-lt"/>
           <a:ea typeface="+mn-ea"/>
           <a:cs typeface="+mn-cs"/>
         </a:defRPr>
       </a:lvl4pPr>
-      <a:lvl5pPr marL="2057400" indent="-228600" algn="l" defTabSz="914400" rtl="0" eaLnBrk="1" latinLnBrk="1" hangingPunct="1">
+      <a:lvl5pPr marL="932688" indent="-182880" algn="l" defTabSz="914400" rtl="0" eaLnBrk="1" latinLnBrk="1" hangingPunct="1">
         <a:lnSpc>
           <a:spcPct val="90000"/>
         </a:lnSpc>
         <a:spcBef>
-          <a:spcPts val="500"/>
+          <a:spcPts val="200"/>
         </a:spcBef>
-        <a:buFont typeface="Arial" panose="020B0604020202020204" pitchFamily="34" charset="0"/>
-        <a:buChar char="•"/>
-        <a:defRPr sz="1800" kern="1200">
+        <a:spcAft>
+          <a:spcPts val="400"/>
+        </a:spcAft>
+        <a:buClr>
+          <a:schemeClr val="accent1"/>
+        </a:buClr>
+        <a:buFont typeface="Calibri" pitchFamily="34" charset="0"/>
+        <a:buChar char="◦"/>
+        <a:defRPr sz="1400" kern="1200">
           <a:solidFill>
-            <a:schemeClr val="tx1"/>
+            <a:schemeClr val="tx1">
+              <a:lumMod val="75000"/>
+              <a:lumOff val="25000"/>
+            </a:schemeClr>
           </a:solidFill>
           <a:latin typeface="+mn-lt"/>
           <a:ea typeface="+mn-ea"/>
           <a:cs typeface="+mn-cs"/>
         </a:defRPr>
       </a:lvl5pPr>
-      <a:lvl6pPr marL="2514600" indent="-228600" algn="l" defTabSz="914400" rtl="0" eaLnBrk="1" latinLnBrk="1" hangingPunct="1">
+      <a:lvl6pPr marL="1100000" indent="-228600" algn="l" defTabSz="914400" rtl="0" eaLnBrk="1" latinLnBrk="1" hangingPunct="1">
         <a:lnSpc>
           <a:spcPct val="90000"/>
         </a:lnSpc>
         <a:spcBef>
-          <a:spcPts val="500"/>
+          <a:spcPts val="200"/>
         </a:spcBef>
-        <a:buFont typeface="Arial" panose="020B0604020202020204" pitchFamily="34" charset="0"/>
-        <a:buChar char="•"/>
-        <a:defRPr sz="1800" kern="1200">
+        <a:spcAft>
+          <a:spcPts val="400"/>
+        </a:spcAft>
+        <a:buClr>
+          <a:schemeClr val="accent1"/>
+        </a:buClr>
+        <a:buFont typeface="Calibri" pitchFamily="34" charset="0"/>
+        <a:buChar char="◦"/>
+        <a:defRPr sz="1400" kern="1200">
           <a:solidFill>
-            <a:schemeClr val="tx1"/>
+            <a:schemeClr val="tx1">
+              <a:lumMod val="75000"/>
+              <a:lumOff val="25000"/>
+            </a:schemeClr>
           </a:solidFill>
           <a:latin typeface="+mn-lt"/>
           <a:ea typeface="+mn-ea"/>
           <a:cs typeface="+mn-cs"/>
         </a:defRPr>
       </a:lvl6pPr>
-      <a:lvl7pPr marL="2971800" indent="-228600" algn="l" defTabSz="914400" rtl="0" eaLnBrk="1" latinLnBrk="1" hangingPunct="1">
+      <a:lvl7pPr marL="1300000" indent="-228600" algn="l" defTabSz="914400" rtl="0" eaLnBrk="1" latinLnBrk="1" hangingPunct="1">
         <a:lnSpc>
           <a:spcPct val="90000"/>
         </a:lnSpc>
         <a:spcBef>
-          <a:spcPts val="500"/>
+          <a:spcPts val="200"/>
         </a:spcBef>
-        <a:buFont typeface="Arial" panose="020B0604020202020204" pitchFamily="34" charset="0"/>
-        <a:buChar char="•"/>
-        <a:defRPr sz="1800" kern="1200">
+        <a:spcAft>
+          <a:spcPts val="400"/>
+        </a:spcAft>
+        <a:buClr>
+          <a:schemeClr val="accent1"/>
+        </a:buClr>
+        <a:buFont typeface="Calibri" pitchFamily="34" charset="0"/>
+        <a:buChar char="◦"/>
+        <a:defRPr sz="1400" kern="1200">
           <a:solidFill>
-            <a:schemeClr val="tx1"/>
+            <a:schemeClr val="tx1">
+              <a:lumMod val="75000"/>
+              <a:lumOff val="25000"/>
+            </a:schemeClr>
           </a:solidFill>
           <a:latin typeface="+mn-lt"/>
           <a:ea typeface="+mn-ea"/>
           <a:cs typeface="+mn-cs"/>
         </a:defRPr>
       </a:lvl7pPr>
-      <a:lvl8pPr marL="3429000" indent="-228600" algn="l" defTabSz="914400" rtl="0" eaLnBrk="1" latinLnBrk="1" hangingPunct="1">
+      <a:lvl8pPr marL="1500000" indent="-228600" algn="l" defTabSz="914400" rtl="0" eaLnBrk="1" latinLnBrk="1" hangingPunct="1">
         <a:lnSpc>
           <a:spcPct val="90000"/>
         </a:lnSpc>
         <a:spcBef>
-          <a:spcPts val="500"/>
+          <a:spcPts val="200"/>
         </a:spcBef>
-        <a:buFont typeface="Arial" panose="020B0604020202020204" pitchFamily="34" charset="0"/>
-        <a:buChar char="•"/>
-        <a:defRPr sz="1800" kern="1200">
+        <a:spcAft>
+          <a:spcPts val="400"/>
+        </a:spcAft>
+        <a:buClr>
+          <a:schemeClr val="accent1"/>
+        </a:buClr>
+        <a:buFont typeface="Calibri" pitchFamily="34" charset="0"/>
+        <a:buChar char="◦"/>
+        <a:defRPr sz="1400" kern="1200">
           <a:solidFill>
-            <a:schemeClr val="tx1"/>
+            <a:schemeClr val="tx1">
+              <a:lumMod val="75000"/>
+              <a:lumOff val="25000"/>
+            </a:schemeClr>
           </a:solidFill>
           <a:latin typeface="+mn-lt"/>
           <a:ea typeface="+mn-ea"/>
           <a:cs typeface="+mn-cs"/>
         </a:defRPr>
       </a:lvl8pPr>
-      <a:lvl9pPr marL="3886200" indent="-228600" algn="l" defTabSz="914400" rtl="0" eaLnBrk="1" latinLnBrk="1" hangingPunct="1">
+      <a:lvl9pPr marL="1700000" indent="-228600" algn="l" defTabSz="914400" rtl="0" eaLnBrk="1" latinLnBrk="1" hangingPunct="1">
         <a:lnSpc>
           <a:spcPct val="90000"/>
         </a:lnSpc>
         <a:spcBef>
-          <a:spcPts val="500"/>
+          <a:spcPts val="200"/>
         </a:spcBef>
-        <a:buFont typeface="Arial" panose="020B0604020202020204" pitchFamily="34" charset="0"/>
-        <a:buChar char="•"/>
-        <a:defRPr sz="1800" kern="1200">
+        <a:spcAft>
+          <a:spcPts val="400"/>
+        </a:spcAft>
+        <a:buClr>
+          <a:schemeClr val="accent1"/>
+        </a:buClr>
+        <a:buFont typeface="Calibri" pitchFamily="34" charset="0"/>
+        <a:buChar char="◦"/>
+        <a:defRPr sz="1400" kern="1200">
           <a:solidFill>
-            <a:schemeClr val="tx1"/>
+            <a:schemeClr val="tx1">
+              <a:lumMod val="75000"/>
+              <a:lumOff val="25000"/>
+            </a:schemeClr>
           </a:solidFill>
           <a:latin typeface="+mn-lt"/>
           <a:ea typeface="+mn-ea"/>
@@ -3207,7 +3702,7 @@
     </p:bodyStyle>
     <p:otherStyle>
       <a:defPPr>
-        <a:defRPr lang="ko-KR"/>
+        <a:defRPr lang="en-US"/>
       </a:defPPr>
       <a:lvl1pPr marL="0" algn="l" defTabSz="914400" rtl="0" eaLnBrk="1" latinLnBrk="1" hangingPunct="1">
         <a:defRPr sz="1800" kern="1200">
@@ -3339,10 +3834,16 @@
         </p:nvSpPr>
         <p:spPr/>
         <p:txBody>
-          <a:bodyPr/>
+          <a:bodyPr>
+            <a:normAutofit/>
+          </a:bodyPr>
           <a:lstStyle/>
           <a:p>
-            <a:endParaRPr lang="ko-KR" altLang="en-US"/>
+            <a:r>
+              <a:rPr lang="en-US" altLang="ko-KR" sz="8800" dirty="0"/>
+              <a:t>E.D.M.s</a:t>
+            </a:r>
+            <a:endParaRPr lang="ko-KR" altLang="en-US" sz="8800" dirty="0"/>
           </a:p>
         </p:txBody>
       </p:sp>
@@ -3367,7 +3868,27 @@
           <a:bodyPr/>
           <a:lstStyle/>
           <a:p>
-            <a:endParaRPr lang="ko-KR" altLang="en-US"/>
+            <a:pPr algn="r"/>
+            <a:r>
+              <a:rPr lang="en-US" altLang="ko-KR" dirty="0"/>
+              <a:t>2DGP 1</a:t>
+            </a:r>
+            <a:r>
+              <a:rPr lang="ko-KR" altLang="en-US" dirty="0"/>
+              <a:t>차 발표</a:t>
+            </a:r>
+            <a:endParaRPr lang="en-US" altLang="ko-KR" dirty="0"/>
+          </a:p>
+          <a:p>
+            <a:pPr algn="r"/>
+            <a:r>
+              <a:rPr lang="en-US" altLang="ko-KR" dirty="0"/>
+              <a:t>2017180021 </a:t>
+            </a:r>
+            <a:r>
+              <a:rPr lang="ko-KR" altLang="en-US" dirty="0"/>
+              <a:t>어수혁</a:t>
+            </a:r>
           </a:p>
         </p:txBody>
       </p:sp>
@@ -3384,55 +3905,3149 @@
 </p:sld>
 </file>
 
+<file path=ppt/slides/slide2.xml><?xml version="1.0" encoding="utf-8"?>
+<p:sld xmlns:a="http://schemas.openxmlformats.org/drawingml/2006/main" xmlns:r="http://schemas.openxmlformats.org/officeDocument/2006/relationships" xmlns:p="http://schemas.openxmlformats.org/presentationml/2006/main">
+  <p:cSld>
+    <p:spTree>
+      <p:nvGrpSpPr>
+        <p:cNvPr id="1" name=""/>
+        <p:cNvGrpSpPr/>
+        <p:nvPr/>
+      </p:nvGrpSpPr>
+      <p:grpSpPr>
+        <a:xfrm>
+          <a:off x="0" y="0"/>
+          <a:ext cx="0" cy="0"/>
+          <a:chOff x="0" y="0"/>
+          <a:chExt cx="0" cy="0"/>
+        </a:xfrm>
+      </p:grpSpPr>
+      <p:sp>
+        <p:nvSpPr>
+          <p:cNvPr id="2" name="제목 1">
+            <a:extLst>
+              <a:ext uri="{FF2B5EF4-FFF2-40B4-BE49-F238E27FC236}">
+                <a16:creationId xmlns:a16="http://schemas.microsoft.com/office/drawing/2014/main" id="{6C36E22C-AAB6-46F5-8256-3ADAA2C21599}"/>
+              </a:ext>
+            </a:extLst>
+          </p:cNvPr>
+          <p:cNvSpPr>
+            <a:spLocks noGrp="1"/>
+          </p:cNvSpPr>
+          <p:nvPr>
+            <p:ph type="title"/>
+          </p:nvPr>
+        </p:nvSpPr>
+        <p:spPr>
+          <a:xfrm>
+            <a:off x="1097280" y="14755"/>
+            <a:ext cx="10058400" cy="1450757"/>
+          </a:xfrm>
+        </p:spPr>
+        <p:txBody>
+          <a:bodyPr/>
+          <a:lstStyle/>
+          <a:p>
+            <a:r>
+              <a:rPr lang="en-US" altLang="ko-KR" dirty="0"/>
+              <a:t>Main</a:t>
+            </a:r>
+            <a:r>
+              <a:rPr lang="ko-KR" altLang="en-US" dirty="0"/>
+              <a:t> </a:t>
+            </a:r>
+            <a:r>
+              <a:rPr lang="en-US" altLang="ko-KR" dirty="0"/>
+              <a:t>Concept</a:t>
+            </a:r>
+            <a:endParaRPr lang="ko-KR" altLang="en-US" dirty="0"/>
+          </a:p>
+        </p:txBody>
+      </p:sp>
+      <p:pic>
+        <p:nvPicPr>
+          <p:cNvPr id="4" name="Picture 2" descr="i wanna be the guyì ëí ì´ë¯¸ì§ ê²ìê²°ê³¼">
+            <a:extLst>
+              <a:ext uri="{FF2B5EF4-FFF2-40B4-BE49-F238E27FC236}">
+                <a16:creationId xmlns:a16="http://schemas.microsoft.com/office/drawing/2014/main" id="{8833D67A-8E64-4B5E-857A-48C607DEE514}"/>
+              </a:ext>
+            </a:extLst>
+          </p:cNvPr>
+          <p:cNvPicPr>
+            <a:picLocks noChangeAspect="1" noChangeArrowheads="1"/>
+          </p:cNvPicPr>
+          <p:nvPr/>
+        </p:nvPicPr>
+        <p:blipFill>
+          <a:blip r:embed="rId2">
+            <a:extLst>
+              <a:ext uri="{28A0092B-C50C-407E-A947-70E740481C1C}">
+                <a14:useLocalDpi xmlns:a14="http://schemas.microsoft.com/office/drawing/2010/main" val="0"/>
+              </a:ext>
+            </a:extLst>
+          </a:blip>
+          <a:srcRect/>
+          <a:stretch>
+            <a:fillRect/>
+          </a:stretch>
+        </p:blipFill>
+        <p:spPr bwMode="auto">
+          <a:xfrm>
+            <a:off x="605482" y="1791729"/>
+            <a:ext cx="5759120" cy="4326539"/>
+          </a:xfrm>
+          <a:prstGeom prst="rect">
+            <a:avLst/>
+          </a:prstGeom>
+          <a:noFill/>
+          <a:extLst>
+            <a:ext uri="{909E8E84-426E-40DD-AFC4-6F175D3DCCD1}">
+              <a14:hiddenFill xmlns:a14="http://schemas.microsoft.com/office/drawing/2010/main">
+                <a:solidFill>
+                  <a:srgbClr val="FFFFFF"/>
+                </a:solidFill>
+              </a14:hiddenFill>
+            </a:ext>
+          </a:extLst>
+        </p:spPr>
+      </p:pic>
+      <p:pic>
+        <p:nvPicPr>
+          <p:cNvPr id="5" name="Picture 6" descr="ì§ì¤ë©í¸ë¦¬ ëì¬ì ëí ì´ë¯¸ì§ ê²ìê²°ê³¼">
+            <a:extLst>
+              <a:ext uri="{FF2B5EF4-FFF2-40B4-BE49-F238E27FC236}">
+                <a16:creationId xmlns:a16="http://schemas.microsoft.com/office/drawing/2014/main" id="{9BC160D8-E9DB-4534-8707-89AC146FD7F0}"/>
+              </a:ext>
+            </a:extLst>
+          </p:cNvPr>
+          <p:cNvPicPr>
+            <a:picLocks noChangeAspect="1" noChangeArrowheads="1"/>
+          </p:cNvPicPr>
+          <p:nvPr/>
+        </p:nvPicPr>
+        <p:blipFill>
+          <a:blip r:embed="rId3">
+            <a:extLst>
+              <a:ext uri="{28A0092B-C50C-407E-A947-70E740481C1C}">
+                <a14:useLocalDpi xmlns:a14="http://schemas.microsoft.com/office/drawing/2010/main" val="0"/>
+              </a:ext>
+            </a:extLst>
+          </a:blip>
+          <a:srcRect/>
+          <a:stretch>
+            <a:fillRect/>
+          </a:stretch>
+        </p:blipFill>
+        <p:spPr bwMode="auto">
+          <a:xfrm>
+            <a:off x="-199846" y="2146343"/>
+            <a:ext cx="7048500" cy="3971925"/>
+          </a:xfrm>
+          <a:prstGeom prst="rect">
+            <a:avLst/>
+          </a:prstGeom>
+          <a:noFill/>
+          <a:extLst>
+            <a:ext uri="{909E8E84-426E-40DD-AFC4-6F175D3DCCD1}">
+              <a14:hiddenFill xmlns:a14="http://schemas.microsoft.com/office/drawing/2010/main">
+                <a:solidFill>
+                  <a:srgbClr val="FFFFFF"/>
+                </a:solidFill>
+              </a14:hiddenFill>
+            </a:ext>
+          </a:extLst>
+        </p:spPr>
+      </p:pic>
+      <p:sp>
+        <p:nvSpPr>
+          <p:cNvPr id="8" name="TextBox 7">
+            <a:extLst>
+              <a:ext uri="{FF2B5EF4-FFF2-40B4-BE49-F238E27FC236}">
+                <a16:creationId xmlns:a16="http://schemas.microsoft.com/office/drawing/2014/main" id="{981F09E9-FA2E-4711-A657-D03897B1C057}"/>
+              </a:ext>
+            </a:extLst>
+          </p:cNvPr>
+          <p:cNvSpPr txBox="1"/>
+          <p:nvPr/>
+        </p:nvSpPr>
+        <p:spPr>
+          <a:xfrm>
+            <a:off x="8401018" y="2095500"/>
+            <a:ext cx="1985352" cy="707886"/>
+          </a:xfrm>
+          <a:prstGeom prst="rect">
+            <a:avLst/>
+          </a:prstGeom>
+          <a:noFill/>
+        </p:spPr>
+        <p:txBody>
+          <a:bodyPr wrap="none" rtlCol="0">
+            <a:spAutoFit/>
+          </a:bodyPr>
+          <a:lstStyle/>
+          <a:p>
+            <a:r>
+              <a:rPr lang="en-US" altLang="ko-KR" sz="4000" dirty="0"/>
+              <a:t>Platform</a:t>
+            </a:r>
+            <a:endParaRPr lang="ko-KR" altLang="en-US" sz="4000" dirty="0"/>
+          </a:p>
+        </p:txBody>
+      </p:sp>
+      <p:grpSp>
+        <p:nvGrpSpPr>
+          <p:cNvPr id="13" name="그룹 12">
+            <a:extLst>
+              <a:ext uri="{FF2B5EF4-FFF2-40B4-BE49-F238E27FC236}">
+                <a16:creationId xmlns:a16="http://schemas.microsoft.com/office/drawing/2014/main" id="{8320ACB4-7922-4170-882D-6E8667499317}"/>
+              </a:ext>
+            </a:extLst>
+          </p:cNvPr>
+          <p:cNvGrpSpPr/>
+          <p:nvPr/>
+        </p:nvGrpSpPr>
+        <p:grpSpPr>
+          <a:xfrm>
+            <a:off x="8488927" y="2956295"/>
+            <a:ext cx="1809534" cy="1384015"/>
+            <a:chOff x="8488927" y="2956295"/>
+            <a:chExt cx="1809534" cy="1384015"/>
+          </a:xfrm>
+        </p:grpSpPr>
+        <p:sp>
+          <p:nvSpPr>
+            <p:cNvPr id="7" name="TextBox 6">
+              <a:extLst>
+                <a:ext uri="{FF2B5EF4-FFF2-40B4-BE49-F238E27FC236}">
+                  <a16:creationId xmlns:a16="http://schemas.microsoft.com/office/drawing/2014/main" id="{AB85C6B7-7943-4719-8CEE-46B104F009F4}"/>
+                </a:ext>
+              </a:extLst>
+            </p:cNvPr>
+            <p:cNvSpPr txBox="1"/>
+            <p:nvPr/>
+          </p:nvSpPr>
+          <p:spPr>
+            <a:xfrm>
+              <a:off x="8488927" y="3632424"/>
+              <a:ext cx="1809534" cy="707886"/>
+            </a:xfrm>
+            <a:prstGeom prst="rect">
+              <a:avLst/>
+            </a:prstGeom>
+            <a:noFill/>
+          </p:spPr>
+          <p:txBody>
+            <a:bodyPr wrap="none" rtlCol="0">
+              <a:spAutoFit/>
+            </a:bodyPr>
+            <a:lstStyle/>
+            <a:p>
+              <a:r>
+                <a:rPr lang="en-US" altLang="ko-KR" sz="4000" dirty="0"/>
+                <a:t>Rhythm</a:t>
+              </a:r>
+            </a:p>
+          </p:txBody>
+        </p:sp>
+        <p:sp>
+          <p:nvSpPr>
+            <p:cNvPr id="9" name="TextBox 8">
+              <a:extLst>
+                <a:ext uri="{FF2B5EF4-FFF2-40B4-BE49-F238E27FC236}">
+                  <a16:creationId xmlns:a16="http://schemas.microsoft.com/office/drawing/2014/main" id="{88F0EA71-F796-48BC-9B51-05D43E8478B3}"/>
+                </a:ext>
+              </a:extLst>
+            </p:cNvPr>
+            <p:cNvSpPr txBox="1"/>
+            <p:nvPr/>
+          </p:nvSpPr>
+          <p:spPr>
+            <a:xfrm>
+              <a:off x="9178731" y="2956295"/>
+              <a:ext cx="429926" cy="523220"/>
+            </a:xfrm>
+            <a:prstGeom prst="rect">
+              <a:avLst/>
+            </a:prstGeom>
+            <a:noFill/>
+          </p:spPr>
+          <p:txBody>
+            <a:bodyPr wrap="none" rtlCol="0">
+              <a:spAutoFit/>
+            </a:bodyPr>
+            <a:lstStyle/>
+            <a:p>
+              <a:r>
+                <a:rPr lang="en-US" altLang="ko-KR" sz="2800" dirty="0"/>
+                <a:t>&amp;</a:t>
+              </a:r>
+              <a:endParaRPr lang="ko-KR" altLang="en-US" sz="2800" dirty="0"/>
+            </a:p>
+          </p:txBody>
+        </p:sp>
+      </p:grpSp>
+      <p:grpSp>
+        <p:nvGrpSpPr>
+          <p:cNvPr id="12" name="그룹 11">
+            <a:extLst>
+              <a:ext uri="{FF2B5EF4-FFF2-40B4-BE49-F238E27FC236}">
+                <a16:creationId xmlns:a16="http://schemas.microsoft.com/office/drawing/2014/main" id="{16B0A955-3737-4E14-BBD4-922BA40B1118}"/>
+              </a:ext>
+            </a:extLst>
+          </p:cNvPr>
+          <p:cNvGrpSpPr/>
+          <p:nvPr/>
+        </p:nvGrpSpPr>
+        <p:grpSpPr>
+          <a:xfrm>
+            <a:off x="8222227" y="4493219"/>
+            <a:ext cx="2343783" cy="1397163"/>
+            <a:chOff x="8222227" y="4493219"/>
+            <a:chExt cx="2343783" cy="1397163"/>
+          </a:xfrm>
+        </p:grpSpPr>
+        <p:sp>
+          <p:nvSpPr>
+            <p:cNvPr id="10" name="TextBox 9">
+              <a:extLst>
+                <a:ext uri="{FF2B5EF4-FFF2-40B4-BE49-F238E27FC236}">
+                  <a16:creationId xmlns:a16="http://schemas.microsoft.com/office/drawing/2014/main" id="{3E1FAF41-F70B-4A26-B97F-1AB1F5BF5B3C}"/>
+                </a:ext>
+              </a:extLst>
+            </p:cNvPr>
+            <p:cNvSpPr txBox="1"/>
+            <p:nvPr/>
+          </p:nvSpPr>
+          <p:spPr>
+            <a:xfrm>
+              <a:off x="8222227" y="5182496"/>
+              <a:ext cx="2343783" cy="707886"/>
+            </a:xfrm>
+            <a:prstGeom prst="rect">
+              <a:avLst/>
+            </a:prstGeom>
+            <a:noFill/>
+          </p:spPr>
+          <p:txBody>
+            <a:bodyPr wrap="none" rtlCol="0">
+              <a:spAutoFit/>
+            </a:bodyPr>
+            <a:lstStyle/>
+            <a:p>
+              <a:r>
+                <a:rPr lang="en-US" altLang="ko-KR" sz="4000" dirty="0"/>
+                <a:t>Automatic</a:t>
+              </a:r>
+            </a:p>
+          </p:txBody>
+        </p:sp>
+        <p:sp>
+          <p:nvSpPr>
+            <p:cNvPr id="11" name="TextBox 10">
+              <a:extLst>
+                <a:ext uri="{FF2B5EF4-FFF2-40B4-BE49-F238E27FC236}">
+                  <a16:creationId xmlns:a16="http://schemas.microsoft.com/office/drawing/2014/main" id="{C5D477FC-2F91-4479-B0DD-296688A3E25E}"/>
+                </a:ext>
+              </a:extLst>
+            </p:cNvPr>
+            <p:cNvSpPr txBox="1"/>
+            <p:nvPr/>
+          </p:nvSpPr>
+          <p:spPr>
+            <a:xfrm>
+              <a:off x="9178731" y="4493219"/>
+              <a:ext cx="364202" cy="523220"/>
+            </a:xfrm>
+            <a:prstGeom prst="rect">
+              <a:avLst/>
+            </a:prstGeom>
+            <a:noFill/>
+          </p:spPr>
+          <p:txBody>
+            <a:bodyPr wrap="none" rtlCol="0">
+              <a:spAutoFit/>
+            </a:bodyPr>
+            <a:lstStyle/>
+            <a:p>
+              <a:r>
+                <a:rPr lang="en-US" altLang="ko-KR" sz="2800" dirty="0"/>
+                <a:t>+</a:t>
+              </a:r>
+              <a:endParaRPr lang="ko-KR" altLang="en-US" sz="2800" dirty="0"/>
+            </a:p>
+          </p:txBody>
+        </p:sp>
+      </p:grpSp>
+    </p:spTree>
+    <p:extLst>
+      <p:ext uri="{BB962C8B-B14F-4D97-AF65-F5344CB8AC3E}">
+        <p14:creationId xmlns:p14="http://schemas.microsoft.com/office/powerpoint/2010/main" val="579765386"/>
+      </p:ext>
+    </p:extLst>
+  </p:cSld>
+  <p:clrMapOvr>
+    <a:masterClrMapping/>
+  </p:clrMapOvr>
+  <p:timing>
+    <p:tnLst>
+      <p:par>
+        <p:cTn id="1" dur="indefinite" restart="never" nodeType="tmRoot">
+          <p:childTnLst>
+            <p:seq concurrent="1" nextAc="seek">
+              <p:cTn id="2" dur="indefinite" nodeType="mainSeq">
+                <p:childTnLst>
+                  <p:par>
+                    <p:cTn id="3" fill="hold">
+                      <p:stCondLst>
+                        <p:cond delay="indefinite"/>
+                      </p:stCondLst>
+                      <p:childTnLst>
+                        <p:par>
+                          <p:cTn id="4" fill="hold">
+                            <p:stCondLst>
+                              <p:cond delay="0"/>
+                            </p:stCondLst>
+                            <p:childTnLst>
+                              <p:par>
+                                <p:cTn id="5" presetID="10" presetClass="entr" presetSubtype="0" fill="hold" nodeType="clickEffect">
+                                  <p:stCondLst>
+                                    <p:cond delay="0"/>
+                                  </p:stCondLst>
+                                  <p:childTnLst>
+                                    <p:set>
+                                      <p:cBhvr>
+                                        <p:cTn id="6" dur="1" fill="hold">
+                                          <p:stCondLst>
+                                            <p:cond delay="0"/>
+                                          </p:stCondLst>
+                                        </p:cTn>
+                                        <p:tgtEl>
+                                          <p:spTgt spid="5"/>
+                                        </p:tgtEl>
+                                        <p:attrNameLst>
+                                          <p:attrName>style.visibility</p:attrName>
+                                        </p:attrNameLst>
+                                      </p:cBhvr>
+                                      <p:to>
+                                        <p:strVal val="visible"/>
+                                      </p:to>
+                                    </p:set>
+                                    <p:animEffect transition="in" filter="fade">
+                                      <p:cBhvr>
+                                        <p:cTn id="7" dur="500"/>
+                                        <p:tgtEl>
+                                          <p:spTgt spid="5"/>
+                                        </p:tgtEl>
+                                      </p:cBhvr>
+                                    </p:animEffect>
+                                  </p:childTnLst>
+                                </p:cTn>
+                              </p:par>
+                              <p:par>
+                                <p:cTn id="8" presetID="10" presetClass="entr" presetSubtype="0" fill="hold" nodeType="withEffect">
+                                  <p:stCondLst>
+                                    <p:cond delay="0"/>
+                                  </p:stCondLst>
+                                  <p:childTnLst>
+                                    <p:set>
+                                      <p:cBhvr>
+                                        <p:cTn id="9" dur="1" fill="hold">
+                                          <p:stCondLst>
+                                            <p:cond delay="0"/>
+                                          </p:stCondLst>
+                                        </p:cTn>
+                                        <p:tgtEl>
+                                          <p:spTgt spid="13"/>
+                                        </p:tgtEl>
+                                        <p:attrNameLst>
+                                          <p:attrName>style.visibility</p:attrName>
+                                        </p:attrNameLst>
+                                      </p:cBhvr>
+                                      <p:to>
+                                        <p:strVal val="visible"/>
+                                      </p:to>
+                                    </p:set>
+                                    <p:animEffect transition="in" filter="fade">
+                                      <p:cBhvr>
+                                        <p:cTn id="10" dur="500"/>
+                                        <p:tgtEl>
+                                          <p:spTgt spid="13"/>
+                                        </p:tgtEl>
+                                      </p:cBhvr>
+                                    </p:animEffect>
+                                  </p:childTnLst>
+                                </p:cTn>
+                              </p:par>
+                            </p:childTnLst>
+                          </p:cTn>
+                        </p:par>
+                      </p:childTnLst>
+                    </p:cTn>
+                  </p:par>
+                  <p:par>
+                    <p:cTn id="11" fill="hold">
+                      <p:stCondLst>
+                        <p:cond delay="indefinite"/>
+                      </p:stCondLst>
+                      <p:childTnLst>
+                        <p:par>
+                          <p:cTn id="12" fill="hold">
+                            <p:stCondLst>
+                              <p:cond delay="0"/>
+                            </p:stCondLst>
+                            <p:childTnLst>
+                              <p:par>
+                                <p:cTn id="13" presetID="10" presetClass="entr" presetSubtype="0" fill="hold" nodeType="clickEffect">
+                                  <p:stCondLst>
+                                    <p:cond delay="0"/>
+                                  </p:stCondLst>
+                                  <p:childTnLst>
+                                    <p:set>
+                                      <p:cBhvr>
+                                        <p:cTn id="14" dur="1" fill="hold">
+                                          <p:stCondLst>
+                                            <p:cond delay="0"/>
+                                          </p:stCondLst>
+                                        </p:cTn>
+                                        <p:tgtEl>
+                                          <p:spTgt spid="12"/>
+                                        </p:tgtEl>
+                                        <p:attrNameLst>
+                                          <p:attrName>style.visibility</p:attrName>
+                                        </p:attrNameLst>
+                                      </p:cBhvr>
+                                      <p:to>
+                                        <p:strVal val="visible"/>
+                                      </p:to>
+                                    </p:set>
+                                    <p:animEffect transition="in" filter="fade">
+                                      <p:cBhvr>
+                                        <p:cTn id="15" dur="500"/>
+                                        <p:tgtEl>
+                                          <p:spTgt spid="12"/>
+                                        </p:tgtEl>
+                                      </p:cBhvr>
+                                    </p:animEffect>
+                                  </p:childTnLst>
+                                </p:cTn>
+                              </p:par>
+                            </p:childTnLst>
+                          </p:cTn>
+                        </p:par>
+                      </p:childTnLst>
+                    </p:cTn>
+                  </p:par>
+                </p:childTnLst>
+              </p:cTn>
+              <p:prevCondLst>
+                <p:cond evt="onPrev" delay="0">
+                  <p:tgtEl>
+                    <p:sldTgt/>
+                  </p:tgtEl>
+                </p:cond>
+              </p:prevCondLst>
+              <p:nextCondLst>
+                <p:cond evt="onNext" delay="0">
+                  <p:tgtEl>
+                    <p:sldTgt/>
+                  </p:tgtEl>
+                </p:cond>
+              </p:nextCondLst>
+            </p:seq>
+          </p:childTnLst>
+        </p:cTn>
+      </p:par>
+    </p:tnLst>
+  </p:timing>
+</p:sld>
+</file>
+
+<file path=ppt/slides/slide3.xml><?xml version="1.0" encoding="utf-8"?>
+<p:sld xmlns:a="http://schemas.openxmlformats.org/drawingml/2006/main" xmlns:r="http://schemas.openxmlformats.org/officeDocument/2006/relationships" xmlns:p="http://schemas.openxmlformats.org/presentationml/2006/main">
+  <p:cSld>
+    <p:spTree>
+      <p:nvGrpSpPr>
+        <p:cNvPr id="1" name=""/>
+        <p:cNvGrpSpPr/>
+        <p:nvPr/>
+      </p:nvGrpSpPr>
+      <p:grpSpPr>
+        <a:xfrm>
+          <a:off x="0" y="0"/>
+          <a:ext cx="0" cy="0"/>
+          <a:chOff x="0" y="0"/>
+          <a:chExt cx="0" cy="0"/>
+        </a:xfrm>
+      </p:grpSpPr>
+      <p:sp>
+        <p:nvSpPr>
+          <p:cNvPr id="2" name="제목 1">
+            <a:extLst>
+              <a:ext uri="{FF2B5EF4-FFF2-40B4-BE49-F238E27FC236}">
+                <a16:creationId xmlns:a16="http://schemas.microsoft.com/office/drawing/2014/main" id="{9E66943D-49BB-46B2-BA19-93094C24667C}"/>
+              </a:ext>
+            </a:extLst>
+          </p:cNvPr>
+          <p:cNvSpPr>
+            <a:spLocks noGrp="1"/>
+          </p:cNvSpPr>
+          <p:nvPr>
+            <p:ph type="title"/>
+          </p:nvPr>
+        </p:nvSpPr>
+        <p:spPr>
+          <a:xfrm>
+            <a:off x="1097280" y="-128835"/>
+            <a:ext cx="10058400" cy="1595833"/>
+          </a:xfrm>
+        </p:spPr>
+        <p:txBody>
+          <a:bodyPr/>
+          <a:lstStyle/>
+          <a:p>
+            <a:r>
+              <a:rPr lang="en-US" altLang="ko-KR" dirty="0"/>
+              <a:t>Game Flow</a:t>
+            </a:r>
+            <a:endParaRPr lang="ko-KR" altLang="en-US" dirty="0"/>
+          </a:p>
+        </p:txBody>
+      </p:sp>
+      <p:pic>
+        <p:nvPicPr>
+          <p:cNvPr id="2050" name="Picture 2" descr="I wanna be the boshyì ëí ì´ë¯¸ì§ ê²ìê²°ê³¼">
+            <a:extLst>
+              <a:ext uri="{FF2B5EF4-FFF2-40B4-BE49-F238E27FC236}">
+                <a16:creationId xmlns:a16="http://schemas.microsoft.com/office/drawing/2014/main" id="{B2C47256-E94E-415B-9452-E4C98481510B}"/>
+              </a:ext>
+            </a:extLst>
+          </p:cNvPr>
+          <p:cNvPicPr>
+            <a:picLocks noChangeAspect="1" noChangeArrowheads="1"/>
+          </p:cNvPicPr>
+          <p:nvPr/>
+        </p:nvPicPr>
+        <p:blipFill>
+          <a:blip r:embed="rId2">
+            <a:extLst>
+              <a:ext uri="{28A0092B-C50C-407E-A947-70E740481C1C}">
+                <a14:useLocalDpi xmlns:a14="http://schemas.microsoft.com/office/drawing/2010/main" val="0"/>
+              </a:ext>
+            </a:extLst>
+          </a:blip>
+          <a:srcRect/>
+          <a:stretch>
+            <a:fillRect/>
+          </a:stretch>
+        </p:blipFill>
+        <p:spPr bwMode="auto">
+          <a:xfrm>
+            <a:off x="127000" y="1870471"/>
+            <a:ext cx="6096000" cy="3117057"/>
+          </a:xfrm>
+          <a:prstGeom prst="rect">
+            <a:avLst/>
+          </a:prstGeom>
+          <a:noFill/>
+          <a:extLst>
+            <a:ext uri="{909E8E84-426E-40DD-AFC4-6F175D3DCCD1}">
+              <a14:hiddenFill xmlns:a14="http://schemas.microsoft.com/office/drawing/2010/main">
+                <a:solidFill>
+                  <a:srgbClr val="FFFFFF"/>
+                </a:solidFill>
+              </a14:hiddenFill>
+            </a:ext>
+          </a:extLst>
+        </p:spPr>
+      </p:pic>
+      <p:pic>
+        <p:nvPicPr>
+          <p:cNvPr id="2054" name="Picture 6" descr="íì¼:external/screenshots.en.sftcdn.net/i-wanna-be-the-guy-18.png">
+            <a:extLst>
+              <a:ext uri="{FF2B5EF4-FFF2-40B4-BE49-F238E27FC236}">
+                <a16:creationId xmlns:a16="http://schemas.microsoft.com/office/drawing/2014/main" id="{640FF0FC-9C97-4C2C-91FC-59B5A891F479}"/>
+              </a:ext>
+            </a:extLst>
+          </p:cNvPr>
+          <p:cNvPicPr>
+            <a:picLocks noChangeAspect="1" noChangeArrowheads="1"/>
+          </p:cNvPicPr>
+          <p:nvPr/>
+        </p:nvPicPr>
+        <p:blipFill>
+          <a:blip r:embed="rId3">
+            <a:extLst>
+              <a:ext uri="{28A0092B-C50C-407E-A947-70E740481C1C}">
+                <a14:useLocalDpi xmlns:a14="http://schemas.microsoft.com/office/drawing/2010/main" val="0"/>
+              </a:ext>
+            </a:extLst>
+          </a:blip>
+          <a:srcRect/>
+          <a:stretch>
+            <a:fillRect/>
+          </a:stretch>
+        </p:blipFill>
+        <p:spPr bwMode="auto">
+          <a:xfrm>
+            <a:off x="7010657" y="1870471"/>
+            <a:ext cx="4145023" cy="3117057"/>
+          </a:xfrm>
+          <a:prstGeom prst="rect">
+            <a:avLst/>
+          </a:prstGeom>
+          <a:noFill/>
+          <a:extLst>
+            <a:ext uri="{909E8E84-426E-40DD-AFC4-6F175D3DCCD1}">
+              <a14:hiddenFill xmlns:a14="http://schemas.microsoft.com/office/drawing/2010/main">
+                <a:solidFill>
+                  <a:srgbClr val="FFFFFF"/>
+                </a:solidFill>
+              </a14:hiddenFill>
+            </a:ext>
+          </a:extLst>
+        </p:spPr>
+      </p:pic>
+      <p:sp>
+        <p:nvSpPr>
+          <p:cNvPr id="6" name="TextBox 5">
+            <a:extLst>
+              <a:ext uri="{FF2B5EF4-FFF2-40B4-BE49-F238E27FC236}">
+                <a16:creationId xmlns:a16="http://schemas.microsoft.com/office/drawing/2014/main" id="{A6AF166C-60C3-43F6-8217-B33477F8E55E}"/>
+              </a:ext>
+            </a:extLst>
+          </p:cNvPr>
+          <p:cNvSpPr txBox="1"/>
+          <p:nvPr/>
+        </p:nvSpPr>
+        <p:spPr>
+          <a:xfrm>
+            <a:off x="3130487" y="5391001"/>
+            <a:ext cx="3647152" cy="461665"/>
+          </a:xfrm>
+          <a:prstGeom prst="rect">
+            <a:avLst/>
+          </a:prstGeom>
+          <a:noFill/>
+        </p:spPr>
+        <p:txBody>
+          <a:bodyPr wrap="none" rtlCol="0">
+            <a:spAutoFit/>
+          </a:bodyPr>
+          <a:lstStyle/>
+          <a:p>
+            <a:r>
+              <a:rPr lang="ko-KR" altLang="en-US" sz="2400" dirty="0"/>
+              <a:t>원하는 음악을 고르면    →</a:t>
+            </a:r>
+          </a:p>
+        </p:txBody>
+      </p:sp>
+      <p:sp>
+        <p:nvSpPr>
+          <p:cNvPr id="10" name="TextBox 9">
+            <a:extLst>
+              <a:ext uri="{FF2B5EF4-FFF2-40B4-BE49-F238E27FC236}">
+                <a16:creationId xmlns:a16="http://schemas.microsoft.com/office/drawing/2014/main" id="{F42AE22C-1A1A-4808-8ED3-994F95606060}"/>
+              </a:ext>
+            </a:extLst>
+          </p:cNvPr>
+          <p:cNvSpPr txBox="1"/>
+          <p:nvPr/>
+        </p:nvSpPr>
+        <p:spPr>
+          <a:xfrm>
+            <a:off x="6851587" y="5391000"/>
+            <a:ext cx="2784737" cy="461665"/>
+          </a:xfrm>
+          <a:prstGeom prst="rect">
+            <a:avLst/>
+          </a:prstGeom>
+          <a:noFill/>
+        </p:spPr>
+        <p:txBody>
+          <a:bodyPr wrap="none" rtlCol="0">
+            <a:spAutoFit/>
+          </a:bodyPr>
+          <a:lstStyle/>
+          <a:p>
+            <a:r>
+              <a:rPr lang="ko-KR" altLang="en-US" sz="2400" dirty="0"/>
+              <a:t>해당 스테이지 등장</a:t>
+            </a:r>
+          </a:p>
+        </p:txBody>
+      </p:sp>
+    </p:spTree>
+    <p:extLst>
+      <p:ext uri="{BB962C8B-B14F-4D97-AF65-F5344CB8AC3E}">
+        <p14:creationId xmlns:p14="http://schemas.microsoft.com/office/powerpoint/2010/main" val="628602261"/>
+      </p:ext>
+    </p:extLst>
+  </p:cSld>
+  <p:clrMapOvr>
+    <a:masterClrMapping/>
+  </p:clrMapOvr>
+</p:sld>
+</file>
+
+<file path=ppt/slides/slide4.xml><?xml version="1.0" encoding="utf-8"?>
+<p:sld xmlns:a="http://schemas.openxmlformats.org/drawingml/2006/main" xmlns:r="http://schemas.openxmlformats.org/officeDocument/2006/relationships" xmlns:p="http://schemas.openxmlformats.org/presentationml/2006/main">
+  <p:cSld>
+    <p:spTree>
+      <p:nvGrpSpPr>
+        <p:cNvPr id="1" name=""/>
+        <p:cNvGrpSpPr/>
+        <p:nvPr/>
+      </p:nvGrpSpPr>
+      <p:grpSpPr>
+        <a:xfrm>
+          <a:off x="0" y="0"/>
+          <a:ext cx="0" cy="0"/>
+          <a:chOff x="0" y="0"/>
+          <a:chExt cx="0" cy="0"/>
+        </a:xfrm>
+      </p:grpSpPr>
+      <p:sp>
+        <p:nvSpPr>
+          <p:cNvPr id="2" name="제목 1">
+            <a:extLst>
+              <a:ext uri="{FF2B5EF4-FFF2-40B4-BE49-F238E27FC236}">
+                <a16:creationId xmlns:a16="http://schemas.microsoft.com/office/drawing/2014/main" id="{9E66943D-49BB-46B2-BA19-93094C24667C}"/>
+              </a:ext>
+            </a:extLst>
+          </p:cNvPr>
+          <p:cNvSpPr>
+            <a:spLocks noGrp="1"/>
+          </p:cNvSpPr>
+          <p:nvPr>
+            <p:ph type="title"/>
+          </p:nvPr>
+        </p:nvSpPr>
+        <p:spPr>
+          <a:xfrm>
+            <a:off x="1097280" y="-128835"/>
+            <a:ext cx="10058400" cy="1595833"/>
+          </a:xfrm>
+        </p:spPr>
+        <p:txBody>
+          <a:bodyPr/>
+          <a:lstStyle/>
+          <a:p>
+            <a:r>
+              <a:rPr lang="en-US" altLang="ko-KR" dirty="0"/>
+              <a:t>Game Flow</a:t>
+            </a:r>
+            <a:endParaRPr lang="ko-KR" altLang="en-US" dirty="0"/>
+          </a:p>
+        </p:txBody>
+      </p:sp>
+      <p:pic>
+        <p:nvPicPr>
+          <p:cNvPr id="2054" name="Picture 6" descr="íì¼:external/screenshots.en.sftcdn.net/i-wanna-be-the-guy-18.png">
+            <a:extLst>
+              <a:ext uri="{FF2B5EF4-FFF2-40B4-BE49-F238E27FC236}">
+                <a16:creationId xmlns:a16="http://schemas.microsoft.com/office/drawing/2014/main" id="{640FF0FC-9C97-4C2C-91FC-59B5A891F479}"/>
+              </a:ext>
+            </a:extLst>
+          </p:cNvPr>
+          <p:cNvPicPr>
+            <a:picLocks noChangeAspect="1" noChangeArrowheads="1"/>
+          </p:cNvPicPr>
+          <p:nvPr/>
+        </p:nvPicPr>
+        <p:blipFill>
+          <a:blip r:embed="rId2">
+            <a:extLst>
+              <a:ext uri="{28A0092B-C50C-407E-A947-70E740481C1C}">
+                <a14:useLocalDpi xmlns:a14="http://schemas.microsoft.com/office/drawing/2010/main" val="0"/>
+              </a:ext>
+            </a:extLst>
+          </a:blip>
+          <a:srcRect/>
+          <a:stretch>
+            <a:fillRect/>
+          </a:stretch>
+        </p:blipFill>
+        <p:spPr bwMode="auto">
+          <a:xfrm>
+            <a:off x="1097280" y="1870470"/>
+            <a:ext cx="4145023" cy="3117057"/>
+          </a:xfrm>
+          <a:prstGeom prst="rect">
+            <a:avLst/>
+          </a:prstGeom>
+          <a:noFill/>
+          <a:extLst>
+            <a:ext uri="{909E8E84-426E-40DD-AFC4-6F175D3DCCD1}">
+              <a14:hiddenFill xmlns:a14="http://schemas.microsoft.com/office/drawing/2010/main">
+                <a:solidFill>
+                  <a:srgbClr val="FFFFFF"/>
+                </a:solidFill>
+              </a14:hiddenFill>
+            </a:ext>
+          </a:extLst>
+        </p:spPr>
+      </p:pic>
+      <p:sp>
+        <p:nvSpPr>
+          <p:cNvPr id="10" name="TextBox 9">
+            <a:extLst>
+              <a:ext uri="{FF2B5EF4-FFF2-40B4-BE49-F238E27FC236}">
+                <a16:creationId xmlns:a16="http://schemas.microsoft.com/office/drawing/2014/main" id="{F42AE22C-1A1A-4808-8ED3-994F95606060}"/>
+              </a:ext>
+            </a:extLst>
+          </p:cNvPr>
+          <p:cNvSpPr txBox="1"/>
+          <p:nvPr/>
+        </p:nvSpPr>
+        <p:spPr>
+          <a:xfrm>
+            <a:off x="499310" y="5397198"/>
+            <a:ext cx="5384807" cy="461665"/>
+          </a:xfrm>
+          <a:prstGeom prst="rect">
+            <a:avLst/>
+          </a:prstGeom>
+          <a:noFill/>
+        </p:spPr>
+        <p:txBody>
+          <a:bodyPr wrap="none" rtlCol="0">
+            <a:spAutoFit/>
+          </a:bodyPr>
+          <a:lstStyle/>
+          <a:p>
+            <a:r>
+              <a:rPr lang="ko-KR" altLang="en-US" sz="2400" dirty="0"/>
+              <a:t>음악이 진행되면서 </a:t>
+            </a:r>
+            <a:r>
+              <a:rPr lang="ko-KR" altLang="en-US" sz="2400" dirty="0" err="1"/>
+              <a:t>맵이</a:t>
+            </a:r>
+            <a:r>
+              <a:rPr lang="ko-KR" altLang="en-US" sz="2400" dirty="0"/>
+              <a:t> 자동으로 진행</a:t>
+            </a:r>
+          </a:p>
+        </p:txBody>
+      </p:sp>
+      <p:pic>
+        <p:nvPicPr>
+          <p:cNvPr id="4098" name="Picture 2" descr="I wanna be the guyì ëí ì´ë¯¸ì§ ê²ìê²°ê³¼">
+            <a:extLst>
+              <a:ext uri="{FF2B5EF4-FFF2-40B4-BE49-F238E27FC236}">
+                <a16:creationId xmlns:a16="http://schemas.microsoft.com/office/drawing/2014/main" id="{396B5545-1417-4A1D-871E-D865D68138F5}"/>
+              </a:ext>
+            </a:extLst>
+          </p:cNvPr>
+          <p:cNvPicPr>
+            <a:picLocks noChangeAspect="1" noChangeArrowheads="1"/>
+          </p:cNvPicPr>
+          <p:nvPr/>
+        </p:nvPicPr>
+        <p:blipFill>
+          <a:blip r:embed="rId3">
+            <a:extLst>
+              <a:ext uri="{28A0092B-C50C-407E-A947-70E740481C1C}">
+                <a14:useLocalDpi xmlns:a14="http://schemas.microsoft.com/office/drawing/2010/main" val="0"/>
+              </a:ext>
+            </a:extLst>
+          </a:blip>
+          <a:srcRect/>
+          <a:stretch>
+            <a:fillRect/>
+          </a:stretch>
+        </p:blipFill>
+        <p:spPr bwMode="auto">
+          <a:xfrm>
+            <a:off x="7081520" y="1870470"/>
+            <a:ext cx="4013200" cy="3117057"/>
+          </a:xfrm>
+          <a:prstGeom prst="rect">
+            <a:avLst/>
+          </a:prstGeom>
+          <a:noFill/>
+          <a:extLst>
+            <a:ext uri="{909E8E84-426E-40DD-AFC4-6F175D3DCCD1}">
+              <a14:hiddenFill xmlns:a14="http://schemas.microsoft.com/office/drawing/2010/main">
+                <a:solidFill>
+                  <a:srgbClr val="FFFFFF"/>
+                </a:solidFill>
+              </a14:hiddenFill>
+            </a:ext>
+          </a:extLst>
+        </p:spPr>
+      </p:pic>
+      <p:sp>
+        <p:nvSpPr>
+          <p:cNvPr id="3" name="TextBox 2">
+            <a:extLst>
+              <a:ext uri="{FF2B5EF4-FFF2-40B4-BE49-F238E27FC236}">
+                <a16:creationId xmlns:a16="http://schemas.microsoft.com/office/drawing/2014/main" id="{D3AD1DD6-75B6-4C5B-A03B-CF0C42790E93}"/>
+              </a:ext>
+            </a:extLst>
+          </p:cNvPr>
+          <p:cNvSpPr txBox="1"/>
+          <p:nvPr/>
+        </p:nvSpPr>
+        <p:spPr>
+          <a:xfrm>
+            <a:off x="5884117" y="3105833"/>
+            <a:ext cx="603050" cy="646331"/>
+          </a:xfrm>
+          <a:prstGeom prst="rect">
+            <a:avLst/>
+          </a:prstGeom>
+          <a:noFill/>
+        </p:spPr>
+        <p:txBody>
+          <a:bodyPr wrap="none" rtlCol="0">
+            <a:spAutoFit/>
+          </a:bodyPr>
+          <a:lstStyle/>
+          <a:p>
+            <a:r>
+              <a:rPr lang="ko-KR" altLang="en-US" sz="3600" dirty="0"/>
+              <a:t>→</a:t>
+            </a:r>
+          </a:p>
+        </p:txBody>
+      </p:sp>
+      <p:sp>
+        <p:nvSpPr>
+          <p:cNvPr id="9" name="TextBox 8">
+            <a:extLst>
+              <a:ext uri="{FF2B5EF4-FFF2-40B4-BE49-F238E27FC236}">
+                <a16:creationId xmlns:a16="http://schemas.microsoft.com/office/drawing/2014/main" id="{777FCE6C-3C43-47C1-B122-CFD3C393BC7B}"/>
+              </a:ext>
+            </a:extLst>
+          </p:cNvPr>
+          <p:cNvSpPr txBox="1"/>
+          <p:nvPr/>
+        </p:nvSpPr>
+        <p:spPr>
+          <a:xfrm>
+            <a:off x="6388481" y="5390999"/>
+            <a:ext cx="5109091" cy="461665"/>
+          </a:xfrm>
+          <a:prstGeom prst="rect">
+            <a:avLst/>
+          </a:prstGeom>
+          <a:noFill/>
+        </p:spPr>
+        <p:txBody>
+          <a:bodyPr wrap="none" rtlCol="0">
+            <a:spAutoFit/>
+          </a:bodyPr>
+          <a:lstStyle/>
+          <a:p>
+            <a:r>
+              <a:rPr lang="ko-KR" altLang="en-US" sz="2400" dirty="0"/>
+              <a:t>음악의 하이라이트에선 </a:t>
+            </a:r>
+            <a:r>
+              <a:rPr lang="ko-KR" altLang="en-US" sz="2400" dirty="0" err="1"/>
+              <a:t>보스전</a:t>
+            </a:r>
+            <a:r>
+              <a:rPr lang="ko-KR" altLang="en-US" sz="2400" dirty="0"/>
+              <a:t> 등장</a:t>
+            </a:r>
+            <a:r>
+              <a:rPr lang="en-US" altLang="ko-KR" sz="2400" dirty="0"/>
+              <a:t>!</a:t>
+            </a:r>
+            <a:endParaRPr lang="ko-KR" altLang="en-US" sz="2400" dirty="0"/>
+          </a:p>
+        </p:txBody>
+      </p:sp>
+    </p:spTree>
+    <p:extLst>
+      <p:ext uri="{BB962C8B-B14F-4D97-AF65-F5344CB8AC3E}">
+        <p14:creationId xmlns:p14="http://schemas.microsoft.com/office/powerpoint/2010/main" val="2169786794"/>
+      </p:ext>
+    </p:extLst>
+  </p:cSld>
+  <p:clrMapOvr>
+    <a:masterClrMapping/>
+  </p:clrMapOvr>
+</p:sld>
+</file>
+
+<file path=ppt/slides/slide5.xml><?xml version="1.0" encoding="utf-8"?>
+<p:sld xmlns:a="http://schemas.openxmlformats.org/drawingml/2006/main" xmlns:r="http://schemas.openxmlformats.org/officeDocument/2006/relationships" xmlns:p="http://schemas.openxmlformats.org/presentationml/2006/main">
+  <p:cSld>
+    <p:spTree>
+      <p:nvGrpSpPr>
+        <p:cNvPr id="1" name=""/>
+        <p:cNvGrpSpPr/>
+        <p:nvPr/>
+      </p:nvGrpSpPr>
+      <p:grpSpPr>
+        <a:xfrm>
+          <a:off x="0" y="0"/>
+          <a:ext cx="0" cy="0"/>
+          <a:chOff x="0" y="0"/>
+          <a:chExt cx="0" cy="0"/>
+        </a:xfrm>
+      </p:grpSpPr>
+      <p:sp>
+        <p:nvSpPr>
+          <p:cNvPr id="3" name="내용 개체 틀 2">
+            <a:extLst>
+              <a:ext uri="{FF2B5EF4-FFF2-40B4-BE49-F238E27FC236}">
+                <a16:creationId xmlns:a16="http://schemas.microsoft.com/office/drawing/2014/main" id="{0DEA7688-C25C-427A-A19F-FBA922DCA2E3}"/>
+              </a:ext>
+            </a:extLst>
+          </p:cNvPr>
+          <p:cNvSpPr>
+            <a:spLocks noGrp="1"/>
+          </p:cNvSpPr>
+          <p:nvPr>
+            <p:ph idx="1"/>
+          </p:nvPr>
+        </p:nvSpPr>
+        <p:spPr/>
+        <p:txBody>
+          <a:bodyPr>
+            <a:normAutofit/>
+          </a:bodyPr>
+          <a:lstStyle/>
+          <a:p>
+            <a:pPr marL="457200" indent="-457200">
+              <a:buAutoNum type="arabicPeriod"/>
+            </a:pPr>
+            <a:r>
+              <a:rPr lang="ko-KR" altLang="en-US" sz="2400" dirty="0"/>
+              <a:t>음악의 박자에 맞춰서 </a:t>
+            </a:r>
+            <a:r>
+              <a:rPr lang="ko-KR" altLang="en-US" sz="2400" dirty="0">
+                <a:solidFill>
+                  <a:srgbClr val="FF0000"/>
+                </a:solidFill>
+              </a:rPr>
+              <a:t>자동으로</a:t>
+            </a:r>
+            <a:r>
+              <a:rPr lang="ko-KR" altLang="en-US" sz="2400" dirty="0"/>
+              <a:t> 점프</a:t>
+            </a:r>
+            <a:endParaRPr lang="en-US" altLang="ko-KR" sz="2400" dirty="0"/>
+          </a:p>
+          <a:p>
+            <a:pPr marL="457200" indent="-457200">
+              <a:buAutoNum type="arabicPeriod"/>
+            </a:pPr>
+            <a:endParaRPr lang="en-US" altLang="ko-KR" sz="2400" dirty="0"/>
+          </a:p>
+          <a:p>
+            <a:pPr marL="457200" indent="-457200">
+              <a:buAutoNum type="arabicPeriod"/>
+            </a:pPr>
+            <a:r>
+              <a:rPr lang="ko-KR" altLang="en-US" sz="2400" dirty="0"/>
+              <a:t>점프하는 타이밍에 맞춰 방향키를 누르면 해당 방향으로 </a:t>
+            </a:r>
+            <a:r>
+              <a:rPr lang="ko-KR" altLang="en-US" sz="2400" dirty="0">
+                <a:solidFill>
+                  <a:srgbClr val="FF0000"/>
+                </a:solidFill>
+              </a:rPr>
+              <a:t>한 칸</a:t>
+            </a:r>
+            <a:r>
+              <a:rPr lang="ko-KR" altLang="en-US" sz="2400" dirty="0"/>
+              <a:t> 이동</a:t>
+            </a:r>
+            <a:endParaRPr lang="en-US" altLang="ko-KR" sz="2400" dirty="0"/>
+          </a:p>
+          <a:p>
+            <a:pPr marL="457200" indent="-457200">
+              <a:buAutoNum type="arabicPeriod"/>
+            </a:pPr>
+            <a:endParaRPr lang="en-US" altLang="ko-KR" sz="2400" dirty="0"/>
+          </a:p>
+          <a:p>
+            <a:pPr marL="457200" indent="-457200">
+              <a:buAutoNum type="arabicPeriod"/>
+            </a:pPr>
+            <a:r>
+              <a:rPr lang="ko-KR" altLang="en-US" sz="2400" dirty="0"/>
+              <a:t>스페이스 바를 누른 채로 방향키를 누르면 해당 방향으로 </a:t>
+            </a:r>
+            <a:r>
+              <a:rPr lang="ko-KR" altLang="en-US" sz="2400" dirty="0">
+                <a:solidFill>
+                  <a:srgbClr val="FF0000"/>
+                </a:solidFill>
+              </a:rPr>
+              <a:t>세 칸</a:t>
+            </a:r>
+            <a:r>
+              <a:rPr lang="ko-KR" altLang="en-US" sz="2400" dirty="0"/>
+              <a:t> 이동</a:t>
+            </a:r>
+            <a:endParaRPr lang="en-US" altLang="ko-KR" sz="2400" dirty="0"/>
+          </a:p>
+          <a:p>
+            <a:pPr marL="457200" indent="-457200">
+              <a:buAutoNum type="arabicPeriod"/>
+            </a:pPr>
+            <a:endParaRPr lang="en-US" altLang="ko-KR" sz="2400" dirty="0"/>
+          </a:p>
+          <a:p>
+            <a:pPr marL="457200" indent="-457200">
+              <a:buAutoNum type="arabicPeriod"/>
+            </a:pPr>
+            <a:r>
+              <a:rPr lang="ko-KR" altLang="en-US" sz="2400" dirty="0"/>
+              <a:t>가시나 총알 등 장애물에 닿으면 </a:t>
+            </a:r>
+            <a:r>
+              <a:rPr lang="ko-KR" altLang="en-US" sz="2400" dirty="0">
+                <a:solidFill>
+                  <a:srgbClr val="FF0000"/>
+                </a:solidFill>
+              </a:rPr>
+              <a:t>게임 오버</a:t>
+            </a:r>
+            <a:endParaRPr lang="en-US" altLang="ko-KR" sz="2400" dirty="0">
+              <a:solidFill>
+                <a:srgbClr val="FF0000"/>
+              </a:solidFill>
+            </a:endParaRPr>
+          </a:p>
+        </p:txBody>
+      </p:sp>
+      <p:sp>
+        <p:nvSpPr>
+          <p:cNvPr id="4" name="제목 1">
+            <a:extLst>
+              <a:ext uri="{FF2B5EF4-FFF2-40B4-BE49-F238E27FC236}">
+                <a16:creationId xmlns:a16="http://schemas.microsoft.com/office/drawing/2014/main" id="{FEE7F164-64EE-4F21-B8B3-A0C55D22D6B8}"/>
+              </a:ext>
+            </a:extLst>
+          </p:cNvPr>
+          <p:cNvSpPr>
+            <a:spLocks noGrp="1"/>
+          </p:cNvSpPr>
+          <p:nvPr>
+            <p:ph type="title"/>
+          </p:nvPr>
+        </p:nvSpPr>
+        <p:spPr>
+          <a:xfrm>
+            <a:off x="1097280" y="-128835"/>
+            <a:ext cx="10058400" cy="1595833"/>
+          </a:xfrm>
+        </p:spPr>
+        <p:txBody>
+          <a:bodyPr/>
+          <a:lstStyle/>
+          <a:p>
+            <a:r>
+              <a:rPr lang="en-US" altLang="ko-KR" dirty="0"/>
+              <a:t>Game Flow (Basic</a:t>
+            </a:r>
+            <a:r>
+              <a:rPr lang="ko-KR" altLang="en-US" dirty="0"/>
+              <a:t> </a:t>
+            </a:r>
+            <a:r>
+              <a:rPr lang="en-US" altLang="ko-KR" dirty="0"/>
+              <a:t>Rule)</a:t>
+            </a:r>
+            <a:endParaRPr lang="ko-KR" altLang="en-US" dirty="0"/>
+          </a:p>
+        </p:txBody>
+      </p:sp>
+    </p:spTree>
+    <p:extLst>
+      <p:ext uri="{BB962C8B-B14F-4D97-AF65-F5344CB8AC3E}">
+        <p14:creationId xmlns:p14="http://schemas.microsoft.com/office/powerpoint/2010/main" val="2986097873"/>
+      </p:ext>
+    </p:extLst>
+  </p:cSld>
+  <p:clrMapOvr>
+    <a:masterClrMapping/>
+  </p:clrMapOvr>
+</p:sld>
+</file>
+
+<file path=ppt/slides/slide6.xml><?xml version="1.0" encoding="utf-8"?>
+<p:sld xmlns:a="http://schemas.openxmlformats.org/drawingml/2006/main" xmlns:r="http://schemas.openxmlformats.org/officeDocument/2006/relationships" xmlns:p="http://schemas.openxmlformats.org/presentationml/2006/main">
+  <p:cSld>
+    <p:spTree>
+      <p:nvGrpSpPr>
+        <p:cNvPr id="1" name=""/>
+        <p:cNvGrpSpPr/>
+        <p:nvPr/>
+      </p:nvGrpSpPr>
+      <p:grpSpPr>
+        <a:xfrm>
+          <a:off x="0" y="0"/>
+          <a:ext cx="0" cy="0"/>
+          <a:chOff x="0" y="0"/>
+          <a:chExt cx="0" cy="0"/>
+        </a:xfrm>
+      </p:grpSpPr>
+      <p:sp>
+        <p:nvSpPr>
+          <p:cNvPr id="5" name="제목 1">
+            <a:extLst>
+              <a:ext uri="{FF2B5EF4-FFF2-40B4-BE49-F238E27FC236}">
+                <a16:creationId xmlns:a16="http://schemas.microsoft.com/office/drawing/2014/main" id="{314FBD7E-0761-4534-B58D-622E1C19C16F}"/>
+              </a:ext>
+            </a:extLst>
+          </p:cNvPr>
+          <p:cNvSpPr>
+            <a:spLocks noGrp="1"/>
+          </p:cNvSpPr>
+          <p:nvPr>
+            <p:ph type="title"/>
+          </p:nvPr>
+        </p:nvSpPr>
+        <p:spPr>
+          <a:xfrm>
+            <a:off x="1097280" y="-128835"/>
+            <a:ext cx="10058400" cy="1595833"/>
+          </a:xfrm>
+        </p:spPr>
+        <p:txBody>
+          <a:bodyPr/>
+          <a:lstStyle/>
+          <a:p>
+            <a:r>
+              <a:rPr lang="en-US" altLang="ko-KR" dirty="0"/>
+              <a:t>Development Scope</a:t>
+            </a:r>
+            <a:endParaRPr lang="ko-KR" altLang="en-US" dirty="0"/>
+          </a:p>
+        </p:txBody>
+      </p:sp>
+      <p:graphicFrame>
+        <p:nvGraphicFramePr>
+          <p:cNvPr id="6" name="표 5">
+            <a:extLst>
+              <a:ext uri="{FF2B5EF4-FFF2-40B4-BE49-F238E27FC236}">
+                <a16:creationId xmlns:a16="http://schemas.microsoft.com/office/drawing/2014/main" id="{2F4D3C50-ABC5-4BBA-9967-03AB45FB10A4}"/>
+              </a:ext>
+            </a:extLst>
+          </p:cNvPr>
+          <p:cNvGraphicFramePr>
+            <a:graphicFrameLocks noGrp="1"/>
+          </p:cNvGraphicFramePr>
+          <p:nvPr>
+            <p:extLst>
+              <p:ext uri="{D42A27DB-BD31-4B8C-83A1-F6EECF244321}">
+                <p14:modId xmlns:p14="http://schemas.microsoft.com/office/powerpoint/2010/main" val="337978331"/>
+              </p:ext>
+            </p:extLst>
+          </p:nvPr>
+        </p:nvGraphicFramePr>
+        <p:xfrm>
+          <a:off x="1097280" y="1773766"/>
+          <a:ext cx="10058400" cy="4514849"/>
+        </p:xfrm>
+        <a:graphic>
+          <a:graphicData uri="http://schemas.openxmlformats.org/drawingml/2006/table">
+            <a:tbl>
+              <a:tblPr firstRow="1" bandRow="1">
+                <a:tableStyleId>{5C22544A-7EE6-4342-B048-85BDC9FD1C3A}</a:tableStyleId>
+              </a:tblPr>
+              <a:tblGrid>
+                <a:gridCol w="1620520">
+                  <a:extLst>
+                    <a:ext uri="{9D8B030D-6E8A-4147-A177-3AD203B41FA5}">
+                      <a16:colId xmlns:a16="http://schemas.microsoft.com/office/drawing/2014/main" val="401852813"/>
+                    </a:ext>
+                  </a:extLst>
+                </a:gridCol>
+                <a:gridCol w="4686300">
+                  <a:extLst>
+                    <a:ext uri="{9D8B030D-6E8A-4147-A177-3AD203B41FA5}">
+                      <a16:colId xmlns:a16="http://schemas.microsoft.com/office/drawing/2014/main" val="1975574382"/>
+                    </a:ext>
+                  </a:extLst>
+                </a:gridCol>
+                <a:gridCol w="3751580">
+                  <a:extLst>
+                    <a:ext uri="{9D8B030D-6E8A-4147-A177-3AD203B41FA5}">
+                      <a16:colId xmlns:a16="http://schemas.microsoft.com/office/drawing/2014/main" val="4171409286"/>
+                    </a:ext>
+                  </a:extLst>
+                </a:gridCol>
+              </a:tblGrid>
+              <a:tr h="444923">
+                <a:tc>
+                  <a:txBody>
+                    <a:bodyPr/>
+                    <a:lstStyle/>
+                    <a:p>
+                      <a:pPr algn="ctr" latinLnBrk="1"/>
+                      <a:r>
+                        <a:rPr lang="ko-KR" altLang="en-US" dirty="0"/>
+                        <a:t>분야</a:t>
+                      </a:r>
+                    </a:p>
+                  </a:txBody>
+                  <a:tcPr/>
+                </a:tc>
+                <a:tc>
+                  <a:txBody>
+                    <a:bodyPr/>
+                    <a:lstStyle/>
+                    <a:p>
+                      <a:pPr algn="ctr" latinLnBrk="1"/>
+                      <a:r>
+                        <a:rPr lang="ko-KR" altLang="en-US" dirty="0"/>
+                        <a:t>최소 범위</a:t>
+                      </a:r>
+                    </a:p>
+                  </a:txBody>
+                  <a:tcPr/>
+                </a:tc>
+                <a:tc>
+                  <a:txBody>
+                    <a:bodyPr/>
+                    <a:lstStyle/>
+                    <a:p>
+                      <a:pPr algn="ctr" latinLnBrk="1"/>
+                      <a:r>
+                        <a:rPr lang="ko-KR" altLang="en-US" dirty="0"/>
+                        <a:t>추가 범위</a:t>
+                      </a:r>
+                    </a:p>
+                  </a:txBody>
+                  <a:tcPr/>
+                </a:tc>
+                <a:extLst>
+                  <a:ext uri="{0D108BD9-81ED-4DB2-BD59-A6C34878D82A}">
+                    <a16:rowId xmlns:a16="http://schemas.microsoft.com/office/drawing/2014/main" val="1788669292"/>
+                  </a:ext>
+                </a:extLst>
+              </a:tr>
+              <a:tr h="889846">
+                <a:tc>
+                  <a:txBody>
+                    <a:bodyPr/>
+                    <a:lstStyle/>
+                    <a:p>
+                      <a:pPr algn="ctr" latinLnBrk="1"/>
+                      <a:r>
+                        <a:rPr lang="ko-KR" altLang="en-US" dirty="0"/>
+                        <a:t>캐릭터</a:t>
+                      </a:r>
+                    </a:p>
+                  </a:txBody>
+                  <a:tcPr anchor="ctr"/>
+                </a:tc>
+                <a:tc>
+                  <a:txBody>
+                    <a:bodyPr/>
+                    <a:lstStyle/>
+                    <a:p>
+                      <a:pPr algn="ctr" latinLnBrk="1"/>
+                      <a:r>
+                        <a:rPr lang="ko-KR" altLang="en-US" dirty="0"/>
+                        <a:t>음악속도에 맞춘 자동 점프</a:t>
+                      </a:r>
+                      <a:r>
+                        <a:rPr lang="en-US" altLang="ko-KR" dirty="0"/>
+                        <a:t>, </a:t>
+                      </a:r>
+                      <a:r>
+                        <a:rPr lang="ko-KR" altLang="en-US" dirty="0"/>
+                        <a:t>상하좌우 이동</a:t>
+                      </a:r>
+                      <a:endParaRPr lang="en-US" altLang="ko-KR" dirty="0"/>
+                    </a:p>
+                    <a:p>
+                      <a:pPr algn="ctr" latinLnBrk="1"/>
+                      <a:r>
+                        <a:rPr lang="ko-KR" altLang="en-US" dirty="0" err="1"/>
+                        <a:t>피격시</a:t>
+                      </a:r>
+                      <a:r>
+                        <a:rPr lang="ko-KR" altLang="en-US" dirty="0"/>
+                        <a:t> 게임 오버</a:t>
+                      </a:r>
+                    </a:p>
+                  </a:txBody>
+                  <a:tcPr anchor="ctr"/>
+                </a:tc>
+                <a:tc>
+                  <a:txBody>
+                    <a:bodyPr/>
+                    <a:lstStyle/>
+                    <a:p>
+                      <a:pPr algn="ctr" latinLnBrk="1"/>
+                      <a:r>
+                        <a:rPr lang="ko-KR" altLang="en-US" dirty="0"/>
+                        <a:t>점프 시 회전 애니메이션</a:t>
+                      </a:r>
+                    </a:p>
+                  </a:txBody>
+                  <a:tcPr anchor="ctr"/>
+                </a:tc>
+                <a:extLst>
+                  <a:ext uri="{0D108BD9-81ED-4DB2-BD59-A6C34878D82A}">
+                    <a16:rowId xmlns:a16="http://schemas.microsoft.com/office/drawing/2014/main" val="3009681240"/>
+                  </a:ext>
+                </a:extLst>
+              </a:tr>
+              <a:tr h="955465">
+                <a:tc>
+                  <a:txBody>
+                    <a:bodyPr/>
+                    <a:lstStyle/>
+                    <a:p>
+                      <a:pPr algn="ctr" latinLnBrk="1"/>
+                      <a:r>
+                        <a:rPr lang="ko-KR" altLang="en-US" dirty="0"/>
+                        <a:t>스테이지</a:t>
+                      </a:r>
+                    </a:p>
+                  </a:txBody>
+                  <a:tcPr anchor="ctr"/>
+                </a:tc>
+                <a:tc>
+                  <a:txBody>
+                    <a:bodyPr/>
+                    <a:lstStyle/>
+                    <a:p>
+                      <a:pPr algn="ctr" latinLnBrk="1"/>
+                      <a:r>
+                        <a:rPr lang="ko-KR" altLang="en-US" dirty="0"/>
+                        <a:t>플랫폼</a:t>
+                      </a:r>
+                      <a:r>
+                        <a:rPr lang="en-US" altLang="ko-KR" dirty="0"/>
+                        <a:t>, </a:t>
+                      </a:r>
+                      <a:r>
+                        <a:rPr lang="ko-KR" altLang="en-US" dirty="0"/>
+                        <a:t>장애물</a:t>
+                      </a:r>
+                      <a:r>
+                        <a:rPr lang="en-US" altLang="ko-KR" dirty="0"/>
+                        <a:t>, </a:t>
+                      </a:r>
+                      <a:r>
+                        <a:rPr lang="ko-KR" altLang="en-US" dirty="0"/>
+                        <a:t>화면이동</a:t>
+                      </a:r>
+                      <a:endParaRPr lang="en-US" altLang="ko-KR" dirty="0"/>
+                    </a:p>
+                    <a:p>
+                      <a:pPr algn="ctr" latinLnBrk="1"/>
+                      <a:r>
+                        <a:rPr lang="ko-KR" altLang="en-US" dirty="0"/>
+                        <a:t>필드 </a:t>
+                      </a:r>
+                      <a:r>
+                        <a:rPr lang="en-US" altLang="ko-KR" dirty="0"/>
+                        <a:t>-&gt; </a:t>
+                      </a:r>
+                      <a:r>
+                        <a:rPr lang="ko-KR" altLang="en-US" dirty="0" err="1"/>
+                        <a:t>보스전</a:t>
+                      </a:r>
+                      <a:r>
+                        <a:rPr lang="ko-KR" altLang="en-US"/>
+                        <a:t> 가능한 </a:t>
+                      </a:r>
+                      <a:r>
+                        <a:rPr lang="ko-KR" altLang="en-US" dirty="0"/>
+                        <a:t>적어도 </a:t>
+                      </a:r>
+                      <a:r>
+                        <a:rPr lang="en-US" altLang="ko-KR" dirty="0"/>
+                        <a:t>2</a:t>
+                      </a:r>
+                      <a:r>
+                        <a:rPr lang="ko-KR" altLang="en-US" dirty="0"/>
+                        <a:t>스테이지</a:t>
+                      </a:r>
+                    </a:p>
+                  </a:txBody>
+                  <a:tcPr anchor="ctr"/>
+                </a:tc>
+                <a:tc>
+                  <a:txBody>
+                    <a:bodyPr/>
+                    <a:lstStyle/>
+                    <a:p>
+                      <a:pPr algn="ctr" latinLnBrk="1"/>
+                      <a:r>
+                        <a:rPr lang="ko-KR" altLang="en-US" dirty="0" err="1"/>
+                        <a:t>벽타기</a:t>
+                      </a:r>
+                      <a:r>
+                        <a:rPr lang="ko-KR" altLang="en-US" dirty="0"/>
+                        <a:t> 타일</a:t>
+                      </a:r>
+                      <a:endParaRPr lang="en-US" altLang="ko-KR" dirty="0"/>
+                    </a:p>
+                    <a:p>
+                      <a:pPr algn="ctr" latinLnBrk="1"/>
+                      <a:r>
+                        <a:rPr lang="ko-KR" altLang="en-US" dirty="0"/>
+                        <a:t>음악의 변속</a:t>
+                      </a:r>
+                      <a:r>
+                        <a:rPr lang="en-US" altLang="ko-KR" dirty="0"/>
+                        <a:t>, </a:t>
+                      </a:r>
+                      <a:r>
+                        <a:rPr lang="ko-KR" altLang="en-US" dirty="0"/>
+                        <a:t>변박</a:t>
+                      </a:r>
+                      <a:r>
+                        <a:rPr lang="en-US" altLang="ko-KR" dirty="0"/>
+                        <a:t> </a:t>
+                      </a:r>
+                      <a:r>
+                        <a:rPr lang="ko-KR" altLang="en-US" dirty="0"/>
+                        <a:t>대응</a:t>
+                      </a:r>
+                    </a:p>
+                  </a:txBody>
+                  <a:tcPr anchor="ctr"/>
+                </a:tc>
+                <a:extLst>
+                  <a:ext uri="{0D108BD9-81ED-4DB2-BD59-A6C34878D82A}">
+                    <a16:rowId xmlns:a16="http://schemas.microsoft.com/office/drawing/2014/main" val="2545074469"/>
+                  </a:ext>
+                </a:extLst>
+              </a:tr>
+              <a:tr h="444923">
+                <a:tc>
+                  <a:txBody>
+                    <a:bodyPr/>
+                    <a:lstStyle/>
+                    <a:p>
+                      <a:pPr algn="ctr" latinLnBrk="1"/>
+                      <a:r>
+                        <a:rPr lang="ko-KR" altLang="en-US" dirty="0"/>
+                        <a:t>난이도 설계</a:t>
+                      </a:r>
+                    </a:p>
+                  </a:txBody>
+                  <a:tcPr anchor="ctr"/>
+                </a:tc>
+                <a:tc>
+                  <a:txBody>
+                    <a:bodyPr/>
+                    <a:lstStyle/>
+                    <a:p>
+                      <a:pPr algn="ctr" latinLnBrk="1"/>
+                      <a:r>
+                        <a:rPr lang="ko-KR" altLang="en-US" dirty="0"/>
+                        <a:t>한 번만 피격되면 게임 오버</a:t>
+                      </a:r>
+                    </a:p>
+                  </a:txBody>
+                  <a:tcPr anchor="ctr"/>
+                </a:tc>
+                <a:tc>
+                  <a:txBody>
+                    <a:bodyPr/>
+                    <a:lstStyle/>
+                    <a:p>
+                      <a:pPr algn="ctr" latinLnBrk="1"/>
+                      <a:r>
+                        <a:rPr lang="ko-KR" altLang="en-US" dirty="0"/>
+                        <a:t>배터리 게이지</a:t>
+                      </a:r>
+                      <a:r>
+                        <a:rPr lang="en-US" altLang="ko-KR" dirty="0"/>
+                        <a:t>(</a:t>
+                      </a:r>
+                      <a:r>
+                        <a:rPr lang="ko-KR" altLang="en-US" dirty="0"/>
+                        <a:t>체력 </a:t>
+                      </a:r>
+                      <a:r>
+                        <a:rPr lang="en-US" altLang="ko-KR" dirty="0"/>
+                        <a:t>4</a:t>
+                      </a:r>
+                      <a:r>
+                        <a:rPr lang="ko-KR" altLang="en-US" dirty="0"/>
+                        <a:t>칸 등</a:t>
+                      </a:r>
+                      <a:r>
+                        <a:rPr lang="en-US" altLang="ko-KR" dirty="0"/>
+                        <a:t>)</a:t>
+                      </a:r>
+                      <a:endParaRPr lang="ko-KR" altLang="en-US" dirty="0"/>
+                    </a:p>
+                  </a:txBody>
+                  <a:tcPr anchor="ctr"/>
+                </a:tc>
+                <a:extLst>
+                  <a:ext uri="{0D108BD9-81ED-4DB2-BD59-A6C34878D82A}">
+                    <a16:rowId xmlns:a16="http://schemas.microsoft.com/office/drawing/2014/main" val="1603340880"/>
+                  </a:ext>
+                </a:extLst>
+              </a:tr>
+              <a:tr h="889846">
+                <a:tc>
+                  <a:txBody>
+                    <a:bodyPr/>
+                    <a:lstStyle/>
+                    <a:p>
+                      <a:pPr algn="ctr" latinLnBrk="1"/>
+                      <a:r>
+                        <a:rPr lang="ko-KR" altLang="en-US" dirty="0"/>
+                        <a:t>기타 기능</a:t>
+                      </a:r>
+                    </a:p>
+                  </a:txBody>
+                  <a:tcPr anchor="ctr"/>
+                </a:tc>
+                <a:tc>
+                  <a:txBody>
+                    <a:bodyPr/>
+                    <a:lstStyle/>
+                    <a:p>
+                      <a:pPr algn="ctr" latinLnBrk="1"/>
+                      <a:r>
+                        <a:rPr lang="ko-KR" altLang="en-US" dirty="0"/>
+                        <a:t>음악 </a:t>
+                      </a:r>
+                      <a:r>
+                        <a:rPr lang="ko-KR" altLang="en-US" dirty="0" err="1"/>
+                        <a:t>선택시</a:t>
+                      </a:r>
+                      <a:r>
+                        <a:rPr lang="ko-KR" altLang="en-US" dirty="0"/>
+                        <a:t> 프리뷰 출력</a:t>
+                      </a:r>
+                      <a:r>
+                        <a:rPr lang="en-US" altLang="ko-KR" dirty="0"/>
+                        <a:t>, </a:t>
+                      </a:r>
+                      <a:r>
+                        <a:rPr lang="ko-KR" altLang="en-US" dirty="0"/>
+                        <a:t>클리어 마크</a:t>
+                      </a:r>
+                      <a:endParaRPr lang="en-US" altLang="ko-KR" dirty="0"/>
+                    </a:p>
+                    <a:p>
+                      <a:pPr algn="ctr" latinLnBrk="1"/>
+                      <a:r>
+                        <a:rPr lang="ko-KR" altLang="en-US" dirty="0"/>
+                        <a:t>맵 툴 제작</a:t>
+                      </a:r>
+                    </a:p>
+                  </a:txBody>
+                  <a:tcPr anchor="ctr"/>
+                </a:tc>
+                <a:tc>
+                  <a:txBody>
+                    <a:bodyPr/>
+                    <a:lstStyle/>
+                    <a:p>
+                      <a:pPr algn="ctr" latinLnBrk="1"/>
+                      <a:r>
+                        <a:rPr lang="ko-KR" altLang="en-US" dirty="0"/>
+                        <a:t>추가 별 아이템을 먹어서 점수 획득</a:t>
+                      </a:r>
+                      <a:endParaRPr lang="en-US" altLang="ko-KR" dirty="0"/>
+                    </a:p>
+                  </a:txBody>
+                  <a:tcPr anchor="ctr"/>
+                </a:tc>
+                <a:extLst>
+                  <a:ext uri="{0D108BD9-81ED-4DB2-BD59-A6C34878D82A}">
+                    <a16:rowId xmlns:a16="http://schemas.microsoft.com/office/drawing/2014/main" val="3666086338"/>
+                  </a:ext>
+                </a:extLst>
+              </a:tr>
+              <a:tr h="444923">
+                <a:tc>
+                  <a:txBody>
+                    <a:bodyPr/>
+                    <a:lstStyle/>
+                    <a:p>
+                      <a:pPr algn="ctr" latinLnBrk="1"/>
+                      <a:r>
+                        <a:rPr lang="ko-KR" altLang="en-US" dirty="0"/>
+                        <a:t>사운드</a:t>
+                      </a:r>
+                    </a:p>
+                  </a:txBody>
+                  <a:tcPr anchor="ctr"/>
+                </a:tc>
+                <a:tc>
+                  <a:txBody>
+                    <a:bodyPr/>
+                    <a:lstStyle/>
+                    <a:p>
+                      <a:pPr algn="ctr" latinLnBrk="1"/>
+                      <a:r>
+                        <a:rPr lang="ko-KR" altLang="en-US" dirty="0"/>
+                        <a:t>게임에 맞는 </a:t>
+                      </a:r>
+                      <a:r>
+                        <a:rPr lang="en-US" altLang="ko-KR" dirty="0"/>
+                        <a:t>BGM</a:t>
+                      </a:r>
+                      <a:r>
+                        <a:rPr lang="ko-KR" altLang="en-US" dirty="0"/>
+                        <a:t> </a:t>
+                      </a:r>
+                      <a:r>
+                        <a:rPr lang="en-US" altLang="ko-KR" dirty="0"/>
+                        <a:t>3</a:t>
+                      </a:r>
+                      <a:r>
+                        <a:rPr lang="ko-KR" altLang="en-US" dirty="0"/>
+                        <a:t>곡</a:t>
+                      </a:r>
+                      <a:r>
+                        <a:rPr lang="en-US" altLang="ko-KR" dirty="0"/>
+                        <a:t>, </a:t>
+                      </a:r>
+                      <a:r>
+                        <a:rPr lang="ko-KR" altLang="en-US" dirty="0"/>
+                        <a:t>선택</a:t>
+                      </a:r>
+                      <a:r>
+                        <a:rPr lang="en-US" altLang="ko-KR" dirty="0"/>
+                        <a:t>, </a:t>
+                      </a:r>
+                      <a:r>
+                        <a:rPr lang="ko-KR" altLang="en-US" dirty="0"/>
+                        <a:t>피격</a:t>
+                      </a:r>
+                      <a:r>
+                        <a:rPr lang="en-US" altLang="ko-KR" dirty="0"/>
+                        <a:t>, </a:t>
+                      </a:r>
+                      <a:r>
+                        <a:rPr lang="ko-KR" altLang="en-US" dirty="0"/>
+                        <a:t>클리어 </a:t>
+                      </a:r>
+                      <a:r>
+                        <a:rPr lang="en-US" altLang="ko-KR" dirty="0"/>
+                        <a:t>SFX</a:t>
+                      </a:r>
+                      <a:endParaRPr lang="ko-KR" altLang="en-US" dirty="0"/>
+                    </a:p>
+                  </a:txBody>
+                  <a:tcPr anchor="ctr"/>
+                </a:tc>
+                <a:tc>
+                  <a:txBody>
+                    <a:bodyPr/>
+                    <a:lstStyle/>
+                    <a:p>
+                      <a:pPr algn="ctr" latinLnBrk="1"/>
+                      <a:r>
+                        <a:rPr lang="ko-KR" altLang="en-US" dirty="0"/>
+                        <a:t>가능한 한 많은 음악</a:t>
+                      </a:r>
+                      <a:r>
+                        <a:rPr lang="en-US" altLang="ko-KR" dirty="0"/>
+                        <a:t>(</a:t>
+                      </a:r>
+                      <a:r>
+                        <a:rPr lang="ko-KR" altLang="en-US" dirty="0"/>
+                        <a:t>스테이지</a:t>
+                      </a:r>
+                      <a:r>
+                        <a:rPr lang="en-US" altLang="ko-KR" dirty="0"/>
+                        <a:t>)</a:t>
+                      </a:r>
+                      <a:endParaRPr lang="ko-KR" altLang="en-US" dirty="0"/>
+                    </a:p>
+                  </a:txBody>
+                  <a:tcPr anchor="ctr"/>
+                </a:tc>
+                <a:extLst>
+                  <a:ext uri="{0D108BD9-81ED-4DB2-BD59-A6C34878D82A}">
+                    <a16:rowId xmlns:a16="http://schemas.microsoft.com/office/drawing/2014/main" val="1926426635"/>
+                  </a:ext>
+                </a:extLst>
+              </a:tr>
+              <a:tr h="444923">
+                <a:tc>
+                  <a:txBody>
+                    <a:bodyPr/>
+                    <a:lstStyle/>
+                    <a:p>
+                      <a:pPr algn="ctr" latinLnBrk="1"/>
+                      <a:r>
+                        <a:rPr lang="ko-KR" altLang="en-US" dirty="0"/>
+                        <a:t>애니메이션</a:t>
+                      </a:r>
+                    </a:p>
+                  </a:txBody>
+                  <a:tcPr anchor="ctr"/>
+                </a:tc>
+                <a:tc>
+                  <a:txBody>
+                    <a:bodyPr/>
+                    <a:lstStyle/>
+                    <a:p>
+                      <a:pPr algn="ctr" latinLnBrk="1"/>
+                      <a:r>
+                        <a:rPr lang="ko-KR" altLang="en-US" dirty="0"/>
+                        <a:t>화면 흔들림</a:t>
+                      </a:r>
+                      <a:r>
+                        <a:rPr lang="en-US" altLang="ko-KR" dirty="0"/>
+                        <a:t>, </a:t>
+                      </a:r>
+                      <a:r>
+                        <a:rPr lang="ko-KR" altLang="en-US" dirty="0"/>
+                        <a:t>부드럽게 넘어가는 맵</a:t>
+                      </a:r>
+                    </a:p>
+                  </a:txBody>
+                  <a:tcPr anchor="ctr"/>
+                </a:tc>
+                <a:tc>
+                  <a:txBody>
+                    <a:bodyPr/>
+                    <a:lstStyle/>
+                    <a:p>
+                      <a:pPr algn="ctr" latinLnBrk="1"/>
+                      <a:r>
+                        <a:rPr lang="ko-KR" altLang="en-US" dirty="0"/>
+                        <a:t>장애물 이펙트</a:t>
+                      </a:r>
+                    </a:p>
+                  </a:txBody>
+                  <a:tcPr anchor="ctr"/>
+                </a:tc>
+                <a:extLst>
+                  <a:ext uri="{0D108BD9-81ED-4DB2-BD59-A6C34878D82A}">
+                    <a16:rowId xmlns:a16="http://schemas.microsoft.com/office/drawing/2014/main" val="1593235055"/>
+                  </a:ext>
+                </a:extLst>
+              </a:tr>
+            </a:tbl>
+          </a:graphicData>
+        </a:graphic>
+      </p:graphicFrame>
+    </p:spTree>
+    <p:extLst>
+      <p:ext uri="{BB962C8B-B14F-4D97-AF65-F5344CB8AC3E}">
+        <p14:creationId xmlns:p14="http://schemas.microsoft.com/office/powerpoint/2010/main" val="3748694836"/>
+      </p:ext>
+    </p:extLst>
+  </p:cSld>
+  <p:clrMapOvr>
+    <a:masterClrMapping/>
+  </p:clrMapOvr>
+</p:sld>
+</file>
+
+<file path=ppt/slides/slide7.xml><?xml version="1.0" encoding="utf-8"?>
+<p:sld xmlns:a="http://schemas.openxmlformats.org/drawingml/2006/main" xmlns:r="http://schemas.openxmlformats.org/officeDocument/2006/relationships" xmlns:p="http://schemas.openxmlformats.org/presentationml/2006/main">
+  <p:cSld>
+    <p:spTree>
+      <p:nvGrpSpPr>
+        <p:cNvPr id="1" name=""/>
+        <p:cNvGrpSpPr/>
+        <p:nvPr/>
+      </p:nvGrpSpPr>
+      <p:grpSpPr>
+        <a:xfrm>
+          <a:off x="0" y="0"/>
+          <a:ext cx="0" cy="0"/>
+          <a:chOff x="0" y="0"/>
+          <a:chExt cx="0" cy="0"/>
+        </a:xfrm>
+      </p:grpSpPr>
+      <p:sp>
+        <p:nvSpPr>
+          <p:cNvPr id="5" name="제목 1">
+            <a:extLst>
+              <a:ext uri="{FF2B5EF4-FFF2-40B4-BE49-F238E27FC236}">
+                <a16:creationId xmlns:a16="http://schemas.microsoft.com/office/drawing/2014/main" id="{314FBD7E-0761-4534-B58D-622E1C19C16F}"/>
+              </a:ext>
+            </a:extLst>
+          </p:cNvPr>
+          <p:cNvSpPr>
+            <a:spLocks noGrp="1"/>
+          </p:cNvSpPr>
+          <p:nvPr>
+            <p:ph type="title"/>
+          </p:nvPr>
+        </p:nvSpPr>
+        <p:spPr>
+          <a:xfrm>
+            <a:off x="3086099" y="-797917"/>
+            <a:ext cx="10058400" cy="1595833"/>
+          </a:xfrm>
+        </p:spPr>
+        <p:txBody>
+          <a:bodyPr/>
+          <a:lstStyle/>
+          <a:p>
+            <a:r>
+              <a:rPr lang="en-US" altLang="ko-KR" dirty="0"/>
+              <a:t>Development Schedule</a:t>
+            </a:r>
+            <a:endParaRPr lang="ko-KR" altLang="en-US" dirty="0"/>
+          </a:p>
+        </p:txBody>
+      </p:sp>
+      <p:graphicFrame>
+        <p:nvGraphicFramePr>
+          <p:cNvPr id="2" name="표 1">
+            <a:extLst>
+              <a:ext uri="{FF2B5EF4-FFF2-40B4-BE49-F238E27FC236}">
+                <a16:creationId xmlns:a16="http://schemas.microsoft.com/office/drawing/2014/main" id="{37EF73D7-892A-4492-89E0-8734E46ABE60}"/>
+              </a:ext>
+            </a:extLst>
+          </p:cNvPr>
+          <p:cNvGraphicFramePr>
+            <a:graphicFrameLocks noGrp="1"/>
+          </p:cNvGraphicFramePr>
+          <p:nvPr>
+            <p:extLst>
+              <p:ext uri="{D42A27DB-BD31-4B8C-83A1-F6EECF244321}">
+                <p14:modId xmlns:p14="http://schemas.microsoft.com/office/powerpoint/2010/main" val="202640270"/>
+              </p:ext>
+            </p:extLst>
+          </p:nvPr>
+        </p:nvGraphicFramePr>
+        <p:xfrm>
+          <a:off x="152400" y="952500"/>
+          <a:ext cx="11785599" cy="5367020"/>
+        </p:xfrm>
+        <a:graphic>
+          <a:graphicData uri="http://schemas.openxmlformats.org/drawingml/2006/table">
+            <a:tbl>
+              <a:tblPr firstRow="1" bandRow="1">
+                <a:tableStyleId>{5C22544A-7EE6-4342-B048-85BDC9FD1C3A}</a:tableStyleId>
+              </a:tblPr>
+              <a:tblGrid>
+                <a:gridCol w="2374900">
+                  <a:extLst>
+                    <a:ext uri="{9D8B030D-6E8A-4147-A177-3AD203B41FA5}">
+                      <a16:colId xmlns:a16="http://schemas.microsoft.com/office/drawing/2014/main" val="1609337561"/>
+                    </a:ext>
+                  </a:extLst>
+                </a:gridCol>
+                <a:gridCol w="2921000">
+                  <a:extLst>
+                    <a:ext uri="{9D8B030D-6E8A-4147-A177-3AD203B41FA5}">
+                      <a16:colId xmlns:a16="http://schemas.microsoft.com/office/drawing/2014/main" val="765242400"/>
+                    </a:ext>
+                  </a:extLst>
+                </a:gridCol>
+                <a:gridCol w="6489699">
+                  <a:extLst>
+                    <a:ext uri="{9D8B030D-6E8A-4147-A177-3AD203B41FA5}">
+                      <a16:colId xmlns:a16="http://schemas.microsoft.com/office/drawing/2014/main" val="3693417642"/>
+                    </a:ext>
+                  </a:extLst>
+                </a:gridCol>
+              </a:tblGrid>
+              <a:tr h="530860">
+                <a:tc>
+                  <a:txBody>
+                    <a:bodyPr/>
+                    <a:lstStyle/>
+                    <a:p>
+                      <a:pPr algn="ctr" latinLnBrk="1"/>
+                      <a:r>
+                        <a:rPr lang="ko-KR" altLang="en-US" sz="2000" dirty="0"/>
+                        <a:t>일정</a:t>
+                      </a:r>
+                    </a:p>
+                  </a:txBody>
+                  <a:tcPr anchor="ctr"/>
+                </a:tc>
+                <a:tc>
+                  <a:txBody>
+                    <a:bodyPr/>
+                    <a:lstStyle/>
+                    <a:p>
+                      <a:pPr algn="ctr" latinLnBrk="1"/>
+                      <a:r>
+                        <a:rPr lang="ko-KR" altLang="en-US" sz="2000" dirty="0"/>
+                        <a:t>개요</a:t>
+                      </a:r>
+                    </a:p>
+                  </a:txBody>
+                  <a:tcPr anchor="ctr"/>
+                </a:tc>
+                <a:tc>
+                  <a:txBody>
+                    <a:bodyPr/>
+                    <a:lstStyle/>
+                    <a:p>
+                      <a:pPr algn="ctr" latinLnBrk="1"/>
+                      <a:r>
+                        <a:rPr lang="ko-KR" altLang="en-US" sz="2000" dirty="0"/>
+                        <a:t>상세</a:t>
+                      </a:r>
+                    </a:p>
+                  </a:txBody>
+                  <a:tcPr anchor="ctr"/>
+                </a:tc>
+                <a:extLst>
+                  <a:ext uri="{0D108BD9-81ED-4DB2-BD59-A6C34878D82A}">
+                    <a16:rowId xmlns:a16="http://schemas.microsoft.com/office/drawing/2014/main" val="344371228"/>
+                  </a:ext>
+                </a:extLst>
+              </a:tr>
+              <a:tr h="530860">
+                <a:tc>
+                  <a:txBody>
+                    <a:bodyPr/>
+                    <a:lstStyle/>
+                    <a:p>
+                      <a:pPr algn="ctr" latinLnBrk="1"/>
+                      <a:r>
+                        <a:rPr lang="en-US" altLang="ko-KR" sz="2000" dirty="0"/>
+                        <a:t>1</a:t>
+                      </a:r>
+                      <a:r>
+                        <a:rPr lang="ko-KR" altLang="en-US" sz="2000" dirty="0"/>
+                        <a:t>주차</a:t>
+                      </a:r>
+                      <a:endParaRPr lang="en-US" altLang="ko-KR" sz="2000" dirty="0"/>
+                    </a:p>
+                  </a:txBody>
+                  <a:tcPr anchor="ctr"/>
+                </a:tc>
+                <a:tc>
+                  <a:txBody>
+                    <a:bodyPr/>
+                    <a:lstStyle/>
+                    <a:p>
+                      <a:pPr algn="ctr" latinLnBrk="1"/>
+                      <a:r>
+                        <a:rPr lang="ko-KR" altLang="en-US" sz="2000" dirty="0"/>
+                        <a:t>리소스 수집</a:t>
+                      </a:r>
+                    </a:p>
+                  </a:txBody>
+                  <a:tcPr anchor="ctr"/>
+                </a:tc>
+                <a:tc>
+                  <a:txBody>
+                    <a:bodyPr/>
+                    <a:lstStyle/>
+                    <a:p>
+                      <a:pPr algn="ctr" latinLnBrk="1"/>
+                      <a:r>
+                        <a:rPr lang="ko-KR" altLang="en-US" sz="1800" dirty="0"/>
+                        <a:t>적어도 </a:t>
+                      </a:r>
+                      <a:r>
+                        <a:rPr lang="en-US" altLang="ko-KR" sz="1800" dirty="0"/>
+                        <a:t>4</a:t>
+                      </a:r>
+                      <a:r>
+                        <a:rPr lang="ko-KR" altLang="en-US" sz="1800" dirty="0"/>
+                        <a:t>주차까지의 게임 제작에 필요한 이미지를 수집</a:t>
+                      </a:r>
+                      <a:r>
+                        <a:rPr lang="en-US" altLang="ko-KR" sz="1800" dirty="0"/>
+                        <a:t>. </a:t>
+                      </a:r>
+                      <a:endParaRPr lang="ko-KR" altLang="en-US" sz="1800" dirty="0"/>
+                    </a:p>
+                  </a:txBody>
+                  <a:tcPr anchor="ctr"/>
+                </a:tc>
+                <a:extLst>
+                  <a:ext uri="{0D108BD9-81ED-4DB2-BD59-A6C34878D82A}">
+                    <a16:rowId xmlns:a16="http://schemas.microsoft.com/office/drawing/2014/main" val="1924875979"/>
+                  </a:ext>
+                </a:extLst>
+              </a:tr>
+              <a:tr h="530860">
+                <a:tc>
+                  <a:txBody>
+                    <a:bodyPr/>
+                    <a:lstStyle/>
+                    <a:p>
+                      <a:pPr marL="0" marR="0" lvl="0" indent="0" algn="ctr" defTabSz="914400" rtl="0" eaLnBrk="1" fontAlgn="auto" latinLnBrk="1" hangingPunct="1">
+                        <a:lnSpc>
+                          <a:spcPct val="100000"/>
+                        </a:lnSpc>
+                        <a:spcBef>
+                          <a:spcPts val="0"/>
+                        </a:spcBef>
+                        <a:spcAft>
+                          <a:spcPts val="0"/>
+                        </a:spcAft>
+                        <a:buClrTx/>
+                        <a:buSzTx/>
+                        <a:buFontTx/>
+                        <a:buNone/>
+                        <a:tabLst/>
+                        <a:defRPr/>
+                      </a:pPr>
+                      <a:r>
+                        <a:rPr lang="en-US" altLang="ko-KR" sz="2000" dirty="0"/>
+                        <a:t>2</a:t>
+                      </a:r>
+                      <a:r>
+                        <a:rPr lang="ko-KR" altLang="en-US" sz="2000" dirty="0"/>
+                        <a:t>주차</a:t>
+                      </a:r>
+                      <a:endParaRPr lang="en-US" altLang="ko-KR" sz="2000" dirty="0"/>
+                    </a:p>
+                  </a:txBody>
+                  <a:tcPr anchor="ctr"/>
+                </a:tc>
+                <a:tc>
+                  <a:txBody>
+                    <a:bodyPr/>
+                    <a:lstStyle/>
+                    <a:p>
+                      <a:pPr algn="ctr" latinLnBrk="1"/>
+                      <a:r>
+                        <a:rPr lang="ko-KR" altLang="en-US" sz="2000" dirty="0"/>
+                        <a:t>음악 수집</a:t>
+                      </a:r>
+                      <a:r>
+                        <a:rPr lang="en-US" altLang="ko-KR" sz="2000" dirty="0"/>
+                        <a:t>, </a:t>
+                      </a:r>
+                      <a:r>
+                        <a:rPr lang="ko-KR" altLang="en-US" sz="2000" dirty="0"/>
+                        <a:t>리소스 배치</a:t>
+                      </a:r>
+                    </a:p>
+                  </a:txBody>
+                  <a:tcPr anchor="ctr"/>
+                </a:tc>
+                <a:tc>
+                  <a:txBody>
+                    <a:bodyPr/>
+                    <a:lstStyle/>
+                    <a:p>
+                      <a:pPr algn="ctr" latinLnBrk="1"/>
+                      <a:r>
+                        <a:rPr lang="ko-KR" altLang="en-US" sz="1800" dirty="0"/>
+                        <a:t>게임에 어울리는 음악 수집</a:t>
+                      </a:r>
+                      <a:r>
+                        <a:rPr lang="en-US" altLang="ko-KR" sz="1800" dirty="0"/>
+                        <a:t>(</a:t>
+                      </a:r>
+                      <a:r>
+                        <a:rPr lang="ko-KR" altLang="en-US" sz="1800" dirty="0"/>
+                        <a:t>제작</a:t>
+                      </a:r>
+                      <a:r>
+                        <a:rPr lang="en-US" altLang="ko-KR" sz="1800" dirty="0"/>
+                        <a:t>), </a:t>
+                      </a:r>
+                      <a:r>
+                        <a:rPr lang="ko-KR" altLang="en-US" sz="1800" dirty="0"/>
+                        <a:t>맵 프로토타입 제작</a:t>
+                      </a:r>
+                    </a:p>
+                  </a:txBody>
+                  <a:tcPr anchor="ctr"/>
+                </a:tc>
+                <a:extLst>
+                  <a:ext uri="{0D108BD9-81ED-4DB2-BD59-A6C34878D82A}">
+                    <a16:rowId xmlns:a16="http://schemas.microsoft.com/office/drawing/2014/main" val="636481602"/>
+                  </a:ext>
+                </a:extLst>
+              </a:tr>
+              <a:tr h="530860">
+                <a:tc>
+                  <a:txBody>
+                    <a:bodyPr/>
+                    <a:lstStyle/>
+                    <a:p>
+                      <a:pPr marL="0" marR="0" lvl="0" indent="0" algn="ctr" defTabSz="914400" rtl="0" eaLnBrk="1" fontAlgn="auto" latinLnBrk="1" hangingPunct="1">
+                        <a:lnSpc>
+                          <a:spcPct val="100000"/>
+                        </a:lnSpc>
+                        <a:spcBef>
+                          <a:spcPts val="0"/>
+                        </a:spcBef>
+                        <a:spcAft>
+                          <a:spcPts val="0"/>
+                        </a:spcAft>
+                        <a:buClrTx/>
+                        <a:buSzTx/>
+                        <a:buFontTx/>
+                        <a:buNone/>
+                        <a:tabLst/>
+                        <a:defRPr/>
+                      </a:pPr>
+                      <a:r>
+                        <a:rPr lang="en-US" altLang="ko-KR" sz="2000" dirty="0"/>
+                        <a:t>3</a:t>
+                      </a:r>
+                      <a:r>
+                        <a:rPr lang="ko-KR" altLang="en-US" sz="2000" dirty="0"/>
+                        <a:t>주차</a:t>
+                      </a:r>
+                      <a:endParaRPr lang="en-US" altLang="ko-KR" sz="2000" dirty="0"/>
+                    </a:p>
+                  </a:txBody>
+                  <a:tcPr anchor="ctr"/>
+                </a:tc>
+                <a:tc>
+                  <a:txBody>
+                    <a:bodyPr/>
+                    <a:lstStyle/>
+                    <a:p>
+                      <a:pPr algn="ctr" latinLnBrk="1"/>
+                      <a:r>
+                        <a:rPr lang="ko-KR" altLang="en-US" sz="2000" dirty="0"/>
+                        <a:t>플레이어 제작</a:t>
+                      </a:r>
+                    </a:p>
+                  </a:txBody>
+                  <a:tcPr anchor="ctr"/>
+                </a:tc>
+                <a:tc>
+                  <a:txBody>
+                    <a:bodyPr/>
+                    <a:lstStyle/>
+                    <a:p>
+                      <a:pPr algn="ctr" latinLnBrk="1"/>
+                      <a:r>
+                        <a:rPr lang="ko-KR" altLang="en-US" sz="1800" dirty="0"/>
+                        <a:t>캐릭터 클래스 제작</a:t>
+                      </a:r>
+                      <a:r>
+                        <a:rPr lang="en-US" altLang="ko-KR" sz="1800" dirty="0"/>
+                        <a:t>, </a:t>
+                      </a:r>
+                      <a:r>
+                        <a:rPr lang="ko-KR" altLang="en-US" sz="1800" dirty="0"/>
+                        <a:t>이후 계속 사용</a:t>
+                      </a:r>
+                      <a:r>
+                        <a:rPr lang="en-US" altLang="ko-KR" sz="1800" dirty="0"/>
+                        <a:t>. </a:t>
+                      </a:r>
+                      <a:endParaRPr lang="ko-KR" altLang="en-US" sz="1800" dirty="0"/>
+                    </a:p>
+                  </a:txBody>
+                  <a:tcPr anchor="ctr"/>
+                </a:tc>
+                <a:extLst>
+                  <a:ext uri="{0D108BD9-81ED-4DB2-BD59-A6C34878D82A}">
+                    <a16:rowId xmlns:a16="http://schemas.microsoft.com/office/drawing/2014/main" val="4017220173"/>
+                  </a:ext>
+                </a:extLst>
+              </a:tr>
+              <a:tr h="530860">
+                <a:tc>
+                  <a:txBody>
+                    <a:bodyPr/>
+                    <a:lstStyle/>
+                    <a:p>
+                      <a:pPr marL="0" marR="0" lvl="0" indent="0" algn="ctr" defTabSz="914400" rtl="0" eaLnBrk="1" fontAlgn="auto" latinLnBrk="1" hangingPunct="1">
+                        <a:lnSpc>
+                          <a:spcPct val="100000"/>
+                        </a:lnSpc>
+                        <a:spcBef>
+                          <a:spcPts val="0"/>
+                        </a:spcBef>
+                        <a:spcAft>
+                          <a:spcPts val="0"/>
+                        </a:spcAft>
+                        <a:buClrTx/>
+                        <a:buSzTx/>
+                        <a:buFontTx/>
+                        <a:buNone/>
+                        <a:tabLst/>
+                        <a:defRPr/>
+                      </a:pPr>
+                      <a:r>
+                        <a:rPr lang="en-US" altLang="ko-KR" sz="2000" dirty="0"/>
+                        <a:t>4</a:t>
+                      </a:r>
+                      <a:r>
+                        <a:rPr lang="ko-KR" altLang="en-US" sz="2000" dirty="0"/>
+                        <a:t>주차</a:t>
+                      </a:r>
+                      <a:endParaRPr lang="en-US" altLang="ko-KR" sz="2000" dirty="0"/>
+                    </a:p>
+                  </a:txBody>
+                  <a:tcPr anchor="ctr"/>
+                </a:tc>
+                <a:tc>
+                  <a:txBody>
+                    <a:bodyPr/>
+                    <a:lstStyle/>
+                    <a:p>
+                      <a:pPr algn="ctr" latinLnBrk="1"/>
+                      <a:r>
+                        <a:rPr lang="ko-KR" altLang="en-US" sz="2000" dirty="0"/>
+                        <a:t>맵 툴</a:t>
+                      </a:r>
+                    </a:p>
+                  </a:txBody>
+                  <a:tcPr anchor="ctr"/>
+                </a:tc>
+                <a:tc>
+                  <a:txBody>
+                    <a:bodyPr/>
+                    <a:lstStyle/>
+                    <a:p>
+                      <a:pPr algn="ctr" latinLnBrk="1"/>
+                      <a:r>
+                        <a:rPr lang="ko-KR" altLang="en-US" sz="1800" dirty="0"/>
+                        <a:t>스테이지 제작을 위한 맵 툴 제작</a:t>
+                      </a:r>
+                    </a:p>
+                  </a:txBody>
+                  <a:tcPr anchor="ctr"/>
+                </a:tc>
+                <a:extLst>
+                  <a:ext uri="{0D108BD9-81ED-4DB2-BD59-A6C34878D82A}">
+                    <a16:rowId xmlns:a16="http://schemas.microsoft.com/office/drawing/2014/main" val="3039058750"/>
+                  </a:ext>
+                </a:extLst>
+              </a:tr>
+              <a:tr h="530860">
+                <a:tc>
+                  <a:txBody>
+                    <a:bodyPr/>
+                    <a:lstStyle/>
+                    <a:p>
+                      <a:pPr marL="0" marR="0" lvl="0" indent="0" algn="ctr" defTabSz="914400" rtl="0" eaLnBrk="1" fontAlgn="auto" latinLnBrk="1" hangingPunct="1">
+                        <a:lnSpc>
+                          <a:spcPct val="100000"/>
+                        </a:lnSpc>
+                        <a:spcBef>
+                          <a:spcPts val="0"/>
+                        </a:spcBef>
+                        <a:spcAft>
+                          <a:spcPts val="0"/>
+                        </a:spcAft>
+                        <a:buClrTx/>
+                        <a:buSzTx/>
+                        <a:buFontTx/>
+                        <a:buNone/>
+                        <a:tabLst/>
+                        <a:defRPr/>
+                      </a:pPr>
+                      <a:r>
+                        <a:rPr lang="en-US" altLang="ko-KR" sz="2000" dirty="0"/>
+                        <a:t>5</a:t>
+                      </a:r>
+                      <a:r>
+                        <a:rPr lang="ko-KR" altLang="en-US" sz="2000" dirty="0"/>
+                        <a:t>주차</a:t>
+                      </a:r>
+                      <a:endParaRPr lang="en-US" altLang="ko-KR" sz="2000" dirty="0"/>
+                    </a:p>
+                  </a:txBody>
+                  <a:tcPr anchor="ctr"/>
+                </a:tc>
+                <a:tc>
+                  <a:txBody>
+                    <a:bodyPr/>
+                    <a:lstStyle/>
+                    <a:p>
+                      <a:pPr marL="0" marR="0" lvl="0" indent="0" algn="ctr" defTabSz="914400" rtl="0" eaLnBrk="1" fontAlgn="auto" latinLnBrk="1" hangingPunct="1">
+                        <a:lnSpc>
+                          <a:spcPct val="100000"/>
+                        </a:lnSpc>
+                        <a:spcBef>
+                          <a:spcPts val="0"/>
+                        </a:spcBef>
+                        <a:spcAft>
+                          <a:spcPts val="0"/>
+                        </a:spcAft>
+                        <a:buClrTx/>
+                        <a:buSzTx/>
+                        <a:buFontTx/>
+                        <a:buNone/>
+                        <a:tabLst/>
+                        <a:defRPr/>
+                      </a:pPr>
+                      <a:r>
+                        <a:rPr lang="en-US" altLang="ko-KR" sz="1800" dirty="0"/>
+                        <a:t>1</a:t>
+                      </a:r>
+                      <a:r>
+                        <a:rPr lang="ko-KR" altLang="en-US" sz="1800" dirty="0"/>
+                        <a:t>스테이지 제작</a:t>
+                      </a:r>
+                      <a:r>
+                        <a:rPr lang="en-US" altLang="ko-KR" sz="1800" dirty="0"/>
+                        <a:t>, </a:t>
+                      </a:r>
+                      <a:r>
+                        <a:rPr lang="ko-KR" altLang="en-US" sz="1800" dirty="0"/>
+                        <a:t>기타기능</a:t>
+                      </a:r>
+                    </a:p>
+                  </a:txBody>
+                  <a:tcPr anchor="ctr"/>
+                </a:tc>
+                <a:tc>
+                  <a:txBody>
+                    <a:bodyPr/>
+                    <a:lstStyle/>
+                    <a:p>
+                      <a:pPr algn="ctr" latinLnBrk="1"/>
+                      <a:r>
+                        <a:rPr lang="en-US" altLang="ko-KR" sz="1800" dirty="0"/>
+                        <a:t>1</a:t>
+                      </a:r>
+                      <a:r>
+                        <a:rPr lang="ko-KR" altLang="en-US" sz="1800" dirty="0"/>
+                        <a:t>스테이지 필드 우선 제작</a:t>
+                      </a:r>
+                      <a:r>
+                        <a:rPr lang="en-US" altLang="ko-KR" sz="1800" dirty="0"/>
+                        <a:t>, </a:t>
+                      </a:r>
+                      <a:r>
+                        <a:rPr lang="ko-KR" altLang="en-US" sz="1800" dirty="0"/>
+                        <a:t>타이틀 등 제작</a:t>
+                      </a:r>
+                      <a:r>
+                        <a:rPr lang="en-US" altLang="ko-KR" sz="1800" dirty="0"/>
+                        <a:t>.</a:t>
+                      </a:r>
+                      <a:endParaRPr lang="ko-KR" altLang="en-US" sz="1800" dirty="0"/>
+                    </a:p>
+                  </a:txBody>
+                  <a:tcPr anchor="ctr"/>
+                </a:tc>
+                <a:extLst>
+                  <a:ext uri="{0D108BD9-81ED-4DB2-BD59-A6C34878D82A}">
+                    <a16:rowId xmlns:a16="http://schemas.microsoft.com/office/drawing/2014/main" val="2650748381"/>
+                  </a:ext>
+                </a:extLst>
+              </a:tr>
+              <a:tr h="530860">
+                <a:tc>
+                  <a:txBody>
+                    <a:bodyPr/>
+                    <a:lstStyle/>
+                    <a:p>
+                      <a:pPr marL="0" marR="0" lvl="0" indent="0" algn="ctr" defTabSz="914400" rtl="0" eaLnBrk="1" fontAlgn="auto" latinLnBrk="1" hangingPunct="1">
+                        <a:lnSpc>
+                          <a:spcPct val="100000"/>
+                        </a:lnSpc>
+                        <a:spcBef>
+                          <a:spcPts val="0"/>
+                        </a:spcBef>
+                        <a:spcAft>
+                          <a:spcPts val="0"/>
+                        </a:spcAft>
+                        <a:buClrTx/>
+                        <a:buSzTx/>
+                        <a:buFontTx/>
+                        <a:buNone/>
+                        <a:tabLst/>
+                        <a:defRPr/>
+                      </a:pPr>
+                      <a:r>
+                        <a:rPr lang="en-US" altLang="ko-KR" sz="2000" dirty="0"/>
+                        <a:t>6</a:t>
+                      </a:r>
+                      <a:r>
+                        <a:rPr lang="ko-KR" altLang="en-US" sz="2000" dirty="0"/>
+                        <a:t>주차</a:t>
+                      </a:r>
+                      <a:endParaRPr lang="en-US" altLang="ko-KR" sz="2000" dirty="0"/>
+                    </a:p>
+                  </a:txBody>
+                  <a:tcPr anchor="ctr"/>
+                </a:tc>
+                <a:tc>
+                  <a:txBody>
+                    <a:bodyPr/>
+                    <a:lstStyle/>
+                    <a:p>
+                      <a:pPr marL="0" marR="0" lvl="0" indent="0" algn="ctr" defTabSz="914400" rtl="0" eaLnBrk="1" fontAlgn="auto" latinLnBrk="1" hangingPunct="1">
+                        <a:lnSpc>
+                          <a:spcPct val="100000"/>
+                        </a:lnSpc>
+                        <a:spcBef>
+                          <a:spcPts val="0"/>
+                        </a:spcBef>
+                        <a:spcAft>
+                          <a:spcPts val="0"/>
+                        </a:spcAft>
+                        <a:buClrTx/>
+                        <a:buSzTx/>
+                        <a:buFontTx/>
+                        <a:buNone/>
+                        <a:tabLst/>
+                        <a:defRPr/>
+                      </a:pPr>
+                      <a:r>
+                        <a:rPr lang="en-US" altLang="ko-KR" sz="1800" dirty="0"/>
+                        <a:t>1</a:t>
+                      </a:r>
+                      <a:r>
+                        <a:rPr lang="ko-KR" altLang="en-US" sz="1800" dirty="0"/>
+                        <a:t>스테이지 완성</a:t>
+                      </a:r>
+                      <a:r>
+                        <a:rPr lang="en-US" altLang="ko-KR" sz="1800" dirty="0"/>
+                        <a:t>, </a:t>
+                      </a:r>
+                      <a:r>
+                        <a:rPr lang="ko-KR" altLang="en-US" sz="1800" dirty="0"/>
+                        <a:t>기타기능</a:t>
+                      </a:r>
+                    </a:p>
+                  </a:txBody>
+                  <a:tcPr anchor="ctr"/>
+                </a:tc>
+                <a:tc>
+                  <a:txBody>
+                    <a:bodyPr/>
+                    <a:lstStyle/>
+                    <a:p>
+                      <a:pPr marL="0" marR="0" lvl="0" indent="0" algn="ctr" defTabSz="914400" rtl="0" eaLnBrk="1" fontAlgn="auto" latinLnBrk="1" hangingPunct="1">
+                        <a:lnSpc>
+                          <a:spcPct val="100000"/>
+                        </a:lnSpc>
+                        <a:spcBef>
+                          <a:spcPts val="0"/>
+                        </a:spcBef>
+                        <a:spcAft>
+                          <a:spcPts val="0"/>
+                        </a:spcAft>
+                        <a:buClrTx/>
+                        <a:buSzTx/>
+                        <a:buFontTx/>
+                        <a:buNone/>
+                        <a:tabLst/>
+                        <a:defRPr/>
+                      </a:pPr>
+                      <a:r>
+                        <a:rPr lang="en-US" altLang="ko-KR" sz="1800" dirty="0"/>
+                        <a:t>1</a:t>
+                      </a:r>
+                      <a:r>
+                        <a:rPr lang="ko-KR" altLang="en-US" sz="1800" dirty="0"/>
+                        <a:t>스테이지 최종 제작</a:t>
+                      </a:r>
+                      <a:r>
+                        <a:rPr lang="en-US" altLang="ko-KR" sz="1800" dirty="0"/>
+                        <a:t>, </a:t>
+                      </a:r>
+                      <a:r>
+                        <a:rPr lang="ko-KR" altLang="en-US" sz="1800" dirty="0"/>
+                        <a:t>남은 기본 기능 정리</a:t>
+                      </a:r>
+                      <a:r>
+                        <a:rPr lang="en-US" altLang="ko-KR" sz="1800" dirty="0"/>
+                        <a:t>.</a:t>
+                      </a:r>
+                      <a:endParaRPr lang="ko-KR" altLang="en-US" sz="1800" dirty="0"/>
+                    </a:p>
+                  </a:txBody>
+                  <a:tcPr anchor="ctr"/>
+                </a:tc>
+                <a:extLst>
+                  <a:ext uri="{0D108BD9-81ED-4DB2-BD59-A6C34878D82A}">
+                    <a16:rowId xmlns:a16="http://schemas.microsoft.com/office/drawing/2014/main" val="1277430638"/>
+                  </a:ext>
+                </a:extLst>
+              </a:tr>
+              <a:tr h="589280">
+                <a:tc>
+                  <a:txBody>
+                    <a:bodyPr/>
+                    <a:lstStyle/>
+                    <a:p>
+                      <a:pPr marL="0" marR="0" lvl="0" indent="0" algn="ctr" defTabSz="914400" rtl="0" eaLnBrk="1" fontAlgn="auto" latinLnBrk="1" hangingPunct="1">
+                        <a:lnSpc>
+                          <a:spcPct val="100000"/>
+                        </a:lnSpc>
+                        <a:spcBef>
+                          <a:spcPts val="0"/>
+                        </a:spcBef>
+                        <a:spcAft>
+                          <a:spcPts val="0"/>
+                        </a:spcAft>
+                        <a:buClrTx/>
+                        <a:buSzTx/>
+                        <a:buFontTx/>
+                        <a:buNone/>
+                        <a:tabLst/>
+                        <a:defRPr/>
+                      </a:pPr>
+                      <a:r>
+                        <a:rPr lang="en-US" altLang="ko-KR" sz="2000" dirty="0"/>
+                        <a:t>7</a:t>
+                      </a:r>
+                      <a:r>
+                        <a:rPr lang="ko-KR" altLang="en-US" sz="2000" dirty="0"/>
+                        <a:t>주차</a:t>
+                      </a:r>
+                      <a:endParaRPr lang="en-US" altLang="ko-KR" sz="2000" dirty="0"/>
+                    </a:p>
+                  </a:txBody>
+                  <a:tcPr anchor="ctr"/>
+                </a:tc>
+                <a:tc>
+                  <a:txBody>
+                    <a:bodyPr/>
+                    <a:lstStyle/>
+                    <a:p>
+                      <a:pPr marL="0" marR="0" lvl="0" indent="0" algn="ctr" defTabSz="914400" rtl="0" eaLnBrk="1" fontAlgn="auto" latinLnBrk="1" hangingPunct="1">
+                        <a:lnSpc>
+                          <a:spcPct val="100000"/>
+                        </a:lnSpc>
+                        <a:spcBef>
+                          <a:spcPts val="0"/>
+                        </a:spcBef>
+                        <a:spcAft>
+                          <a:spcPts val="0"/>
+                        </a:spcAft>
+                        <a:buClrTx/>
+                        <a:buSzTx/>
+                        <a:buFontTx/>
+                        <a:buNone/>
+                        <a:tabLst/>
+                        <a:defRPr/>
+                      </a:pPr>
+                      <a:r>
+                        <a:rPr lang="en-US" altLang="ko-KR" sz="1800" dirty="0"/>
+                        <a:t>2</a:t>
+                      </a:r>
+                      <a:r>
+                        <a:rPr lang="ko-KR" altLang="en-US" sz="1800" dirty="0"/>
+                        <a:t>스테이지 제작</a:t>
+                      </a:r>
+                      <a:r>
+                        <a:rPr lang="en-US" altLang="ko-KR" sz="1800" dirty="0"/>
+                        <a:t>, </a:t>
+                      </a:r>
+                      <a:r>
+                        <a:rPr lang="ko-KR" altLang="en-US" sz="1800" dirty="0"/>
+                        <a:t>추가기능</a:t>
+                      </a:r>
+                    </a:p>
+                  </a:txBody>
+                  <a:tcPr anchor="ctr"/>
+                </a:tc>
+                <a:tc>
+                  <a:txBody>
+                    <a:bodyPr/>
+                    <a:lstStyle/>
+                    <a:p>
+                      <a:pPr marL="0" marR="0" lvl="0" indent="0" algn="ctr" defTabSz="914400" rtl="0" eaLnBrk="1" fontAlgn="auto" latinLnBrk="1" hangingPunct="1">
+                        <a:lnSpc>
+                          <a:spcPct val="100000"/>
+                        </a:lnSpc>
+                        <a:spcBef>
+                          <a:spcPts val="0"/>
+                        </a:spcBef>
+                        <a:spcAft>
+                          <a:spcPts val="0"/>
+                        </a:spcAft>
+                        <a:buClrTx/>
+                        <a:buSzTx/>
+                        <a:buFontTx/>
+                        <a:buNone/>
+                        <a:tabLst/>
+                        <a:defRPr/>
+                      </a:pPr>
+                      <a:r>
+                        <a:rPr lang="en-US" altLang="ko-KR" sz="1800" dirty="0"/>
+                        <a:t>2</a:t>
+                      </a:r>
+                      <a:r>
+                        <a:rPr lang="ko-KR" altLang="en-US" sz="1800" dirty="0"/>
+                        <a:t>스테이지 필드 우선 제작</a:t>
+                      </a:r>
+                      <a:r>
+                        <a:rPr lang="en-US" altLang="ko-KR" sz="1800" dirty="0"/>
+                        <a:t>, </a:t>
+                      </a:r>
+                      <a:r>
+                        <a:rPr lang="ko-KR" altLang="en-US" sz="1800" dirty="0"/>
+                        <a:t>추가 범위 내용들 제작</a:t>
+                      </a:r>
+                    </a:p>
+                  </a:txBody>
+                  <a:tcPr anchor="ctr"/>
+                </a:tc>
+                <a:extLst>
+                  <a:ext uri="{0D108BD9-81ED-4DB2-BD59-A6C34878D82A}">
+                    <a16:rowId xmlns:a16="http://schemas.microsoft.com/office/drawing/2014/main" val="3055451559"/>
+                  </a:ext>
+                </a:extLst>
+              </a:tr>
+              <a:tr h="530860">
+                <a:tc>
+                  <a:txBody>
+                    <a:bodyPr/>
+                    <a:lstStyle/>
+                    <a:p>
+                      <a:pPr marL="0" marR="0" lvl="0" indent="0" algn="ctr" defTabSz="914400" rtl="0" eaLnBrk="1" fontAlgn="auto" latinLnBrk="1" hangingPunct="1">
+                        <a:lnSpc>
+                          <a:spcPct val="100000"/>
+                        </a:lnSpc>
+                        <a:spcBef>
+                          <a:spcPts val="0"/>
+                        </a:spcBef>
+                        <a:spcAft>
+                          <a:spcPts val="0"/>
+                        </a:spcAft>
+                        <a:buClrTx/>
+                        <a:buSzTx/>
+                        <a:buFontTx/>
+                        <a:buNone/>
+                        <a:tabLst/>
+                        <a:defRPr/>
+                      </a:pPr>
+                      <a:r>
+                        <a:rPr lang="en-US" altLang="ko-KR" sz="2000" dirty="0"/>
+                        <a:t>8</a:t>
+                      </a:r>
+                      <a:r>
+                        <a:rPr lang="ko-KR" altLang="en-US" sz="2000" dirty="0"/>
+                        <a:t>주차</a:t>
+                      </a:r>
+                      <a:endParaRPr lang="en-US" altLang="ko-KR" sz="2000" dirty="0"/>
+                    </a:p>
+                  </a:txBody>
+                  <a:tcPr anchor="ctr"/>
+                </a:tc>
+                <a:tc>
+                  <a:txBody>
+                    <a:bodyPr/>
+                    <a:lstStyle/>
+                    <a:p>
+                      <a:pPr algn="ctr" latinLnBrk="1"/>
+                      <a:r>
+                        <a:rPr lang="en-US" altLang="ko-KR" sz="1800" dirty="0"/>
+                        <a:t>2</a:t>
+                      </a:r>
+                      <a:r>
+                        <a:rPr lang="ko-KR" altLang="en-US" sz="1800" dirty="0"/>
+                        <a:t>스테이지 완성</a:t>
+                      </a:r>
+                      <a:r>
+                        <a:rPr lang="en-US" altLang="ko-KR" sz="1800" dirty="0"/>
+                        <a:t>, </a:t>
+                      </a:r>
+                      <a:r>
+                        <a:rPr lang="ko-KR" altLang="en-US" sz="1800" dirty="0"/>
+                        <a:t>디버깅</a:t>
+                      </a:r>
+                    </a:p>
+                  </a:txBody>
+                  <a:tcPr anchor="ctr"/>
+                </a:tc>
+                <a:tc>
+                  <a:txBody>
+                    <a:bodyPr/>
+                    <a:lstStyle/>
+                    <a:p>
+                      <a:pPr algn="ctr" latinLnBrk="1"/>
+                      <a:r>
+                        <a:rPr lang="en-US" altLang="ko-KR" sz="1800" dirty="0"/>
+                        <a:t>2</a:t>
+                      </a:r>
+                      <a:r>
+                        <a:rPr lang="ko-KR" altLang="en-US" sz="1800" dirty="0"/>
+                        <a:t>스테이지 최종 제작</a:t>
+                      </a:r>
+                      <a:r>
+                        <a:rPr lang="en-US" altLang="ko-KR" sz="1800" dirty="0"/>
+                        <a:t>, </a:t>
+                      </a:r>
+                      <a:r>
+                        <a:rPr lang="ko-KR" altLang="en-US" sz="1800" dirty="0"/>
+                        <a:t>디버그</a:t>
+                      </a:r>
+                      <a:r>
+                        <a:rPr lang="en-US" altLang="ko-KR" sz="1800" dirty="0"/>
+                        <a:t>, </a:t>
+                      </a:r>
+                      <a:r>
+                        <a:rPr lang="ko-KR" altLang="en-US" sz="1800" dirty="0"/>
+                        <a:t>난이도 조절</a:t>
+                      </a:r>
+                      <a:r>
+                        <a:rPr lang="en-US" altLang="ko-KR" sz="1800" dirty="0"/>
+                        <a:t>, </a:t>
+                      </a:r>
+                      <a:r>
+                        <a:rPr lang="ko-KR" altLang="en-US" sz="1800" dirty="0"/>
+                        <a:t>추가기능 구현</a:t>
+                      </a:r>
+                    </a:p>
+                  </a:txBody>
+                  <a:tcPr anchor="ctr"/>
+                </a:tc>
+                <a:extLst>
+                  <a:ext uri="{0D108BD9-81ED-4DB2-BD59-A6C34878D82A}">
+                    <a16:rowId xmlns:a16="http://schemas.microsoft.com/office/drawing/2014/main" val="620533981"/>
+                  </a:ext>
+                </a:extLst>
+              </a:tr>
+              <a:tr h="530860">
+                <a:tc>
+                  <a:txBody>
+                    <a:bodyPr/>
+                    <a:lstStyle/>
+                    <a:p>
+                      <a:pPr marL="0" marR="0" lvl="0" indent="0" algn="ctr" defTabSz="914400" rtl="0" eaLnBrk="1" fontAlgn="auto" latinLnBrk="1" hangingPunct="1">
+                        <a:lnSpc>
+                          <a:spcPct val="100000"/>
+                        </a:lnSpc>
+                        <a:spcBef>
+                          <a:spcPts val="0"/>
+                        </a:spcBef>
+                        <a:spcAft>
+                          <a:spcPts val="0"/>
+                        </a:spcAft>
+                        <a:buClrTx/>
+                        <a:buSzTx/>
+                        <a:buFontTx/>
+                        <a:buNone/>
+                        <a:tabLst/>
+                        <a:defRPr/>
+                      </a:pPr>
+                      <a:r>
+                        <a:rPr lang="en-US" altLang="ko-KR" sz="2000" dirty="0"/>
+                        <a:t>9</a:t>
+                      </a:r>
+                      <a:r>
+                        <a:rPr lang="ko-KR" altLang="en-US" sz="2000" dirty="0"/>
+                        <a:t>주차</a:t>
+                      </a:r>
+                      <a:endParaRPr lang="en-US" altLang="ko-KR" sz="2000" dirty="0"/>
+                    </a:p>
+                  </a:txBody>
+                  <a:tcPr anchor="ctr"/>
+                </a:tc>
+                <a:tc>
+                  <a:txBody>
+                    <a:bodyPr/>
+                    <a:lstStyle/>
+                    <a:p>
+                      <a:pPr algn="ctr" latinLnBrk="1"/>
+                      <a:r>
+                        <a:rPr lang="ko-KR" altLang="en-US" sz="2000" dirty="0"/>
+                        <a:t>플레이어 피드백</a:t>
+                      </a:r>
+                    </a:p>
+                  </a:txBody>
+                  <a:tcPr anchor="ctr"/>
+                </a:tc>
+                <a:tc>
+                  <a:txBody>
+                    <a:bodyPr/>
+                    <a:lstStyle/>
+                    <a:p>
+                      <a:pPr algn="ctr" latinLnBrk="1"/>
+                      <a:r>
+                        <a:rPr lang="ko-KR" altLang="en-US" sz="1800" dirty="0"/>
+                        <a:t>최종 난이도 조절</a:t>
+                      </a:r>
+                      <a:r>
+                        <a:rPr lang="en-US" altLang="ko-KR" sz="1800" dirty="0"/>
+                        <a:t>, </a:t>
+                      </a:r>
+                      <a:r>
+                        <a:rPr lang="ko-KR" altLang="en-US" sz="1800" dirty="0"/>
+                        <a:t>스테이지 연출 조절 후 최종 완성</a:t>
+                      </a:r>
+                      <a:r>
+                        <a:rPr lang="en-US" altLang="ko-KR" sz="1800" dirty="0"/>
+                        <a:t>.</a:t>
+                      </a:r>
+                      <a:endParaRPr lang="ko-KR" altLang="en-US" sz="1800" dirty="0"/>
+                    </a:p>
+                  </a:txBody>
+                  <a:tcPr anchor="ctr"/>
+                </a:tc>
+                <a:extLst>
+                  <a:ext uri="{0D108BD9-81ED-4DB2-BD59-A6C34878D82A}">
+                    <a16:rowId xmlns:a16="http://schemas.microsoft.com/office/drawing/2014/main" val="1779037004"/>
+                  </a:ext>
+                </a:extLst>
+              </a:tr>
+            </a:tbl>
+          </a:graphicData>
+        </a:graphic>
+      </p:graphicFrame>
+    </p:spTree>
+    <p:extLst>
+      <p:ext uri="{BB962C8B-B14F-4D97-AF65-F5344CB8AC3E}">
+        <p14:creationId xmlns:p14="http://schemas.microsoft.com/office/powerpoint/2010/main" val="449152209"/>
+      </p:ext>
+    </p:extLst>
+  </p:cSld>
+  <p:clrMapOvr>
+    <a:masterClrMapping/>
+  </p:clrMapOvr>
+</p:sld>
+</file>
+
+<file path=ppt/slides/slide8.xml><?xml version="1.0" encoding="utf-8"?>
+<p:sld xmlns:a="http://schemas.openxmlformats.org/drawingml/2006/main" xmlns:r="http://schemas.openxmlformats.org/officeDocument/2006/relationships" xmlns:p="http://schemas.openxmlformats.org/presentationml/2006/main">
+  <p:cSld>
+    <p:spTree>
+      <p:nvGrpSpPr>
+        <p:cNvPr id="1" name=""/>
+        <p:cNvGrpSpPr/>
+        <p:nvPr/>
+      </p:nvGrpSpPr>
+      <p:grpSpPr>
+        <a:xfrm>
+          <a:off x="0" y="0"/>
+          <a:ext cx="0" cy="0"/>
+          <a:chOff x="0" y="0"/>
+          <a:chExt cx="0" cy="0"/>
+        </a:xfrm>
+      </p:grpSpPr>
+      <p:sp>
+        <p:nvSpPr>
+          <p:cNvPr id="4" name="TextBox 3">
+            <a:extLst>
+              <a:ext uri="{FF2B5EF4-FFF2-40B4-BE49-F238E27FC236}">
+                <a16:creationId xmlns:a16="http://schemas.microsoft.com/office/drawing/2014/main" id="{897EEB3D-F879-4531-BC67-A9240BB569B4}"/>
+              </a:ext>
+            </a:extLst>
+          </p:cNvPr>
+          <p:cNvSpPr txBox="1"/>
+          <p:nvPr/>
+        </p:nvSpPr>
+        <p:spPr>
+          <a:xfrm>
+            <a:off x="8994195" y="1002326"/>
+            <a:ext cx="2921000" cy="830997"/>
+          </a:xfrm>
+          <a:prstGeom prst="rect">
+            <a:avLst/>
+          </a:prstGeom>
+          <a:noFill/>
+        </p:spPr>
+        <p:txBody>
+          <a:bodyPr wrap="square" rtlCol="0">
+            <a:spAutoFit/>
+          </a:bodyPr>
+          <a:lstStyle/>
+          <a:p>
+            <a:r>
+              <a:rPr lang="en-US" altLang="ko-KR" sz="4800" dirty="0"/>
+              <a:t>The END</a:t>
+            </a:r>
+            <a:endParaRPr lang="ko-KR" altLang="en-US" sz="4800" dirty="0"/>
+          </a:p>
+        </p:txBody>
+      </p:sp>
+      <p:sp>
+        <p:nvSpPr>
+          <p:cNvPr id="5" name="TextBox 4">
+            <a:extLst>
+              <a:ext uri="{FF2B5EF4-FFF2-40B4-BE49-F238E27FC236}">
+                <a16:creationId xmlns:a16="http://schemas.microsoft.com/office/drawing/2014/main" id="{7C5B6BA7-819E-4F2A-9349-E3042EC6F358}"/>
+              </a:ext>
+            </a:extLst>
+          </p:cNvPr>
+          <p:cNvSpPr txBox="1"/>
+          <p:nvPr/>
+        </p:nvSpPr>
+        <p:spPr>
+          <a:xfrm>
+            <a:off x="9690100" y="1769823"/>
+            <a:ext cx="2047295" cy="461665"/>
+          </a:xfrm>
+          <a:prstGeom prst="rect">
+            <a:avLst/>
+          </a:prstGeom>
+          <a:noFill/>
+        </p:spPr>
+        <p:txBody>
+          <a:bodyPr wrap="square" rtlCol="0">
+            <a:spAutoFit/>
+          </a:bodyPr>
+          <a:lstStyle/>
+          <a:p>
+            <a:r>
+              <a:rPr lang="en-US" altLang="ko-KR" sz="2400" dirty="0"/>
+              <a:t>Thank you!</a:t>
+            </a:r>
+            <a:endParaRPr lang="ko-KR" altLang="en-US" sz="2400" dirty="0"/>
+          </a:p>
+        </p:txBody>
+      </p:sp>
+    </p:spTree>
+    <p:extLst>
+      <p:ext uri="{BB962C8B-B14F-4D97-AF65-F5344CB8AC3E}">
+        <p14:creationId xmlns:p14="http://schemas.microsoft.com/office/powerpoint/2010/main" val="2850395628"/>
+      </p:ext>
+    </p:extLst>
+  </p:cSld>
+  <p:clrMapOvr>
+    <a:masterClrMapping/>
+  </p:clrMapOvr>
+</p:sld>
+</file>
+
 <file path=ppt/theme/theme1.xml><?xml version="1.0" encoding="utf-8"?>
-<a:theme xmlns:a="http://schemas.openxmlformats.org/drawingml/2006/main" name="Office 테마">
+<a:theme xmlns:a="http://schemas.openxmlformats.org/drawingml/2006/main" name="추억">
   <a:themeElements>
-    <a:clrScheme name="Office">
+    <a:clrScheme name="추억">
       <a:dk1>
-        <a:sysClr val="windowText" lastClr="000000"/>
+        <a:srgbClr val="000000"/>
       </a:dk1>
       <a:lt1>
         <a:sysClr val="window" lastClr="FFFFFF"/>
       </a:lt1>
       <a:dk2>
-        <a:srgbClr val="44546A"/>
+        <a:srgbClr val="637052"/>
       </a:dk2>
       <a:lt2>
-        <a:srgbClr val="E7E6E6"/>
+        <a:srgbClr val="CCDDEA"/>
       </a:lt2>
       <a:accent1>
-        <a:srgbClr val="4472C4"/>
+        <a:srgbClr val="E48312"/>
       </a:accent1>
       <a:accent2>
-        <a:srgbClr val="ED7D31"/>
+        <a:srgbClr val="BD582C"/>
       </a:accent2>
       <a:accent3>
-        <a:srgbClr val="A5A5A5"/>
+        <a:srgbClr val="865640"/>
       </a:accent3>
       <a:accent4>
-        <a:srgbClr val="FFC000"/>
+        <a:srgbClr val="9B8357"/>
       </a:accent4>
       <a:accent5>
-        <a:srgbClr val="5B9BD5"/>
+        <a:srgbClr val="C2BC80"/>
       </a:accent5>
       <a:accent6>
-        <a:srgbClr val="70AD47"/>
+        <a:srgbClr val="94A088"/>
       </a:accent6>
       <a:hlink>
-        <a:srgbClr val="0563C1"/>
+        <a:srgbClr val="2998E3"/>
       </a:hlink>
       <a:folHlink>
-        <a:srgbClr val="954F72"/>
+        <a:srgbClr val="8C8C8C"/>
       </a:folHlink>
     </a:clrScheme>
-    <a:fontScheme name="Office">
+    <a:fontScheme name="추억">
       <a:majorFont>
-        <a:latin typeface="맑은 고딕" panose="020F0302020204030204"/>
+        <a:latin typeface="Calibri Light" panose="020F0302020204030204"/>
         <a:ea typeface=""/>
         <a:cs typeface=""/>
-        <a:font script="Jpan" typeface="游ゴシック Light"/>
+        <a:font script="Jpan" typeface="ＭＳ Ｐゴシック"/>
         <a:font script="Hang" typeface="맑은 고딕"/>
-        <a:font script="Hans" typeface="等线 Light"/>
+        <a:font script="Hans" typeface="宋体"/>
         <a:font script="Hant" typeface="新細明體"/>
         <a:font script="Arab" typeface="Times New Roman"/>
         <a:font script="Hebr" typeface="Times New Roman"/>
@@ -3460,31 +7075,14 @@
         <a:font script="Viet" typeface="Times New Roman"/>
         <a:font script="Uigh" typeface="Microsoft Uighur"/>
         <a:font script="Geor" typeface="Sylfaen"/>
-        <a:font script="Armn" typeface="Arial"/>
-        <a:font script="Bugi" typeface="Leelawadee UI"/>
-        <a:font script="Bopo" typeface="Microsoft JhengHei"/>
-        <a:font script="Java" typeface="Javanese Text"/>
-        <a:font script="Lisu" typeface="Segoe UI"/>
-        <a:font script="Mymr" typeface="Myanmar Text"/>
-        <a:font script="Nkoo" typeface="Ebrima"/>
-        <a:font script="Olck" typeface="Nirmala UI"/>
-        <a:font script="Osma" typeface="Ebrima"/>
-        <a:font script="Phag" typeface="Phagspa"/>
-        <a:font script="Syrn" typeface="Estrangelo Edessa"/>
-        <a:font script="Syrj" typeface="Estrangelo Edessa"/>
-        <a:font script="Syre" typeface="Estrangelo Edessa"/>
-        <a:font script="Sora" typeface="Nirmala UI"/>
-        <a:font script="Tale" typeface="Microsoft Tai Le"/>
-        <a:font script="Talu" typeface="Microsoft New Tai Lue"/>
-        <a:font script="Tfng" typeface="Ebrima"/>
       </a:majorFont>
       <a:minorFont>
-        <a:latin typeface="맑은 고딕" panose="020F0502020204030204"/>
+        <a:latin typeface="Calibri" panose="020F0502020204030204"/>
         <a:ea typeface=""/>
         <a:cs typeface=""/>
-        <a:font script="Jpan" typeface="游ゴシック"/>
+        <a:font script="Jpan" typeface="ＭＳ Ｐゴシック"/>
         <a:font script="Hang" typeface="맑은 고딕"/>
-        <a:font script="Hans" typeface="等线"/>
+        <a:font script="Hans" typeface="宋体"/>
         <a:font script="Hant" typeface="新細明體"/>
         <a:font script="Arab" typeface="Arial"/>
         <a:font script="Hebr" typeface="Arial"/>
@@ -3512,26 +7110,9 @@
         <a:font script="Viet" typeface="Arial"/>
         <a:font script="Uigh" typeface="Microsoft Uighur"/>
         <a:font script="Geor" typeface="Sylfaen"/>
-        <a:font script="Armn" typeface="Arial"/>
-        <a:font script="Bugi" typeface="Leelawadee UI"/>
-        <a:font script="Bopo" typeface="Microsoft JhengHei"/>
-        <a:font script="Java" typeface="Javanese Text"/>
-        <a:font script="Lisu" typeface="Segoe UI"/>
-        <a:font script="Mymr" typeface="Myanmar Text"/>
-        <a:font script="Nkoo" typeface="Ebrima"/>
-        <a:font script="Olck" typeface="Nirmala UI"/>
-        <a:font script="Osma" typeface="Ebrima"/>
-        <a:font script="Phag" typeface="Phagspa"/>
-        <a:font script="Syrn" typeface="Estrangelo Edessa"/>
-        <a:font script="Syrj" typeface="Estrangelo Edessa"/>
-        <a:font script="Syre" typeface="Estrangelo Edessa"/>
-        <a:font script="Sora" typeface="Nirmala UI"/>
-        <a:font script="Tale" typeface="Microsoft Tai Le"/>
-        <a:font script="Talu" typeface="Microsoft New Tai Lue"/>
-        <a:font script="Tfng" typeface="Ebrima"/>
       </a:minorFont>
     </a:fontScheme>
-    <a:fmtScheme name="Office">
+    <a:fmtScheme name="추억">
       <a:fillStyleLst>
         <a:solidFill>
           <a:schemeClr val="phClr"/>
@@ -3540,76 +7121,81 @@
           <a:gsLst>
             <a:gs pos="0">
               <a:schemeClr val="phClr">
-                <a:lumMod val="110000"/>
-                <a:satMod val="105000"/>
-                <a:tint val="67000"/>
+                <a:tint val="65000"/>
+                <a:shade val="92000"/>
+                <a:satMod val="130000"/>
               </a:schemeClr>
             </a:gs>
-            <a:gs pos="50000">
+            <a:gs pos="45000">
               <a:schemeClr val="phClr">
-                <a:lumMod val="105000"/>
-                <a:satMod val="103000"/>
-                <a:tint val="73000"/>
+                <a:tint val="60000"/>
+                <a:shade val="99000"/>
+                <a:satMod val="120000"/>
               </a:schemeClr>
             </a:gs>
             <a:gs pos="100000">
               <a:schemeClr val="phClr">
-                <a:lumMod val="105000"/>
-                <a:satMod val="109000"/>
-                <a:tint val="81000"/>
+                <a:tint val="55000"/>
+                <a:satMod val="140000"/>
               </a:schemeClr>
             </a:gs>
           </a:gsLst>
-          <a:lin ang="5400000" scaled="0"/>
+          <a:path path="circle">
+            <a:fillToRect l="100000" t="100000" r="100000" b="100000"/>
+          </a:path>
         </a:gradFill>
         <a:gradFill rotWithShape="1">
           <a:gsLst>
             <a:gs pos="0">
               <a:schemeClr val="phClr">
-                <a:satMod val="103000"/>
-                <a:lumMod val="102000"/>
-                <a:tint val="94000"/>
+                <a:shade val="85000"/>
+                <a:satMod val="130000"/>
               </a:schemeClr>
             </a:gs>
-            <a:gs pos="50000">
+            <a:gs pos="34000">
               <a:schemeClr val="phClr">
-                <a:satMod val="110000"/>
-                <a:lumMod val="100000"/>
-                <a:shade val="100000"/>
+                <a:shade val="87000"/>
+                <a:satMod val="125000"/>
+              </a:schemeClr>
+            </a:gs>
+            <a:gs pos="70000">
+              <a:schemeClr val="phClr">
+                <a:tint val="100000"/>
+                <a:shade val="90000"/>
+                <a:satMod val="130000"/>
               </a:schemeClr>
             </a:gs>
             <a:gs pos="100000">
               <a:schemeClr val="phClr">
-                <a:lumMod val="99000"/>
-                <a:satMod val="120000"/>
-                <a:shade val="78000"/>
+                <a:tint val="100000"/>
+                <a:shade val="100000"/>
+                <a:satMod val="110000"/>
               </a:schemeClr>
             </a:gs>
           </a:gsLst>
-          <a:lin ang="5400000" scaled="0"/>
+          <a:path path="circle">
+            <a:fillToRect l="100000" t="100000" r="100000" b="100000"/>
+          </a:path>
         </a:gradFill>
       </a:fillStyleLst>
       <a:lnStyleLst>
-        <a:ln w="6350" cap="flat" cmpd="sng" algn="ctr">
-          <a:solidFill>
-            <a:schemeClr val="phClr"/>
-          </a:solidFill>
-          <a:prstDash val="solid"/>
-          <a:miter lim="800000"/>
-        </a:ln>
         <a:ln w="12700" cap="flat" cmpd="sng" algn="ctr">
           <a:solidFill>
             <a:schemeClr val="phClr"/>
           </a:solidFill>
           <a:prstDash val="solid"/>
-          <a:miter lim="800000"/>
         </a:ln>
-        <a:ln w="19050" cap="flat" cmpd="sng" algn="ctr">
+        <a:ln w="15875" cap="flat" cmpd="sng" algn="ctr">
           <a:solidFill>
             <a:schemeClr val="phClr"/>
           </a:solidFill>
           <a:prstDash val="solid"/>
-          <a:miter lim="800000"/>
+        </a:ln>
+        <a:ln w="25400" cap="flat" cmpd="sng" algn="ctr">
+          <a:solidFill>
+            <a:schemeClr val="phClr"/>
+          </a:solidFill>
+          <a:prstDash val="solid"/>
         </a:ln>
       </a:lnStyleLst>
       <a:effectStyleLst>
@@ -3617,16 +7203,33 @@
           <a:effectLst/>
         </a:effectStyle>
         <a:effectStyle>
-          <a:effectLst/>
+          <a:effectLst>
+            <a:outerShdw blurRad="38100" dist="25400" dir="2700000" algn="br" rotWithShape="0">
+              <a:srgbClr val="000000">
+                <a:alpha val="60000"/>
+              </a:srgbClr>
+            </a:outerShdw>
+          </a:effectLst>
         </a:effectStyle>
         <a:effectStyle>
           <a:effectLst>
-            <a:outerShdw blurRad="57150" dist="19050" dir="5400000" algn="ctr" rotWithShape="0">
+            <a:outerShdw blurRad="44450" dist="25400" dir="2700000" algn="br" rotWithShape="0">
               <a:srgbClr val="000000">
-                <a:alpha val="63000"/>
+                <a:alpha val="60000"/>
               </a:srgbClr>
             </a:outerShdw>
           </a:effectLst>
+          <a:scene3d>
+            <a:camera prst="orthographicFront">
+              <a:rot lat="0" lon="0" rev="0"/>
+            </a:camera>
+            <a:lightRig rig="threePt" dir="t">
+              <a:rot lat="0" lon="0" rev="19800000"/>
+            </a:lightRig>
+          </a:scene3d>
+          <a:sp3d prstMaterial="flat">
+            <a:bevelT w="25400" h="31750"/>
+          </a:sp3d>
         </a:effectStyle>
       </a:effectStyleLst>
       <a:bgFillStyleLst>
@@ -3635,36 +7238,36 @@
         </a:solidFill>
         <a:solidFill>
           <a:schemeClr val="phClr">
-            <a:tint val="95000"/>
-            <a:satMod val="170000"/>
+            <a:tint val="90000"/>
+            <a:shade val="97000"/>
+            <a:satMod val="130000"/>
           </a:schemeClr>
         </a:solidFill>
         <a:gradFill rotWithShape="1">
           <a:gsLst>
             <a:gs pos="0">
               <a:schemeClr val="phClr">
-                <a:tint val="93000"/>
-                <a:satMod val="150000"/>
-                <a:shade val="98000"/>
-                <a:lumMod val="102000"/>
+                <a:tint val="96000"/>
+                <a:shade val="99000"/>
+                <a:satMod val="140000"/>
               </a:schemeClr>
             </a:gs>
-            <a:gs pos="50000">
+            <a:gs pos="65000">
               <a:schemeClr val="phClr">
-                <a:tint val="98000"/>
+                <a:tint val="100000"/>
+                <a:shade val="80000"/>
                 <a:satMod val="130000"/>
-                <a:shade val="90000"/>
-                <a:lumMod val="103000"/>
               </a:schemeClr>
             </a:gs>
             <a:gs pos="100000">
               <a:schemeClr val="phClr">
-                <a:shade val="63000"/>
+                <a:tint val="100000"/>
+                <a:shade val="48000"/>
                 <a:satMod val="120000"/>
               </a:schemeClr>
             </a:gs>
           </a:gsLst>
-          <a:lin ang="5400000" scaled="0"/>
+          <a:lin ang="16200000" scaled="0"/>
         </a:gradFill>
       </a:bgFillStyleLst>
     </a:fmtScheme>
@@ -3673,7 +7276,7 @@
   <a:extraClrSchemeLst/>
   <a:extLst>
     <a:ext uri="{05A4C25C-085E-4340-85A3-A5531E510DB2}">
-      <thm15:themeFamily xmlns:thm15="http://schemas.microsoft.com/office/thememl/2012/main" name="Office Theme" id="{62F939B6-93AF-4DB8-9C6B-D6C7DFDC589F}" vid="{4A3C46E8-61CC-4603-A589-7422A47A8E4A}"/>
+      <thm15:themeFamily xmlns:thm15="http://schemas.microsoft.com/office/thememl/2012/main" name="Retrospect" id="{5F128B03-DCCA-4EEB-AB3B-CF2899314A46}" vid="{3F1AAB62-24C6-49D2-8E01-B56FAC9A3DCD}"/>
     </a:ext>
   </a:extLst>
 </a:theme>

--- a/Project/제출용/1차 발표 ppt.pptx
+++ b/Project/제출용/1차 발표 ppt.pptx
@@ -3892,6 +3892,64 @@
           </a:p>
         </p:txBody>
       </p:sp>
+      <p:sp>
+        <p:nvSpPr>
+          <p:cNvPr id="4" name="TextBox 3">
+            <a:extLst>
+              <a:ext uri="{FF2B5EF4-FFF2-40B4-BE49-F238E27FC236}">
+                <a16:creationId xmlns:a16="http://schemas.microsoft.com/office/drawing/2014/main" id="{6F2BFA37-CBB0-4841-8EB3-7070B68E68A1}"/>
+              </a:ext>
+            </a:extLst>
+          </p:cNvPr>
+          <p:cNvSpPr txBox="1"/>
+          <p:nvPr/>
+        </p:nvSpPr>
+        <p:spPr>
+          <a:xfrm>
+            <a:off x="1219200" y="4455620"/>
+            <a:ext cx="2377767" cy="369332"/>
+          </a:xfrm>
+          <a:prstGeom prst="rect">
+            <a:avLst/>
+          </a:prstGeom>
+          <a:noFill/>
+        </p:spPr>
+        <p:txBody>
+          <a:bodyPr wrap="none" rtlCol="0">
+            <a:spAutoFit/>
+          </a:bodyPr>
+          <a:lstStyle/>
+          <a:p>
+            <a:r>
+              <a:rPr lang="en-US" altLang="ko-KR" dirty="0" err="1">
+                <a:solidFill>
+                  <a:schemeClr val="bg1">
+                    <a:lumMod val="65000"/>
+                  </a:schemeClr>
+                </a:solidFill>
+              </a:rPr>
+              <a:t>EnDless</a:t>
+            </a:r>
+            <a:r>
+              <a:rPr lang="en-US" altLang="ko-KR" dirty="0">
+                <a:solidFill>
+                  <a:schemeClr val="bg1">
+                    <a:lumMod val="65000"/>
+                  </a:schemeClr>
+                </a:solidFill>
+              </a:rPr>
+              <a:t> Music Sprinter </a:t>
+            </a:r>
+            <a:endParaRPr lang="ko-KR" altLang="en-US" dirty="0">
+              <a:solidFill>
+                <a:schemeClr val="bg1">
+                  <a:lumMod val="65000"/>
+                </a:schemeClr>
+              </a:solidFill>
+            </a:endParaRPr>
+          </a:p>
+        </p:txBody>
+      </p:sp>
     </p:spTree>
     <p:extLst>
       <p:ext uri="{BB962C8B-B14F-4D97-AF65-F5344CB8AC3E}">
@@ -4621,8 +4679,8 @@
         </p:nvSpPr>
         <p:spPr>
           <a:xfrm>
-            <a:off x="3130487" y="5391001"/>
-            <a:ext cx="3647152" cy="461665"/>
+            <a:off x="1847064" y="5390999"/>
+            <a:ext cx="5163593" cy="461665"/>
           </a:xfrm>
           <a:prstGeom prst="rect">
             <a:avLst/>
@@ -4637,7 +4695,7 @@
           <a:p>
             <a:r>
               <a:rPr lang="ko-KR" altLang="en-US" sz="2400" dirty="0"/>
-              <a:t>원하는 음악을 고르면    →</a:t>
+              <a:t>원하는 음악을 고르면                          →</a:t>
             </a:r>
           </a:p>
         </p:txBody>
@@ -4656,8 +4714,8 @@
         </p:nvSpPr>
         <p:spPr>
           <a:xfrm>
-            <a:off x="6851587" y="5391000"/>
-            <a:ext cx="2784737" cy="461665"/>
+            <a:off x="7536911" y="5390999"/>
+            <a:ext cx="3092513" cy="461665"/>
           </a:xfrm>
           <a:prstGeom prst="rect">
             <a:avLst/>
@@ -4672,8 +4730,13 @@
           <a:p>
             <a:r>
               <a:rPr lang="ko-KR" altLang="en-US" sz="2400" dirty="0"/>
-              <a:t>해당 스테이지 등장</a:t>
-            </a:r>
+              <a:t>해당 </a:t>
+            </a:r>
+            <a:r>
+              <a:rPr lang="ko-KR" altLang="en-US" sz="2400"/>
+              <a:t>스테이지 플레이</a:t>
+            </a:r>
+            <a:endParaRPr lang="ko-KR" altLang="en-US" sz="2400" dirty="0"/>
           </a:p>
         </p:txBody>
       </p:sp>
@@ -5007,7 +5070,12 @@
             <p:ph idx="1"/>
           </p:nvPr>
         </p:nvSpPr>
-        <p:spPr/>
+        <p:spPr>
+          <a:xfrm>
+            <a:off x="1097280" y="1845734"/>
+            <a:ext cx="10058400" cy="4656666"/>
+          </a:xfrm>
+        </p:spPr>
         <p:txBody>
           <a:bodyPr>
             <a:normAutofit/>
@@ -5118,6 +5186,45 @@
                 <a:srgbClr val="FF0000"/>
               </a:solidFill>
             </a:endParaRPr>
+          </a:p>
+          <a:p>
+            <a:pPr marL="457200" indent="-457200">
+              <a:buAutoNum type="arabicPeriod"/>
+            </a:pPr>
+            <a:endParaRPr lang="en-US" altLang="ko-KR" sz="2400" dirty="0">
+              <a:solidFill>
+                <a:srgbClr val="FF0000"/>
+              </a:solidFill>
+            </a:endParaRPr>
+          </a:p>
+          <a:p>
+            <a:pPr marL="457200" indent="-457200">
+              <a:buAutoNum type="arabicPeriod"/>
+            </a:pPr>
+            <a:r>
+              <a:rPr lang="ko-KR" altLang="en-US" sz="2400" dirty="0">
+                <a:solidFill>
+                  <a:schemeClr val="tx1"/>
+                </a:solidFill>
+              </a:rPr>
+              <a:t>음악이 끝날 때까지 살아 있으면 </a:t>
+            </a:r>
+            <a:r>
+              <a:rPr lang="ko-KR" altLang="en-US" sz="2400" dirty="0">
+                <a:solidFill>
+                  <a:srgbClr val="FF0000"/>
+                </a:solidFill>
+              </a:rPr>
+              <a:t>클리어</a:t>
+            </a:r>
+            <a:r>
+              <a:rPr lang="en-US" altLang="ko-KR" sz="2400" dirty="0">
+                <a:solidFill>
+                  <a:srgbClr val="FF0000"/>
+                </a:solidFill>
+              </a:rPr>
+              <a:t>!</a:t>
+            </a:r>
           </a:p>
         </p:txBody>
       </p:sp>
@@ -5242,7 +5349,7 @@
           <p:nvPr>
             <p:extLst>
               <p:ext uri="{D42A27DB-BD31-4B8C-83A1-F6EECF244321}">
-                <p14:modId xmlns:p14="http://schemas.microsoft.com/office/powerpoint/2010/main" val="337978331"/>
+                <p14:modId xmlns:p14="http://schemas.microsoft.com/office/powerpoint/2010/main" val="1428045400"/>
               </p:ext>
             </p:extLst>
           </p:nvPr>
@@ -5367,12 +5474,8 @@
                     <a:p>
                       <a:pPr algn="ctr" latinLnBrk="1"/>
                       <a:r>
-                        <a:rPr lang="ko-KR" altLang="en-US" dirty="0" err="1"/>
-                        <a:t>피격시</a:t>
-                      </a:r>
-                      <a:r>
                         <a:rPr lang="ko-KR" altLang="en-US" dirty="0"/>
-                        <a:t> 게임 오버</a:t>
+                        <a:t>피격 시 게임 오버</a:t>
                       </a:r>
                     </a:p>
                   </a:txBody>
@@ -5456,12 +5559,8 @@
                         <a:t>보스전</a:t>
                       </a:r>
                       <a:r>
-                        <a:rPr lang="ko-KR" altLang="en-US"/>
-                        <a:t> 가능한 </a:t>
-                      </a:r>
-                      <a:r>
                         <a:rPr lang="ko-KR" altLang="en-US" dirty="0"/>
-                        <a:t>적어도 </a:t>
+                        <a:t> 가능한 적어도 </a:t>
                       </a:r>
                       <a:r>
                         <a:rPr lang="en-US" altLang="ko-KR" dirty="0"/>
@@ -5482,12 +5581,8 @@
                     <a:p>
                       <a:pPr algn="ctr" latinLnBrk="1"/>
                       <a:r>
-                        <a:rPr lang="ko-KR" altLang="en-US" dirty="0" err="1"/>
-                        <a:t>벽타기</a:t>
-                      </a:r>
-                      <a:r>
                         <a:rPr lang="ko-KR" altLang="en-US" dirty="0"/>
-                        <a:t> 타일</a:t>
+                        <a:t>벽 타기 타일</a:t>
                       </a:r>
                       <a:endParaRPr lang="en-US" altLang="ko-KR" dirty="0"/>
                     </a:p>
@@ -5616,15 +5711,7 @@
                       <a:pPr algn="ctr" latinLnBrk="1"/>
                       <a:r>
                         <a:rPr lang="ko-KR" altLang="en-US" dirty="0"/>
-                        <a:t>음악 </a:t>
-                      </a:r>
-                      <a:r>
-                        <a:rPr lang="ko-KR" altLang="en-US" dirty="0" err="1"/>
-                        <a:t>선택시</a:t>
-                      </a:r>
-                      <a:r>
-                        <a:rPr lang="ko-KR" altLang="en-US" dirty="0"/>
-                        <a:t> 프리뷰 출력</a:t>
+                        <a:t>음악 선택 시 프리뷰 출력</a:t>
                       </a:r>
                       <a:r>
                         <a:rPr lang="en-US" altLang="ko-KR" dirty="0"/>
